--- a/04-refactoring_cookbooks_with_tests.pptx
+++ b/04-refactoring_cookbooks_with_tests.pptx
@@ -323,7 +323,7 @@
               <a:pPr>
                 <a:defRPr/>
               </a:pPr>
-              <a:t>2016-02-20</a:t>
+              <a:t>2016-02-27</a:t>
             </a:fld>
             <a:endParaRPr lang="en-US" dirty="0"/>
           </a:p>
@@ -506,7 +506,7 @@
               <a:pPr>
                 <a:defRPr/>
               </a:pPr>
-              <a:t>2016-02-20</a:t>
+              <a:t>2016-02-27</a:t>
             </a:fld>
             <a:endParaRPr lang="en-US" dirty="0"/>
           </a:p>
@@ -985,7 +985,6 @@
               <a:rPr lang="en-US" baseline="0" dirty="0" smtClean="0"/>
               <a:t> of making changes to the implementation while maintaining the original intention. Without having tests that capture the original intention how do you know if the new implementation did not change the original intention? Fortunately for us we have defined a test that will allow us to make the changes confident that we have not destroyed that original intention.</a:t>
             </a:r>
-            <a:endParaRPr lang="en-US" baseline="0" dirty="0" smtClean="0"/>
           </a:p>
           <a:p>
             <a:endParaRPr lang="en-US" baseline="0" dirty="0" smtClean="0"/>
@@ -3211,7 +3210,6 @@
               <a:rPr lang="en-US" baseline="0" dirty="0" smtClean="0"/>
               <a:t> everything converges successfully it is time to verify the state of the instance with the test that we have defined.</a:t>
             </a:r>
-            <a:endParaRPr lang="en-US" baseline="0" dirty="0" smtClean="0"/>
           </a:p>
         </p:txBody>
       </p:sp>
@@ -6391,15 +6389,7 @@
             </a:r>
             <a:r>
               <a:rPr lang="en-US" dirty="0" smtClean="0"/>
-              <a:t>Destroy </a:t>
-            </a:r>
-            <a:r>
-              <a:rPr lang="en-US" dirty="0" smtClean="0"/>
-              <a:t>is available at all stages and essentially cleans up the instance</a:t>
-            </a:r>
-            <a:r>
-              <a:rPr lang="en-US" dirty="0" smtClean="0"/>
-              <a:t>.</a:t>
+              <a:t>Destroy is available at all stages and essentially cleans up the instance.</a:t>
             </a:r>
             <a:r>
               <a:rPr lang="en-US" baseline="0" dirty="0" smtClean="0"/>
@@ -8718,7 +8708,7 @@
               <a:buFont typeface="Arial" pitchFamily="34" charset="0"/>
               <a:buNone/>
               <a:tabLst/>
-              <a:defRPr sz="2800">
+              <a:defRPr sz="2800" b="1">
                 <a:latin typeface="Courier New" panose="02070309020205020404" pitchFamily="49" charset="0"/>
                 <a:cs typeface="Courier New" panose="02070309020205020404" pitchFamily="49" charset="0"/>
               </a:defRPr>
@@ -9031,14 +9021,14 @@
           </a:ln>
           <a:extLst>
             <a:ext uri="{909E8E84-426E-40dd-AFC4-6F175D3DCCD1}">
-              <a14:hiddenFill xmlns:a14="http://schemas.microsoft.com/office/drawing/2010/main" xmlns="">
+              <a14:hiddenFill xmlns="" xmlns:a14="http://schemas.microsoft.com/office/drawing/2010/main">
                 <a:solidFill>
                   <a:srgbClr val="FFFFFF"/>
                 </a:solidFill>
               </a14:hiddenFill>
             </a:ext>
             <a:ext uri="{91240B29-F687-4f45-9708-019B960494DF}">
-              <a14:hiddenLine xmlns:a14="http://schemas.microsoft.com/office/drawing/2010/main" xmlns="" w="9525">
+              <a14:hiddenLine xmlns="" xmlns:a14="http://schemas.microsoft.com/office/drawing/2010/main" w="9525">
                 <a:solidFill>
                   <a:srgbClr val="000000"/>
                 </a:solidFill>
@@ -9186,14 +9176,14 @@
           </a:ln>
           <a:extLst>
             <a:ext uri="{909E8E84-426E-40dd-AFC4-6F175D3DCCD1}">
-              <a14:hiddenFill xmlns:a14="http://schemas.microsoft.com/office/drawing/2010/main" xmlns="">
+              <a14:hiddenFill xmlns="" xmlns:a14="http://schemas.microsoft.com/office/drawing/2010/main">
                 <a:solidFill>
                   <a:srgbClr val="FFFFFF"/>
                 </a:solidFill>
               </a14:hiddenFill>
             </a:ext>
             <a:ext uri="{91240B29-F687-4f45-9708-019B960494DF}">
-              <a14:hiddenLine xmlns:a14="http://schemas.microsoft.com/office/drawing/2010/main" xmlns="" w="9525">
+              <a14:hiddenLine xmlns="" xmlns:a14="http://schemas.microsoft.com/office/drawing/2010/main" w="9525">
                 <a:solidFill>
                   <a:srgbClr val="000000"/>
                 </a:solidFill>
@@ -9684,14 +9674,14 @@
           </a:ln>
           <a:extLst>
             <a:ext uri="{909E8E84-426E-40dd-AFC4-6F175D3DCCD1}">
-              <a14:hiddenFill xmlns:a14="http://schemas.microsoft.com/office/drawing/2010/main" xmlns="">
+              <a14:hiddenFill xmlns="" xmlns:a14="http://schemas.microsoft.com/office/drawing/2010/main">
                 <a:solidFill>
                   <a:srgbClr val="FFFFFF"/>
                 </a:solidFill>
               </a14:hiddenFill>
             </a:ext>
             <a:ext uri="{91240B29-F687-4f45-9708-019B960494DF}">
-              <a14:hiddenLine xmlns:a14="http://schemas.microsoft.com/office/drawing/2010/main" xmlns="" w="9525">
+              <a14:hiddenLine xmlns="" xmlns:a14="http://schemas.microsoft.com/office/drawing/2010/main" w="9525">
                 <a:solidFill>
                   <a:srgbClr val="000000"/>
                 </a:solidFill>
@@ -11140,14 +11130,14 @@
           </a:ln>
           <a:extLst>
             <a:ext uri="{909E8E84-426E-40dd-AFC4-6F175D3DCCD1}">
-              <a14:hiddenFill xmlns:a14="http://schemas.microsoft.com/office/drawing/2010/main" xmlns="">
+              <a14:hiddenFill xmlns="" xmlns:a14="http://schemas.microsoft.com/office/drawing/2010/main">
                 <a:solidFill>
                   <a:srgbClr val="FFFFFF"/>
                 </a:solidFill>
               </a14:hiddenFill>
             </a:ext>
             <a:ext uri="{91240B29-F687-4f45-9708-019B960494DF}">
-              <a14:hiddenLine xmlns:a14="http://schemas.microsoft.com/office/drawing/2010/main" xmlns="" w="9525">
+              <a14:hiddenLine xmlns="" xmlns:a14="http://schemas.microsoft.com/office/drawing/2010/main" w="9525">
                 <a:solidFill>
                   <a:srgbClr val="000000"/>
                 </a:solidFill>
@@ -12501,14 +12491,14 @@
           </a:ln>
           <a:extLst>
             <a:ext uri="{909E8E84-426E-40dd-AFC4-6F175D3DCCD1}">
-              <a14:hiddenFill xmlns:a14="http://schemas.microsoft.com/office/drawing/2010/main" xmlns="">
+              <a14:hiddenFill xmlns="" xmlns:a14="http://schemas.microsoft.com/office/drawing/2010/main">
                 <a:solidFill>
                   <a:srgbClr val="FFFFFF"/>
                 </a:solidFill>
               </a14:hiddenFill>
             </a:ext>
             <a:ext uri="{91240B29-F687-4f45-9708-019B960494DF}">
-              <a14:hiddenLine xmlns:a14="http://schemas.microsoft.com/office/drawing/2010/main" xmlns="" w="9525">
+              <a14:hiddenLine xmlns="" xmlns:a14="http://schemas.microsoft.com/office/drawing/2010/main" w="9525">
                 <a:solidFill>
                   <a:srgbClr val="000000"/>
                 </a:solidFill>
@@ -12600,7 +12590,7 @@
               <a:buFont typeface="Arial" pitchFamily="34" charset="0"/>
               <a:buNone/>
               <a:tabLst/>
-              <a:defRPr sz="2800">
+              <a:defRPr sz="2800" b="1">
                 <a:solidFill>
                   <a:srgbClr val="FFFFFF"/>
                 </a:solidFill>
@@ -12902,7 +12892,7 @@
               <a:buFont typeface="Wingdings" charset="0"/>
               <a:buNone/>
               <a:tabLst/>
-              <a:defRPr sz="2800" baseline="0">
+              <a:defRPr sz="2800" b="1" baseline="0">
                 <a:solidFill>
                   <a:schemeClr val="bg1"/>
                 </a:solidFill>
@@ -13066,14 +13056,14 @@
           </a:ln>
           <a:extLst>
             <a:ext uri="{909E8E84-426E-40dd-AFC4-6F175D3DCCD1}">
-              <a14:hiddenFill xmlns:a14="http://schemas.microsoft.com/office/drawing/2010/main" xmlns="">
+              <a14:hiddenFill xmlns="" xmlns:a14="http://schemas.microsoft.com/office/drawing/2010/main">
                 <a:solidFill>
                   <a:srgbClr val="FFFFFF"/>
                 </a:solidFill>
               </a14:hiddenFill>
             </a:ext>
             <a:ext uri="{91240B29-F687-4f45-9708-019B960494DF}">
-              <a14:hiddenLine xmlns:a14="http://schemas.microsoft.com/office/drawing/2010/main" xmlns="" w="9525">
+              <a14:hiddenLine xmlns="" xmlns:a14="http://schemas.microsoft.com/office/drawing/2010/main" w="9525">
                 <a:solidFill>
                   <a:srgbClr val="000000"/>
                 </a:solidFill>
@@ -13199,7 +13189,7 @@
               <a:buFont typeface="Arial" pitchFamily="34" charset="0"/>
               <a:buNone/>
               <a:tabLst/>
-              <a:defRPr sz="2800">
+              <a:defRPr sz="2800" b="1">
                 <a:solidFill>
                   <a:srgbClr val="FFFFFF"/>
                 </a:solidFill>
@@ -13476,7 +13466,7 @@
               <a:buFont typeface="Arial" pitchFamily="34" charset="0"/>
               <a:buNone/>
               <a:tabLst/>
-              <a:defRPr sz="3200" baseline="0">
+              <a:defRPr sz="3200" b="1" baseline="0">
                 <a:solidFill>
                   <a:schemeClr val="bg1"/>
                 </a:solidFill>
@@ -13640,14 +13630,14 @@
           </a:ln>
           <a:extLst>
             <a:ext uri="{909E8E84-426E-40dd-AFC4-6F175D3DCCD1}">
-              <a14:hiddenFill xmlns:a14="http://schemas.microsoft.com/office/drawing/2010/main" xmlns="">
+              <a14:hiddenFill xmlns="" xmlns:a14="http://schemas.microsoft.com/office/drawing/2010/main">
                 <a:solidFill>
                   <a:srgbClr val="FFFFFF"/>
                 </a:solidFill>
               </a14:hiddenFill>
             </a:ext>
             <a:ext uri="{91240B29-F687-4f45-9708-019B960494DF}">
-              <a14:hiddenLine xmlns:a14="http://schemas.microsoft.com/office/drawing/2010/main" xmlns="" w="9525">
+              <a14:hiddenLine xmlns="" xmlns:a14="http://schemas.microsoft.com/office/drawing/2010/main" w="9525">
                 <a:solidFill>
                   <a:srgbClr val="000000"/>
                 </a:solidFill>
@@ -13733,7 +13723,7 @@
               <a:buFont typeface="Arial" pitchFamily="34" charset="0"/>
               <a:buNone/>
               <a:tabLst/>
-              <a:defRPr sz="2800">
+              <a:defRPr sz="2800" b="1">
                 <a:latin typeface="Courier New" panose="02070309020205020404" pitchFamily="49" charset="0"/>
                 <a:cs typeface="Courier New" panose="02070309020205020404" pitchFamily="49" charset="0"/>
               </a:defRPr>
@@ -14030,7 +14020,7 @@
               <a:buFont typeface="Arial" pitchFamily="34" charset="0"/>
               <a:buNone/>
               <a:tabLst/>
-              <a:defRPr sz="2800" baseline="0">
+              <a:defRPr sz="2800" b="1" baseline="0">
                 <a:latin typeface="Courier New" panose="02070309020205020404" pitchFamily="49" charset="0"/>
                 <a:cs typeface="Courier New" panose="02070309020205020404" pitchFamily="49" charset="0"/>
               </a:defRPr>
@@ -14258,7 +14248,7 @@
               <a:buFont typeface="Arial" pitchFamily="34" charset="0"/>
               <a:buNone/>
               <a:tabLst/>
-              <a:defRPr sz="2800">
+              <a:defRPr sz="2800" b="1">
                 <a:latin typeface="Courier New" panose="02070309020205020404" pitchFamily="49" charset="0"/>
                 <a:cs typeface="Courier New" panose="02070309020205020404" pitchFamily="49" charset="0"/>
               </a:defRPr>
@@ -14587,14 +14577,14 @@
           </a:ln>
           <a:extLst>
             <a:ext uri="{909E8E84-426E-40dd-AFC4-6F175D3DCCD1}">
-              <a14:hiddenFill xmlns:a14="http://schemas.microsoft.com/office/drawing/2010/main" xmlns="">
+              <a14:hiddenFill xmlns="" xmlns:a14="http://schemas.microsoft.com/office/drawing/2010/main">
                 <a:solidFill>
                   <a:srgbClr val="FFFFFF"/>
                 </a:solidFill>
               </a14:hiddenFill>
             </a:ext>
             <a:ext uri="{91240B29-F687-4f45-9708-019B960494DF}">
-              <a14:hiddenLine xmlns:a14="http://schemas.microsoft.com/office/drawing/2010/main" xmlns="" w="9525">
+              <a14:hiddenLine xmlns="" xmlns:a14="http://schemas.microsoft.com/office/drawing/2010/main" w="9525">
                 <a:solidFill>
                   <a:srgbClr val="000000"/>
                 </a:solidFill>
@@ -15367,14 +15357,14 @@
           </a:ln>
           <a:extLst>
             <a:ext uri="{909E8E84-426E-40dd-AFC4-6F175D3DCCD1}">
-              <a14:hiddenFill xmlns:a14="http://schemas.microsoft.com/office/drawing/2010/main" xmlns="">
+              <a14:hiddenFill xmlns="" xmlns:a14="http://schemas.microsoft.com/office/drawing/2010/main">
                 <a:solidFill>
                   <a:srgbClr val="FFFFFF"/>
                 </a:solidFill>
               </a14:hiddenFill>
             </a:ext>
             <a:ext uri="{91240B29-F687-4f45-9708-019B960494DF}">
-              <a14:hiddenLine xmlns:a14="http://schemas.microsoft.com/office/drawing/2010/main" xmlns="" w="9525">
+              <a14:hiddenLine xmlns="" xmlns:a14="http://schemas.microsoft.com/office/drawing/2010/main" w="9525">
                 <a:solidFill>
                   <a:srgbClr val="000000"/>
                 </a:solidFill>
@@ -16174,6 +16164,65 @@
           </a:p>
         </p:txBody>
       </p:sp>
+      <p:pic>
+        <p:nvPicPr>
+          <p:cNvPr id="4" name="Picture 3"/>
+          <p:cNvPicPr>
+            <a:picLocks noChangeAspect="1"/>
+          </p:cNvPicPr>
+          <p:nvPr/>
+        </p:nvPicPr>
+        <p:blipFill>
+          <a:blip r:embed="rId3">
+            <a:extLst>
+              <a:ext uri="{28A0092B-C50C-407E-A947-70E740481C1C}">
+                <a14:useLocalDpi xmlns:a14="http://schemas.microsoft.com/office/drawing/2010/main" val="0"/>
+              </a:ext>
+            </a:extLst>
+          </a:blip>
+          <a:stretch>
+            <a:fillRect/>
+          </a:stretch>
+        </p:blipFill>
+        <p:spPr>
+          <a:xfrm rot="21215008">
+            <a:off x="8319135" y="4542411"/>
+            <a:ext cx="5826443" cy="2995763"/>
+          </a:xfrm>
+          <a:prstGeom prst="rect">
+            <a:avLst/>
+          </a:prstGeom>
+          <a:solidFill>
+            <a:srgbClr val="FFFFFF">
+              <a:shade val="85000"/>
+            </a:srgbClr>
+          </a:solidFill>
+          <a:ln w="190500" cap="rnd">
+            <a:solidFill>
+              <a:srgbClr val="FFFFFF"/>
+            </a:solidFill>
+          </a:ln>
+          <a:effectLst>
+            <a:outerShdw blurRad="50800" dist="76200" dir="2700000" algn="tl" rotWithShape="0">
+              <a:prstClr val="black">
+                <a:alpha val="40000"/>
+              </a:prstClr>
+            </a:outerShdw>
+          </a:effectLst>
+          <a:scene3d>
+            <a:camera prst="orthographicFront"/>
+            <a:lightRig rig="twoPt" dir="t">
+              <a:rot lat="0" lon="0" rev="7800000"/>
+            </a:lightRig>
+          </a:scene3d>
+          <a:sp3d contourW="6350">
+            <a:bevelT w="50800" h="16510"/>
+            <a:contourClr>
+              <a:srgbClr val="C0C0C0"/>
+            </a:contourClr>
+          </a:sp3d>
+        </p:spPr>
+      </p:pic>
     </p:spTree>
     <p:extLst>
       <p:ext uri="{BB962C8B-B14F-4D97-AF65-F5344CB8AC3E}">
@@ -16924,7 +16973,6 @@
               <a:rPr lang="en-US" dirty="0"/>
               <a:t>Refactor to Modular Recipes</a:t>
             </a:r>
-            <a:endParaRPr lang="en-US" dirty="0"/>
           </a:p>
         </p:txBody>
       </p:sp>
@@ -17000,7 +17048,6 @@
               <a:rPr lang="en-US" dirty="0"/>
               <a:t>execute the tests</a:t>
             </a:r>
-            <a:endParaRPr lang="en-US" dirty="0"/>
           </a:p>
         </p:txBody>
       </p:sp>
@@ -17437,7 +17484,6 @@
               <a:rPr lang="en-US" dirty="0"/>
               <a:t>Refactor to Modular Recipes</a:t>
             </a:r>
-            <a:endParaRPr lang="en-US" dirty="0"/>
           </a:p>
         </p:txBody>
       </p:sp>
@@ -17505,7 +17551,6 @@
               <a:rPr lang="en-US" dirty="0"/>
               <a:t>Converge the cookbook and execute the tests</a:t>
             </a:r>
-            <a:endParaRPr lang="en-US" dirty="0"/>
           </a:p>
         </p:txBody>
       </p:sp>
@@ -18260,15 +18305,7 @@
             </a:pPr>
             <a:r>
               <a:rPr lang="en-US" dirty="0" smtClean="0"/>
-              <a:t>Finally </a:t>
-            </a:r>
-            <a:r>
-              <a:rPr lang="en-US" dirty="0" smtClean="0"/>
-              <a:t>verify that the implementation of the unit makes the tests succeed</a:t>
-            </a:r>
-            <a:r>
-              <a:rPr lang="en-US" dirty="0" smtClean="0"/>
-              <a:t>.</a:t>
+              <a:t>Finally verify that the implementation of the unit makes the tests succeed.</a:t>
             </a:r>
           </a:p>
           <a:p>
@@ -20574,15 +20611,7 @@
             </a:pPr>
             <a:r>
               <a:rPr lang="en-US" dirty="0" smtClean="0"/>
-              <a:t>Explain </a:t>
-            </a:r>
-            <a:r>
-              <a:rPr lang="en-US" dirty="0" smtClean="0"/>
-              <a:t>when </a:t>
-            </a:r>
-            <a:r>
-              <a:rPr lang="en-US" dirty="0" smtClean="0"/>
-              <a:t>to use </a:t>
+              <a:t>Explain when to use </a:t>
             </a:r>
             <a:r>
               <a:rPr lang="en-US" dirty="0" smtClean="0">
@@ -21270,15 +21299,7 @@
           <a:p>
             <a:r>
               <a:rPr lang="en-US" dirty="0" smtClean="0"/>
-              <a:t>What if we </a:t>
-            </a:r>
-            <a:r>
-              <a:rPr lang="en-US" dirty="0" smtClean="0"/>
-              <a:t>removed </a:t>
-            </a:r>
-            <a:r>
-              <a:rPr lang="en-US" dirty="0" smtClean="0"/>
-              <a:t>code from within the recipes and ran the tests?</a:t>
+              <a:t>What if we removed code from within the recipes and ran the tests?</a:t>
             </a:r>
           </a:p>
         </p:txBody>
@@ -21335,15 +21356,7 @@
           <a:p>
             <a:r>
               <a:rPr lang="en-US" dirty="0" smtClean="0"/>
-              <a:t>Heckling </a:t>
-            </a:r>
-            <a:r>
-              <a:rPr lang="en-US" dirty="0" smtClean="0"/>
-              <a:t>Your </a:t>
-            </a:r>
-            <a:r>
-              <a:rPr lang="en-US" dirty="0" smtClean="0"/>
-              <a:t>Code</a:t>
+              <a:t>Heckling Your Code</a:t>
             </a:r>
             <a:endParaRPr lang="en-US" dirty="0"/>
           </a:p>
@@ -21447,15 +21460,7 @@
           <a:p>
             <a:r>
               <a:rPr lang="en-US" dirty="0" smtClean="0"/>
-              <a:t>It could be a game </a:t>
-            </a:r>
-            <a:r>
-              <a:rPr lang="en-US" dirty="0" smtClean="0"/>
-              <a:t>show. Maybe on Twitch</a:t>
-            </a:r>
-            <a:r>
-              <a:rPr lang="en-US" dirty="0" smtClean="0"/>
-              <a:t>?</a:t>
+              <a:t>It could be a game show. Maybe on Twitch?</a:t>
             </a:r>
             <a:endParaRPr lang="en-US" dirty="0"/>
           </a:p>
@@ -21828,7 +21833,6 @@
               <a:rPr lang="en-US" dirty="0"/>
               <a:t>It could be a game show. Maybe on Twitch?</a:t>
             </a:r>
-            <a:endParaRPr lang="en-US" dirty="0"/>
           </a:p>
         </p:txBody>
       </p:sp>
@@ -26871,7 +26875,6 @@
               <a:rPr lang="en-US" dirty="0"/>
               <a:t>It could be a game show. Maybe on Twitch?</a:t>
             </a:r>
-            <a:endParaRPr lang="en-US" dirty="0"/>
           </a:p>
         </p:txBody>
       </p:sp>
@@ -28626,13 +28629,8 @@
             </a:pPr>
             <a:r>
               <a:rPr lang="en-US" dirty="0" smtClean="0"/>
-              <a:t>Refactor the </a:t>
-            </a:r>
-            <a:r>
-              <a:rPr lang="en-US" dirty="0" smtClean="0"/>
-              <a:t>installation into a separate recipe</a:t>
-            </a:r>
-            <a:endParaRPr lang="en-US" dirty="0" smtClean="0"/>
+              <a:t>Refactor the installation into a separate recipe</a:t>
+            </a:r>
           </a:p>
           <a:p>
             <a:pPr marL="342900" indent="-342900">
@@ -28643,7 +28641,6 @@
               <a:rPr lang="en-US" dirty="0"/>
               <a:t>Converge the cookbook and execute the tests</a:t>
             </a:r>
-            <a:endParaRPr lang="en-US" dirty="0"/>
           </a:p>
         </p:txBody>
       </p:sp>

--- a/04-refactoring_cookbooks_with_tests.pptx
+++ b/04-refactoring_cookbooks_with_tests.pptx
@@ -323,7 +323,7 @@
               <a:pPr>
                 <a:defRPr/>
               </a:pPr>
-              <a:t>2016-02-27</a:t>
+              <a:t>2016-02-28</a:t>
             </a:fld>
             <a:endParaRPr lang="en-US" dirty="0"/>
           </a:p>
@@ -506,7 +506,7 @@
               <a:pPr>
                 <a:defRPr/>
               </a:pPr>
-              <a:t>2016-02-27</a:t>
+              <a:t>2016-02-28</a:t>
             </a:fld>
             <a:endParaRPr lang="en-US" dirty="0"/>
           </a:p>
@@ -5159,7 +5159,7 @@
         <p:spPr/>
         <p:txBody>
           <a:bodyPr>
-            <a:normAutofit fontScale="92500" lnSpcReduction="20000"/>
+            <a:normAutofit/>
           </a:bodyPr>
           <a:lstStyle/>
           <a:p>
@@ -17051,6 +17051,150 @@
           </a:p>
         </p:txBody>
       </p:sp>
+      <p:pic>
+        <p:nvPicPr>
+          <p:cNvPr id="5" name="Picture 4"/>
+          <p:cNvPicPr>
+            <a:picLocks noChangeAspect="1"/>
+          </p:cNvPicPr>
+          <p:nvPr/>
+        </p:nvPicPr>
+        <p:blipFill>
+          <a:blip r:embed="rId3">
+            <a:extLst>
+              <a:ext uri="{28A0092B-C50C-407E-A947-70E740481C1C}">
+                <a14:useLocalDpi xmlns:a14="http://schemas.microsoft.com/office/drawing/2010/main" val="0"/>
+              </a:ext>
+            </a:extLst>
+          </a:blip>
+          <a:stretch>
+            <a:fillRect/>
+          </a:stretch>
+        </p:blipFill>
+        <p:spPr>
+          <a:xfrm rot="1182617" flipH="1">
+            <a:off x="12261414" y="6738463"/>
+            <a:ext cx="4873752" cy="3436542"/>
+          </a:xfrm>
+          <a:prstGeom prst="rect">
+            <a:avLst/>
+          </a:prstGeom>
+        </p:spPr>
+      </p:pic>
+      <p:sp>
+        <p:nvSpPr>
+          <p:cNvPr id="6" name="Arc 5"/>
+          <p:cNvSpPr/>
+          <p:nvPr/>
+        </p:nvSpPr>
+        <p:spPr>
+          <a:xfrm rot="12130957">
+            <a:off x="12363590" y="7319410"/>
+            <a:ext cx="975947" cy="306967"/>
+          </a:xfrm>
+          <a:prstGeom prst="arc">
+            <a:avLst/>
+          </a:prstGeom>
+          <a:ln>
+            <a:solidFill>
+              <a:srgbClr val="FFC000"/>
+            </a:solidFill>
+          </a:ln>
+          <a:effectLst>
+            <a:outerShdw blurRad="50800" dist="76200" dir="2700000" algn="tl" rotWithShape="0">
+              <a:prstClr val="black">
+                <a:alpha val="40000"/>
+              </a:prstClr>
+            </a:outerShdw>
+          </a:effectLst>
+        </p:spPr>
+        <p:style>
+          <a:lnRef idx="3">
+            <a:schemeClr val="accent1"/>
+          </a:lnRef>
+          <a:fillRef idx="0">
+            <a:schemeClr val="accent1"/>
+          </a:fillRef>
+          <a:effectRef idx="2">
+            <a:schemeClr val="accent1"/>
+          </a:effectRef>
+          <a:fontRef idx="minor">
+            <a:schemeClr val="tx1"/>
+          </a:fontRef>
+        </p:style>
+        <p:txBody>
+          <a:bodyPr rtlCol="0" anchor="ctr"/>
+          <a:lstStyle/>
+          <a:p>
+            <a:pPr algn="ctr"/>
+            <a:endParaRPr lang="en-US"/>
+          </a:p>
+        </p:txBody>
+      </p:sp>
+      <p:sp>
+        <p:nvSpPr>
+          <p:cNvPr id="7" name="Rectangle 6"/>
+          <p:cNvSpPr/>
+          <p:nvPr/>
+        </p:nvSpPr>
+        <p:spPr bwMode="auto">
+          <a:xfrm>
+            <a:off x="9418320" y="6728496"/>
+            <a:ext cx="3208274" cy="613933"/>
+          </a:xfrm>
+          <a:prstGeom prst="rect">
+            <a:avLst/>
+          </a:prstGeom>
+          <a:solidFill>
+            <a:srgbClr val="FFC000"/>
+          </a:solidFill>
+          <a:ln>
+            <a:noFill/>
+            <a:headEnd type="none" w="med" len="med"/>
+            <a:tailEnd type="none" w="med" len="med"/>
+          </a:ln>
+          <a:effectLst>
+            <a:outerShdw blurRad="50800" dist="76200" dir="2700000" algn="tl" rotWithShape="0">
+              <a:prstClr val="black">
+                <a:alpha val="40000"/>
+              </a:prstClr>
+            </a:outerShdw>
+          </a:effectLst>
+        </p:spPr>
+        <p:style>
+          <a:lnRef idx="1">
+            <a:schemeClr val="accent4"/>
+          </a:lnRef>
+          <a:fillRef idx="3">
+            <a:schemeClr val="accent4"/>
+          </a:fillRef>
+          <a:effectRef idx="2">
+            <a:schemeClr val="accent4"/>
+          </a:effectRef>
+          <a:fontRef idx="minor">
+            <a:schemeClr val="lt1"/>
+          </a:fontRef>
+        </p:style>
+        <p:txBody>
+          <a:bodyPr vert="horz" wrap="square" lIns="91436" tIns="45718" rIns="91436" bIns="45718" numCol="1" rtlCol="0" anchor="ctr" anchorCtr="0" compatLnSpc="1">
+            <a:prstTxWarp prst="textNoShape">
+              <a:avLst/>
+            </a:prstTxWarp>
+          </a:bodyPr>
+          <a:lstStyle/>
+          <a:p>
+            <a:pPr algn="ctr" defTabSz="914099"/>
+            <a:r>
+              <a:rPr lang="en-US" sz="1800" dirty="0" smtClean="0">
+                <a:solidFill>
+                  <a:schemeClr val="tx2"/>
+                </a:solidFill>
+              </a:rPr>
+              <a:t>I see what you did there.</a:t>
+            </a:r>
+          </a:p>
+        </p:txBody>
+      </p:sp>
     </p:spTree>
     <p:extLst>
       <p:ext uri="{BB962C8B-B14F-4D97-AF65-F5344CB8AC3E}">
@@ -17554,6 +17698,150 @@
           </a:p>
         </p:txBody>
       </p:sp>
+      <p:pic>
+        <p:nvPicPr>
+          <p:cNvPr id="5" name="Picture 4"/>
+          <p:cNvPicPr>
+            <a:picLocks noChangeAspect="1"/>
+          </p:cNvPicPr>
+          <p:nvPr/>
+        </p:nvPicPr>
+        <p:blipFill>
+          <a:blip r:embed="rId3">
+            <a:extLst>
+              <a:ext uri="{28A0092B-C50C-407E-A947-70E740481C1C}">
+                <a14:useLocalDpi xmlns:a14="http://schemas.microsoft.com/office/drawing/2010/main" val="0"/>
+              </a:ext>
+            </a:extLst>
+          </a:blip>
+          <a:stretch>
+            <a:fillRect/>
+          </a:stretch>
+        </p:blipFill>
+        <p:spPr>
+          <a:xfrm rot="1182617" flipH="1">
+            <a:off x="12261414" y="6738463"/>
+            <a:ext cx="4873752" cy="3436542"/>
+          </a:xfrm>
+          <a:prstGeom prst="rect">
+            <a:avLst/>
+          </a:prstGeom>
+        </p:spPr>
+      </p:pic>
+      <p:sp>
+        <p:nvSpPr>
+          <p:cNvPr id="6" name="Arc 5"/>
+          <p:cNvSpPr/>
+          <p:nvPr/>
+        </p:nvSpPr>
+        <p:spPr>
+          <a:xfrm rot="12130957">
+            <a:off x="12363590" y="7319410"/>
+            <a:ext cx="975947" cy="306967"/>
+          </a:xfrm>
+          <a:prstGeom prst="arc">
+            <a:avLst/>
+          </a:prstGeom>
+          <a:ln>
+            <a:solidFill>
+              <a:srgbClr val="FFC000"/>
+            </a:solidFill>
+          </a:ln>
+          <a:effectLst>
+            <a:outerShdw blurRad="50800" dist="76200" dir="2700000" algn="tl" rotWithShape="0">
+              <a:prstClr val="black">
+                <a:alpha val="40000"/>
+              </a:prstClr>
+            </a:outerShdw>
+          </a:effectLst>
+        </p:spPr>
+        <p:style>
+          <a:lnRef idx="3">
+            <a:schemeClr val="accent1"/>
+          </a:lnRef>
+          <a:fillRef idx="0">
+            <a:schemeClr val="accent1"/>
+          </a:fillRef>
+          <a:effectRef idx="2">
+            <a:schemeClr val="accent1"/>
+          </a:effectRef>
+          <a:fontRef idx="minor">
+            <a:schemeClr val="tx1"/>
+          </a:fontRef>
+        </p:style>
+        <p:txBody>
+          <a:bodyPr rtlCol="0" anchor="ctr"/>
+          <a:lstStyle/>
+          <a:p>
+            <a:pPr algn="ctr"/>
+            <a:endParaRPr lang="en-US"/>
+          </a:p>
+        </p:txBody>
+      </p:sp>
+      <p:sp>
+        <p:nvSpPr>
+          <p:cNvPr id="7" name="Rectangle 6"/>
+          <p:cNvSpPr/>
+          <p:nvPr/>
+        </p:nvSpPr>
+        <p:spPr bwMode="auto">
+          <a:xfrm>
+            <a:off x="9418320" y="6728496"/>
+            <a:ext cx="3208274" cy="613933"/>
+          </a:xfrm>
+          <a:prstGeom prst="rect">
+            <a:avLst/>
+          </a:prstGeom>
+          <a:solidFill>
+            <a:srgbClr val="FFC000"/>
+          </a:solidFill>
+          <a:ln>
+            <a:noFill/>
+            <a:headEnd type="none" w="med" len="med"/>
+            <a:tailEnd type="none" w="med" len="med"/>
+          </a:ln>
+          <a:effectLst>
+            <a:outerShdw blurRad="50800" dist="76200" dir="2700000" algn="tl" rotWithShape="0">
+              <a:prstClr val="black">
+                <a:alpha val="40000"/>
+              </a:prstClr>
+            </a:outerShdw>
+          </a:effectLst>
+        </p:spPr>
+        <p:style>
+          <a:lnRef idx="1">
+            <a:schemeClr val="accent4"/>
+          </a:lnRef>
+          <a:fillRef idx="3">
+            <a:schemeClr val="accent4"/>
+          </a:fillRef>
+          <a:effectRef idx="2">
+            <a:schemeClr val="accent4"/>
+          </a:effectRef>
+          <a:fontRef idx="minor">
+            <a:schemeClr val="lt1"/>
+          </a:fontRef>
+        </p:style>
+        <p:txBody>
+          <a:bodyPr vert="horz" wrap="square" lIns="91436" tIns="45718" rIns="91436" bIns="45718" numCol="1" rtlCol="0" anchor="ctr" anchorCtr="0" compatLnSpc="1">
+            <a:prstTxWarp prst="textNoShape">
+              <a:avLst/>
+            </a:prstTxWarp>
+          </a:bodyPr>
+          <a:lstStyle/>
+          <a:p>
+            <a:pPr algn="ctr" defTabSz="914099"/>
+            <a:r>
+              <a:rPr lang="en-US" sz="1800" dirty="0" smtClean="0">
+                <a:solidFill>
+                  <a:schemeClr val="tx2"/>
+                </a:solidFill>
+              </a:rPr>
+              <a:t>Nice shave!</a:t>
+            </a:r>
+          </a:p>
+        </p:txBody>
+      </p:sp>
     </p:spTree>
     <p:extLst>
       <p:ext uri="{BB962C8B-B14F-4D97-AF65-F5344CB8AC3E}">
@@ -19581,6 +19869,150 @@
           </a:p>
         </p:txBody>
       </p:sp>
+      <p:pic>
+        <p:nvPicPr>
+          <p:cNvPr id="4" name="Picture 3"/>
+          <p:cNvPicPr>
+            <a:picLocks noChangeAspect="1"/>
+          </p:cNvPicPr>
+          <p:nvPr/>
+        </p:nvPicPr>
+        <p:blipFill>
+          <a:blip r:embed="rId3">
+            <a:extLst>
+              <a:ext uri="{28A0092B-C50C-407E-A947-70E740481C1C}">
+                <a14:useLocalDpi xmlns:a14="http://schemas.microsoft.com/office/drawing/2010/main" val="0"/>
+              </a:ext>
+            </a:extLst>
+          </a:blip>
+          <a:stretch>
+            <a:fillRect/>
+          </a:stretch>
+        </p:blipFill>
+        <p:spPr>
+          <a:xfrm rot="1182617" flipH="1">
+            <a:off x="12261414" y="6738463"/>
+            <a:ext cx="4873752" cy="3436542"/>
+          </a:xfrm>
+          <a:prstGeom prst="rect">
+            <a:avLst/>
+          </a:prstGeom>
+        </p:spPr>
+      </p:pic>
+      <p:sp>
+        <p:nvSpPr>
+          <p:cNvPr id="5" name="Arc 4"/>
+          <p:cNvSpPr/>
+          <p:nvPr/>
+        </p:nvSpPr>
+        <p:spPr>
+          <a:xfrm rot="12130957">
+            <a:off x="12363590" y="7319410"/>
+            <a:ext cx="975947" cy="306967"/>
+          </a:xfrm>
+          <a:prstGeom prst="arc">
+            <a:avLst/>
+          </a:prstGeom>
+          <a:ln>
+            <a:solidFill>
+              <a:srgbClr val="FFC000"/>
+            </a:solidFill>
+          </a:ln>
+          <a:effectLst>
+            <a:outerShdw blurRad="50800" dist="76200" dir="2700000" algn="tl" rotWithShape="0">
+              <a:prstClr val="black">
+                <a:alpha val="40000"/>
+              </a:prstClr>
+            </a:outerShdw>
+          </a:effectLst>
+        </p:spPr>
+        <p:style>
+          <a:lnRef idx="3">
+            <a:schemeClr val="accent1"/>
+          </a:lnRef>
+          <a:fillRef idx="0">
+            <a:schemeClr val="accent1"/>
+          </a:fillRef>
+          <a:effectRef idx="2">
+            <a:schemeClr val="accent1"/>
+          </a:effectRef>
+          <a:fontRef idx="minor">
+            <a:schemeClr val="tx1"/>
+          </a:fontRef>
+        </p:style>
+        <p:txBody>
+          <a:bodyPr rtlCol="0" anchor="ctr"/>
+          <a:lstStyle/>
+          <a:p>
+            <a:pPr algn="ctr"/>
+            <a:endParaRPr lang="en-US"/>
+          </a:p>
+        </p:txBody>
+      </p:sp>
+      <p:sp>
+        <p:nvSpPr>
+          <p:cNvPr id="6" name="Rectangle 5"/>
+          <p:cNvSpPr/>
+          <p:nvPr/>
+        </p:nvSpPr>
+        <p:spPr bwMode="auto">
+          <a:xfrm>
+            <a:off x="9418320" y="6728496"/>
+            <a:ext cx="3208274" cy="613933"/>
+          </a:xfrm>
+          <a:prstGeom prst="rect">
+            <a:avLst/>
+          </a:prstGeom>
+          <a:solidFill>
+            <a:srgbClr val="FFC000"/>
+          </a:solidFill>
+          <a:ln>
+            <a:noFill/>
+            <a:headEnd type="none" w="med" len="med"/>
+            <a:tailEnd type="none" w="med" len="med"/>
+          </a:ln>
+          <a:effectLst>
+            <a:outerShdw blurRad="50800" dist="76200" dir="2700000" algn="tl" rotWithShape="0">
+              <a:prstClr val="black">
+                <a:alpha val="40000"/>
+              </a:prstClr>
+            </a:outerShdw>
+          </a:effectLst>
+        </p:spPr>
+        <p:style>
+          <a:lnRef idx="1">
+            <a:schemeClr val="accent4"/>
+          </a:lnRef>
+          <a:fillRef idx="3">
+            <a:schemeClr val="accent4"/>
+          </a:fillRef>
+          <a:effectRef idx="2">
+            <a:schemeClr val="accent4"/>
+          </a:effectRef>
+          <a:fontRef idx="minor">
+            <a:schemeClr val="lt1"/>
+          </a:fontRef>
+        </p:style>
+        <p:txBody>
+          <a:bodyPr vert="horz" wrap="square" lIns="91436" tIns="45718" rIns="91436" bIns="45718" numCol="1" rtlCol="0" anchor="ctr" anchorCtr="0" compatLnSpc="1">
+            <a:prstTxWarp prst="textNoShape">
+              <a:avLst/>
+            </a:prstTxWarp>
+          </a:bodyPr>
+          <a:lstStyle/>
+          <a:p>
+            <a:pPr algn="ctr" defTabSz="914099"/>
+            <a:r>
+              <a:rPr lang="en-US" sz="1800" dirty="0" smtClean="0">
+                <a:solidFill>
+                  <a:schemeClr val="tx2"/>
+                </a:solidFill>
+              </a:rPr>
+              <a:t>One last time!</a:t>
+            </a:r>
+          </a:p>
+        </p:txBody>
+      </p:sp>
     </p:spTree>
     <p:extLst>
       <p:ext uri="{BB962C8B-B14F-4D97-AF65-F5344CB8AC3E}">
@@ -21221,6 +21653,155 @@
               <a:rPr lang="en-US" dirty="0"/>
               <a:t>Converge and verify the test instance to ensure there are no failures</a:t>
             </a:r>
+          </a:p>
+        </p:txBody>
+      </p:sp>
+      <p:pic>
+        <p:nvPicPr>
+          <p:cNvPr id="4" name="Picture 3"/>
+          <p:cNvPicPr>
+            <a:picLocks noChangeAspect="1"/>
+          </p:cNvPicPr>
+          <p:nvPr/>
+        </p:nvPicPr>
+        <p:blipFill>
+          <a:blip r:embed="rId3">
+            <a:extLst>
+              <a:ext uri="{28A0092B-C50C-407E-A947-70E740481C1C}">
+                <a14:useLocalDpi xmlns:a14="http://schemas.microsoft.com/office/drawing/2010/main" val="0"/>
+              </a:ext>
+            </a:extLst>
+          </a:blip>
+          <a:stretch>
+            <a:fillRect/>
+          </a:stretch>
+        </p:blipFill>
+        <p:spPr>
+          <a:xfrm rot="1182617" flipH="1">
+            <a:off x="12261414" y="6738463"/>
+            <a:ext cx="4873752" cy="3436542"/>
+          </a:xfrm>
+          <a:prstGeom prst="rect">
+            <a:avLst/>
+          </a:prstGeom>
+        </p:spPr>
+      </p:pic>
+      <p:sp>
+        <p:nvSpPr>
+          <p:cNvPr id="5" name="Arc 4"/>
+          <p:cNvSpPr/>
+          <p:nvPr/>
+        </p:nvSpPr>
+        <p:spPr>
+          <a:xfrm rot="12130957">
+            <a:off x="12363590" y="7319410"/>
+            <a:ext cx="975947" cy="306967"/>
+          </a:xfrm>
+          <a:prstGeom prst="arc">
+            <a:avLst/>
+          </a:prstGeom>
+          <a:ln>
+            <a:solidFill>
+              <a:srgbClr val="FFC000"/>
+            </a:solidFill>
+          </a:ln>
+          <a:effectLst>
+            <a:outerShdw blurRad="50800" dist="76200" dir="2700000" algn="tl" rotWithShape="0">
+              <a:prstClr val="black">
+                <a:alpha val="40000"/>
+              </a:prstClr>
+            </a:outerShdw>
+          </a:effectLst>
+        </p:spPr>
+        <p:style>
+          <a:lnRef idx="3">
+            <a:schemeClr val="accent1"/>
+          </a:lnRef>
+          <a:fillRef idx="0">
+            <a:schemeClr val="accent1"/>
+          </a:fillRef>
+          <a:effectRef idx="2">
+            <a:schemeClr val="accent1"/>
+          </a:effectRef>
+          <a:fontRef idx="minor">
+            <a:schemeClr val="tx1"/>
+          </a:fontRef>
+        </p:style>
+        <p:txBody>
+          <a:bodyPr rtlCol="0" anchor="ctr"/>
+          <a:lstStyle/>
+          <a:p>
+            <a:pPr algn="ctr"/>
+            <a:endParaRPr lang="en-US"/>
+          </a:p>
+        </p:txBody>
+      </p:sp>
+      <p:sp>
+        <p:nvSpPr>
+          <p:cNvPr id="6" name="Rectangle 5"/>
+          <p:cNvSpPr/>
+          <p:nvPr/>
+        </p:nvSpPr>
+        <p:spPr bwMode="auto">
+          <a:xfrm>
+            <a:off x="9418320" y="6728496"/>
+            <a:ext cx="3208274" cy="613933"/>
+          </a:xfrm>
+          <a:prstGeom prst="rect">
+            <a:avLst/>
+          </a:prstGeom>
+          <a:solidFill>
+            <a:srgbClr val="FFC000"/>
+          </a:solidFill>
+          <a:ln>
+            <a:noFill/>
+            <a:headEnd type="none" w="med" len="med"/>
+            <a:tailEnd type="none" w="med" len="med"/>
+          </a:ln>
+          <a:effectLst>
+            <a:outerShdw blurRad="50800" dist="76200" dir="2700000" algn="tl" rotWithShape="0">
+              <a:prstClr val="black">
+                <a:alpha val="40000"/>
+              </a:prstClr>
+            </a:outerShdw>
+          </a:effectLst>
+        </p:spPr>
+        <p:style>
+          <a:lnRef idx="1">
+            <a:schemeClr val="accent4"/>
+          </a:lnRef>
+          <a:fillRef idx="3">
+            <a:schemeClr val="accent4"/>
+          </a:fillRef>
+          <a:effectRef idx="2">
+            <a:schemeClr val="accent4"/>
+          </a:effectRef>
+          <a:fontRef idx="minor">
+            <a:schemeClr val="lt1"/>
+          </a:fontRef>
+        </p:style>
+        <p:txBody>
+          <a:bodyPr vert="horz" wrap="square" lIns="91436" tIns="45718" rIns="91436" bIns="45718" numCol="1" rtlCol="0" anchor="ctr" anchorCtr="0" compatLnSpc="1">
+            <a:prstTxWarp prst="textNoShape">
+              <a:avLst/>
+            </a:prstTxWarp>
+          </a:bodyPr>
+          <a:lstStyle/>
+          <a:p>
+            <a:pPr algn="ctr" defTabSz="914099"/>
+            <a:r>
+              <a:rPr lang="en-US" sz="1800" smtClean="0">
+                <a:solidFill>
+                  <a:schemeClr val="tx2"/>
+                </a:solidFill>
+              </a:rPr>
+              <a:t>My hair will grow back.</a:t>
+            </a:r>
+            <a:endParaRPr lang="en-US" sz="1800" dirty="0" smtClean="0">
+              <a:solidFill>
+                <a:schemeClr val="tx2"/>
+              </a:solidFill>
+            </a:endParaRPr>
           </a:p>
         </p:txBody>
       </p:sp>
@@ -28644,6 +29225,150 @@
           </a:p>
         </p:txBody>
       </p:sp>
+      <p:pic>
+        <p:nvPicPr>
+          <p:cNvPr id="5" name="Picture 4"/>
+          <p:cNvPicPr>
+            <a:picLocks noChangeAspect="1"/>
+          </p:cNvPicPr>
+          <p:nvPr/>
+        </p:nvPicPr>
+        <p:blipFill>
+          <a:blip r:embed="rId3">
+            <a:extLst>
+              <a:ext uri="{28A0092B-C50C-407E-A947-70E740481C1C}">
+                <a14:useLocalDpi xmlns:a14="http://schemas.microsoft.com/office/drawing/2010/main" val="0"/>
+              </a:ext>
+            </a:extLst>
+          </a:blip>
+          <a:stretch>
+            <a:fillRect/>
+          </a:stretch>
+        </p:blipFill>
+        <p:spPr>
+          <a:xfrm rot="1182617" flipH="1">
+            <a:off x="12261414" y="6738463"/>
+            <a:ext cx="4873752" cy="3436542"/>
+          </a:xfrm>
+          <a:prstGeom prst="rect">
+            <a:avLst/>
+          </a:prstGeom>
+        </p:spPr>
+      </p:pic>
+      <p:sp>
+        <p:nvSpPr>
+          <p:cNvPr id="6" name="Arc 5"/>
+          <p:cNvSpPr/>
+          <p:nvPr/>
+        </p:nvSpPr>
+        <p:spPr>
+          <a:xfrm rot="12130957">
+            <a:off x="12363590" y="7319410"/>
+            <a:ext cx="975947" cy="306967"/>
+          </a:xfrm>
+          <a:prstGeom prst="arc">
+            <a:avLst/>
+          </a:prstGeom>
+          <a:ln>
+            <a:solidFill>
+              <a:srgbClr val="FFC000"/>
+            </a:solidFill>
+          </a:ln>
+          <a:effectLst>
+            <a:outerShdw blurRad="50800" dist="76200" dir="2700000" algn="tl" rotWithShape="0">
+              <a:prstClr val="black">
+                <a:alpha val="40000"/>
+              </a:prstClr>
+            </a:outerShdw>
+          </a:effectLst>
+        </p:spPr>
+        <p:style>
+          <a:lnRef idx="3">
+            <a:schemeClr val="accent1"/>
+          </a:lnRef>
+          <a:fillRef idx="0">
+            <a:schemeClr val="accent1"/>
+          </a:fillRef>
+          <a:effectRef idx="2">
+            <a:schemeClr val="accent1"/>
+          </a:effectRef>
+          <a:fontRef idx="minor">
+            <a:schemeClr val="tx1"/>
+          </a:fontRef>
+        </p:style>
+        <p:txBody>
+          <a:bodyPr rtlCol="0" anchor="ctr"/>
+          <a:lstStyle/>
+          <a:p>
+            <a:pPr algn="ctr"/>
+            <a:endParaRPr lang="en-US"/>
+          </a:p>
+        </p:txBody>
+      </p:sp>
+      <p:sp>
+        <p:nvSpPr>
+          <p:cNvPr id="7" name="Rectangle 6"/>
+          <p:cNvSpPr/>
+          <p:nvPr/>
+        </p:nvSpPr>
+        <p:spPr bwMode="auto">
+          <a:xfrm>
+            <a:off x="9418320" y="6728496"/>
+            <a:ext cx="3208274" cy="613933"/>
+          </a:xfrm>
+          <a:prstGeom prst="rect">
+            <a:avLst/>
+          </a:prstGeom>
+          <a:solidFill>
+            <a:srgbClr val="FFC000"/>
+          </a:solidFill>
+          <a:ln>
+            <a:noFill/>
+            <a:headEnd type="none" w="med" len="med"/>
+            <a:tailEnd type="none" w="med" len="med"/>
+          </a:ln>
+          <a:effectLst>
+            <a:outerShdw blurRad="50800" dist="76200" dir="2700000" algn="tl" rotWithShape="0">
+              <a:prstClr val="black">
+                <a:alpha val="40000"/>
+              </a:prstClr>
+            </a:outerShdw>
+          </a:effectLst>
+        </p:spPr>
+        <p:style>
+          <a:lnRef idx="1">
+            <a:schemeClr val="accent4"/>
+          </a:lnRef>
+          <a:fillRef idx="3">
+            <a:schemeClr val="accent4"/>
+          </a:fillRef>
+          <a:effectRef idx="2">
+            <a:schemeClr val="accent4"/>
+          </a:effectRef>
+          <a:fontRef idx="minor">
+            <a:schemeClr val="lt1"/>
+          </a:fontRef>
+        </p:style>
+        <p:txBody>
+          <a:bodyPr vert="horz" wrap="square" lIns="91436" tIns="45718" rIns="91436" bIns="45718" numCol="1" rtlCol="0" anchor="ctr" anchorCtr="0" compatLnSpc="1">
+            <a:prstTxWarp prst="textNoShape">
+              <a:avLst/>
+            </a:prstTxWarp>
+          </a:bodyPr>
+          <a:lstStyle/>
+          <a:p>
+            <a:pPr algn="ctr" defTabSz="914099"/>
+            <a:r>
+              <a:rPr lang="en-US" sz="1800" dirty="0" smtClean="0">
+                <a:solidFill>
+                  <a:schemeClr val="tx2"/>
+                </a:solidFill>
+              </a:rPr>
+              <a:t>You called?</a:t>
+            </a:r>
+          </a:p>
+        </p:txBody>
+      </p:sp>
     </p:spTree>
     <p:extLst>
       <p:ext uri="{BB962C8B-B14F-4D97-AF65-F5344CB8AC3E}">
@@ -28874,6 +29599,13 @@
   <p:transition spd="med">
     <p:fade/>
   </p:transition>
+  <p:timing>
+    <p:tnLst>
+      <p:par>
+        <p:cTn id="1" dur="indefinite" restart="never" nodeType="tmRoot"/>
+      </p:par>
+    </p:tnLst>
+  </p:timing>
 </p:sld>
 </file>
 

--- a/04-refactoring_cookbooks_with_tests.pptx
+++ b/04-refactoring_cookbooks_with_tests.pptx
@@ -192,7 +192,7 @@
   </p:defaultTextStyle>
   <p:extLst>
     <p:ext uri="{EFAFB233-063F-42B5-8137-9DF3F51BA10A}">
-      <p15:sldGuideLst xmlns:p15="http://schemas.microsoft.com/office/powerpoint/2012/main">
+      <p15:sldGuideLst xmlns="" xmlns:p15="http://schemas.microsoft.com/office/powerpoint/2012/main">
         <p15:guide id="1" orient="horz" pos="894">
           <p15:clr>
             <a:srgbClr val="A4A3A4"/>
@@ -206,7 +206,7 @@
       </p15:sldGuideLst>
     </p:ext>
     <p:ext uri="{2D200454-40CA-4A62-9FC3-DE9A4176ACB9}">
-      <p15:notesGuideLst xmlns:p15="http://schemas.microsoft.com/office/powerpoint/2012/main"/>
+      <p15:notesGuideLst xmlns="" xmlns:p15="http://schemas.microsoft.com/office/powerpoint/2012/main"/>
     </p:ext>
   </p:extLst>
 </p:presentation>
@@ -323,7 +323,7 @@
               <a:pPr>
                 <a:defRPr/>
               </a:pPr>
-              <a:t>2016-02-28</a:t>
+              <a:t>4/11/16</a:t>
             </a:fld>
             <a:endParaRPr lang="en-US" dirty="0"/>
           </a:p>
@@ -506,7 +506,7 @@
               <a:pPr>
                 <a:defRPr/>
               </a:pPr>
-              <a:t>2016-02-28</a:t>
+              <a:t>4/11/16</a:t>
             </a:fld>
             <a:endParaRPr lang="en-US" dirty="0"/>
           </a:p>
@@ -6085,7 +6085,15 @@
             </a:r>
             <a:r>
               <a:rPr lang="en-US" baseline="0" dirty="0" smtClean="0"/>
-              <a:t> or some other web application that relies on the apache webserver installed and running. In this new cookbook we would like to re-use the resources of the content that installs apache and the resources that manage the service. We most likely do not want to setup a test page that greets people. We are likely going to replace it with application code.</a:t>
+              <a:t> or some other web application that relies on the apache webserver installed and running. In this new cookbook we would like to re-use the </a:t>
+            </a:r>
+            <a:r>
+              <a:rPr lang="en-US" baseline="0" smtClean="0"/>
+              <a:t>resources that </a:t>
+            </a:r>
+            <a:r>
+              <a:rPr lang="en-US" baseline="0" dirty="0" smtClean="0"/>
+              <a:t>installs apache and the resources that manage the service. We most likely do not want to setup a test page that greets people. We are likely going to replace it with application code.</a:t>
             </a:r>
           </a:p>
         </p:txBody>
@@ -8593,7 +8601,7 @@
   <p:clrMapOvr>
     <a:masterClrMapping/>
   </p:clrMapOvr>
-  <p:transition spd="med">
+  <p:transition xmlns:p14="http://schemas.microsoft.com/office/powerpoint/2010/main" spd="med">
     <p:fade/>
   </p:transition>
 </p:sldLayout>
@@ -8888,7 +8896,7 @@
   <p:clrMapOvr>
     <a:overrideClrMapping bg1="lt1" tx1="dk1" bg2="lt2" tx2="dk2" accent1="accent1" accent2="accent2" accent3="accent3" accent4="accent4" accent5="accent5" accent6="accent6" hlink="hlink" folHlink="folHlink"/>
   </p:clrMapOvr>
-  <p:transition spd="med">
+  <p:transition xmlns:p14="http://schemas.microsoft.com/office/powerpoint/2010/main" spd="med">
     <p:fade/>
   </p:transition>
 </p:sldLayout>
@@ -9021,14 +9029,14 @@
           </a:ln>
           <a:extLst>
             <a:ext uri="{909E8E84-426E-40dd-AFC4-6F175D3DCCD1}">
-              <a14:hiddenFill xmlns="" xmlns:a14="http://schemas.microsoft.com/office/drawing/2010/main">
+              <a14:hiddenFill xmlns:a14="http://schemas.microsoft.com/office/drawing/2010/main">
                 <a:solidFill>
                   <a:srgbClr val="FFFFFF"/>
                 </a:solidFill>
               </a14:hiddenFill>
             </a:ext>
             <a:ext uri="{91240B29-F687-4f45-9708-019B960494DF}">
-              <a14:hiddenLine xmlns="" xmlns:a14="http://schemas.microsoft.com/office/drawing/2010/main" w="9525">
+              <a14:hiddenLine xmlns:a14="http://schemas.microsoft.com/office/drawing/2010/main" w="9525">
                 <a:solidFill>
                   <a:srgbClr val="000000"/>
                 </a:solidFill>
@@ -9176,14 +9184,14 @@
           </a:ln>
           <a:extLst>
             <a:ext uri="{909E8E84-426E-40dd-AFC4-6F175D3DCCD1}">
-              <a14:hiddenFill xmlns="" xmlns:a14="http://schemas.microsoft.com/office/drawing/2010/main">
+              <a14:hiddenFill xmlns:a14="http://schemas.microsoft.com/office/drawing/2010/main">
                 <a:solidFill>
                   <a:srgbClr val="FFFFFF"/>
                 </a:solidFill>
               </a14:hiddenFill>
             </a:ext>
             <a:ext uri="{91240B29-F687-4f45-9708-019B960494DF}">
-              <a14:hiddenLine xmlns="" xmlns:a14="http://schemas.microsoft.com/office/drawing/2010/main" w="9525">
+              <a14:hiddenLine xmlns:a14="http://schemas.microsoft.com/office/drawing/2010/main" w="9525">
                 <a:solidFill>
                   <a:srgbClr val="000000"/>
                 </a:solidFill>
@@ -9581,7 +9589,7 @@
   <p:clrMapOvr>
     <a:overrideClrMapping bg1="lt1" tx1="dk1" bg2="lt2" tx2="dk2" accent1="accent1" accent2="accent2" accent3="accent3" accent4="accent4" accent5="accent5" accent6="accent6" hlink="hlink" folHlink="folHlink"/>
   </p:clrMapOvr>
-  <p:transition spd="med">
+  <p:transition xmlns:p14="http://schemas.microsoft.com/office/powerpoint/2010/main" spd="med">
     <p:fade/>
   </p:transition>
 </p:sldLayout>
@@ -9674,14 +9682,14 @@
           </a:ln>
           <a:extLst>
             <a:ext uri="{909E8E84-426E-40dd-AFC4-6F175D3DCCD1}">
-              <a14:hiddenFill xmlns="" xmlns:a14="http://schemas.microsoft.com/office/drawing/2010/main">
+              <a14:hiddenFill xmlns:a14="http://schemas.microsoft.com/office/drawing/2010/main">
                 <a:solidFill>
                   <a:srgbClr val="FFFFFF"/>
                 </a:solidFill>
               </a14:hiddenFill>
             </a:ext>
             <a:ext uri="{91240B29-F687-4f45-9708-019B960494DF}">
-              <a14:hiddenLine xmlns="" xmlns:a14="http://schemas.microsoft.com/office/drawing/2010/main" w="9525">
+              <a14:hiddenLine xmlns:a14="http://schemas.microsoft.com/office/drawing/2010/main" w="9525">
                 <a:solidFill>
                   <a:srgbClr val="000000"/>
                 </a:solidFill>
@@ -9703,7 +9711,7 @@
   <p:clrMapOvr>
     <a:masterClrMapping/>
   </p:clrMapOvr>
-  <p:transition spd="med">
+  <p:transition xmlns:p14="http://schemas.microsoft.com/office/powerpoint/2010/main" spd="med">
     <p:fade/>
   </p:transition>
 </p:sldLayout>
@@ -9990,7 +9998,7 @@
   <p:clrMapOvr>
     <a:masterClrMapping/>
   </p:clrMapOvr>
-  <p:transition spd="med">
+  <p:transition xmlns:p14="http://schemas.microsoft.com/office/powerpoint/2010/main" spd="med">
     <p:fade/>
   </p:transition>
 </p:sldLayout>
@@ -10277,7 +10285,7 @@
   <p:clrMapOvr>
     <a:masterClrMapping/>
   </p:clrMapOvr>
-  <p:transition spd="med">
+  <p:transition xmlns:p14="http://schemas.microsoft.com/office/powerpoint/2010/main" spd="med">
     <p:fade/>
   </p:transition>
 </p:sldLayout>
@@ -10626,7 +10634,7 @@
   <p:clrMapOvr>
     <a:masterClrMapping/>
   </p:clrMapOvr>
-  <p:transition spd="med">
+  <p:transition xmlns:p14="http://schemas.microsoft.com/office/powerpoint/2010/main" spd="med">
     <p:fade/>
   </p:transition>
 </p:sldLayout>
@@ -10913,7 +10921,7 @@
   <p:clrMapOvr>
     <a:masterClrMapping/>
   </p:clrMapOvr>
-  <p:transition spd="med">
+  <p:transition xmlns:p14="http://schemas.microsoft.com/office/powerpoint/2010/main" spd="med">
     <p:fade/>
   </p:transition>
 </p:sldLayout>
@@ -11130,14 +11138,14 @@
           </a:ln>
           <a:extLst>
             <a:ext uri="{909E8E84-426E-40dd-AFC4-6F175D3DCCD1}">
-              <a14:hiddenFill xmlns="" xmlns:a14="http://schemas.microsoft.com/office/drawing/2010/main">
+              <a14:hiddenFill xmlns:a14="http://schemas.microsoft.com/office/drawing/2010/main">
                 <a:solidFill>
                   <a:srgbClr val="FFFFFF"/>
                 </a:solidFill>
               </a14:hiddenFill>
             </a:ext>
             <a:ext uri="{91240B29-F687-4f45-9708-019B960494DF}">
-              <a14:hiddenLine xmlns="" xmlns:a14="http://schemas.microsoft.com/office/drawing/2010/main" w="9525">
+              <a14:hiddenLine xmlns:a14="http://schemas.microsoft.com/office/drawing/2010/main" w="9525">
                 <a:solidFill>
                   <a:srgbClr val="000000"/>
                 </a:solidFill>
@@ -11334,7 +11342,7 @@
   <p:clrMapOvr>
     <a:masterClrMapping/>
   </p:clrMapOvr>
-  <p:transition spd="med">
+  <p:transition xmlns:p14="http://schemas.microsoft.com/office/powerpoint/2010/main" spd="med">
     <p:fade/>
   </p:transition>
 </p:sldLayout>
@@ -11622,7 +11630,7 @@
   <p:clrMapOvr>
     <a:masterClrMapping/>
   </p:clrMapOvr>
-  <p:transition spd="med">
+  <p:transition xmlns:p14="http://schemas.microsoft.com/office/powerpoint/2010/main" spd="med">
     <p:fade/>
   </p:transition>
 </p:sldLayout>
@@ -11934,7 +11942,7 @@
   <p:clrMapOvr>
     <a:masterClrMapping/>
   </p:clrMapOvr>
-  <p:transition spd="med">
+  <p:transition xmlns:p14="http://schemas.microsoft.com/office/powerpoint/2010/main" spd="med">
     <p:fade/>
   </p:transition>
 </p:sldLayout>
@@ -12111,7 +12119,7 @@
   <p:clrMapOvr>
     <a:masterClrMapping/>
   </p:clrMapOvr>
-  <p:transition spd="med">
+  <p:transition xmlns:p14="http://schemas.microsoft.com/office/powerpoint/2010/main" spd="med">
     <p:fade/>
   </p:transition>
 </p:sldLayout>
@@ -12415,7 +12423,7 @@
   <p:clrMapOvr>
     <a:masterClrMapping/>
   </p:clrMapOvr>
-  <p:transition spd="med">
+  <p:transition xmlns:p14="http://schemas.microsoft.com/office/powerpoint/2010/main" spd="med">
     <p:fade/>
   </p:transition>
 </p:sldLayout>
@@ -12491,14 +12499,14 @@
           </a:ln>
           <a:extLst>
             <a:ext uri="{909E8E84-426E-40dd-AFC4-6F175D3DCCD1}">
-              <a14:hiddenFill xmlns="" xmlns:a14="http://schemas.microsoft.com/office/drawing/2010/main">
+              <a14:hiddenFill xmlns:a14="http://schemas.microsoft.com/office/drawing/2010/main">
                 <a:solidFill>
                   <a:srgbClr val="FFFFFF"/>
                 </a:solidFill>
               </a14:hiddenFill>
             </a:ext>
             <a:ext uri="{91240B29-F687-4f45-9708-019B960494DF}">
-              <a14:hiddenLine xmlns="" xmlns:a14="http://schemas.microsoft.com/office/drawing/2010/main" w="9525">
+              <a14:hiddenLine xmlns:a14="http://schemas.microsoft.com/office/drawing/2010/main" w="9525">
                 <a:solidFill>
                   <a:srgbClr val="000000"/>
                 </a:solidFill>
@@ -12774,7 +12782,7 @@
   <p:clrMapOvr>
     <a:overrideClrMapping bg1="lt1" tx1="dk1" bg2="lt2" tx2="dk2" accent1="accent1" accent2="accent2" accent3="accent3" accent4="accent4" accent5="accent5" accent6="accent6" hlink="hlink" folHlink="folHlink"/>
   </p:clrMapOvr>
-  <p:transition spd="med">
+  <p:transition xmlns:p14="http://schemas.microsoft.com/office/powerpoint/2010/main" spd="med">
     <p:fade/>
   </p:transition>
 </p:sldLayout>
@@ -12980,7 +12988,7 @@
   <p:clrMapOvr>
     <a:overrideClrMapping bg1="lt1" tx1="dk1" bg2="lt2" tx2="dk2" accent1="accent1" accent2="accent2" accent3="accent3" accent4="accent4" accent5="accent5" accent6="accent6" hlink="hlink" folHlink="folHlink"/>
   </p:clrMapOvr>
-  <p:transition spd="med">
+  <p:transition xmlns:p14="http://schemas.microsoft.com/office/powerpoint/2010/main" spd="med">
     <p:fade/>
   </p:transition>
 </p:sldLayout>
@@ -13056,14 +13064,14 @@
           </a:ln>
           <a:extLst>
             <a:ext uri="{909E8E84-426E-40dd-AFC4-6F175D3DCCD1}">
-              <a14:hiddenFill xmlns="" xmlns:a14="http://schemas.microsoft.com/office/drawing/2010/main">
+              <a14:hiddenFill xmlns:a14="http://schemas.microsoft.com/office/drawing/2010/main">
                 <a:solidFill>
                   <a:srgbClr val="FFFFFF"/>
                 </a:solidFill>
               </a14:hiddenFill>
             </a:ext>
             <a:ext uri="{91240B29-F687-4f45-9708-019B960494DF}">
-              <a14:hiddenLine xmlns="" xmlns:a14="http://schemas.microsoft.com/office/drawing/2010/main" w="9525">
+              <a14:hiddenLine xmlns:a14="http://schemas.microsoft.com/office/drawing/2010/main" w="9525">
                 <a:solidFill>
                   <a:srgbClr val="000000"/>
                 </a:solidFill>
@@ -13346,7 +13354,7 @@
   <p:clrMapOvr>
     <a:overrideClrMapping bg1="lt1" tx1="dk1" bg2="lt2" tx2="dk2" accent1="accent1" accent2="accent2" accent3="accent3" accent4="accent4" accent5="accent5" accent6="accent6" hlink="hlink" folHlink="folHlink"/>
   </p:clrMapOvr>
-  <p:transition spd="med">
+  <p:transition xmlns:p14="http://schemas.microsoft.com/office/powerpoint/2010/main" spd="med">
     <p:fade/>
   </p:transition>
 </p:sldLayout>
@@ -13554,7 +13562,7 @@
   <p:clrMapOvr>
     <a:overrideClrMapping bg1="lt1" tx1="dk1" bg2="lt2" tx2="dk2" accent1="accent1" accent2="accent2" accent3="accent3" accent4="accent4" accent5="accent5" accent6="accent6" hlink="hlink" folHlink="folHlink"/>
   </p:clrMapOvr>
-  <p:transition spd="med">
+  <p:transition xmlns:p14="http://schemas.microsoft.com/office/powerpoint/2010/main" spd="med">
     <p:fade/>
   </p:transition>
 </p:sldLayout>
@@ -13630,14 +13638,14 @@
           </a:ln>
           <a:extLst>
             <a:ext uri="{909E8E84-426E-40dd-AFC4-6F175D3DCCD1}">
-              <a14:hiddenFill xmlns="" xmlns:a14="http://schemas.microsoft.com/office/drawing/2010/main">
+              <a14:hiddenFill xmlns:a14="http://schemas.microsoft.com/office/drawing/2010/main">
                 <a:solidFill>
                   <a:srgbClr val="FFFFFF"/>
                 </a:solidFill>
               </a14:hiddenFill>
             </a:ext>
             <a:ext uri="{91240B29-F687-4f45-9708-019B960494DF}">
-              <a14:hiddenLine xmlns="" xmlns:a14="http://schemas.microsoft.com/office/drawing/2010/main" w="9525">
+              <a14:hiddenLine xmlns:a14="http://schemas.microsoft.com/office/drawing/2010/main" w="9525">
                 <a:solidFill>
                   <a:srgbClr val="000000"/>
                 </a:solidFill>
@@ -13905,7 +13913,7 @@
   <p:clrMapOvr>
     <a:overrideClrMapping bg1="lt1" tx1="dk1" bg2="lt2" tx2="dk2" accent1="accent1" accent2="accent2" accent3="accent3" accent4="accent4" accent5="accent5" accent6="accent6" hlink="hlink" folHlink="folHlink"/>
   </p:clrMapOvr>
-  <p:transition spd="med">
+  <p:transition xmlns:p14="http://schemas.microsoft.com/office/powerpoint/2010/main" spd="med">
     <p:fade/>
   </p:transition>
 </p:sldLayout>
@@ -14133,7 +14141,7 @@
   <p:clrMapOvr>
     <a:overrideClrMapping bg1="lt1" tx1="dk1" bg2="lt2" tx2="dk2" accent1="accent1" accent2="accent2" accent3="accent3" accent4="accent4" accent5="accent5" accent6="accent6" hlink="hlink" folHlink="folHlink"/>
   </p:clrMapOvr>
-  <p:transition spd="med">
+  <p:transition xmlns:p14="http://schemas.microsoft.com/office/powerpoint/2010/main" spd="med">
     <p:fade/>
   </p:transition>
 </p:sldLayout>
@@ -14421,7 +14429,7 @@
   <p:clrMapOvr>
     <a:overrideClrMapping bg1="lt1" tx1="dk1" bg2="lt2" tx2="dk2" accent1="accent1" accent2="accent2" accent3="accent3" accent4="accent4" accent5="accent5" accent6="accent6" hlink="hlink" folHlink="folHlink"/>
   </p:clrMapOvr>
-  <p:transition spd="med">
+  <p:transition xmlns:p14="http://schemas.microsoft.com/office/powerpoint/2010/main" spd="med">
     <p:fade/>
   </p:transition>
 </p:sldLayout>
@@ -14577,14 +14585,14 @@
           </a:ln>
           <a:extLst>
             <a:ext uri="{909E8E84-426E-40dd-AFC4-6F175D3DCCD1}">
-              <a14:hiddenFill xmlns="" xmlns:a14="http://schemas.microsoft.com/office/drawing/2010/main">
+              <a14:hiddenFill xmlns:a14="http://schemas.microsoft.com/office/drawing/2010/main">
                 <a:solidFill>
                   <a:srgbClr val="FFFFFF"/>
                 </a:solidFill>
               </a14:hiddenFill>
             </a:ext>
             <a:ext uri="{91240B29-F687-4f45-9708-019B960494DF}">
-              <a14:hiddenLine xmlns="" xmlns:a14="http://schemas.microsoft.com/office/drawing/2010/main" w="9525">
+              <a14:hiddenLine xmlns:a14="http://schemas.microsoft.com/office/drawing/2010/main" w="9525">
                 <a:solidFill>
                   <a:srgbClr val="000000"/>
                 </a:solidFill>
@@ -14823,13 +14831,13 @@
     <p:sldLayoutId id="2147483841" r:id="rId11"/>
     <p:sldLayoutId id="2147483843" r:id="rId12"/>
   </p:sldLayoutIdLst>
-  <p:transition spd="med">
+  <p:transition xmlns:p14="http://schemas.microsoft.com/office/powerpoint/2010/main" spd="med">
     <p:fade/>
   </p:transition>
   <p:timing>
     <p:tnLst>
       <p:par>
-        <p:cTn id="1" dur="indefinite" restart="never" nodeType="tmRoot"/>
+        <p:cTn xmlns:p14="http://schemas.microsoft.com/office/powerpoint/2010/main" id="1" dur="indefinite" restart="never" nodeType="tmRoot"/>
       </p:par>
     </p:tnLst>
   </p:timing>
@@ -15357,14 +15365,14 @@
           </a:ln>
           <a:extLst>
             <a:ext uri="{909E8E84-426E-40dd-AFC4-6F175D3DCCD1}">
-              <a14:hiddenFill xmlns="" xmlns:a14="http://schemas.microsoft.com/office/drawing/2010/main">
+              <a14:hiddenFill xmlns:a14="http://schemas.microsoft.com/office/drawing/2010/main">
                 <a:solidFill>
                   <a:srgbClr val="FFFFFF"/>
                 </a:solidFill>
               </a14:hiddenFill>
             </a:ext>
             <a:ext uri="{91240B29-F687-4f45-9708-019B960494DF}">
-              <a14:hiddenLine xmlns="" xmlns:a14="http://schemas.microsoft.com/office/drawing/2010/main" w="9525">
+              <a14:hiddenLine xmlns:a14="http://schemas.microsoft.com/office/drawing/2010/main" w="9525">
                 <a:solidFill>
                   <a:srgbClr val="000000"/>
                 </a:solidFill>
@@ -15674,13 +15682,13 @@
     <p:sldLayoutId id="2147483856" r:id="rId7"/>
     <p:sldLayoutId id="2147483866" r:id="rId8"/>
   </p:sldLayoutIdLst>
-  <p:transition spd="med">
+  <p:transition xmlns:p14="http://schemas.microsoft.com/office/powerpoint/2010/main" spd="med">
     <p:fade/>
   </p:transition>
   <p:timing>
     <p:tnLst>
       <p:par>
-        <p:cTn id="1" dur="indefinite" restart="never" nodeType="tmRoot"/>
+        <p:cTn xmlns:p14="http://schemas.microsoft.com/office/powerpoint/2010/main" id="1" dur="indefinite" restart="never" nodeType="tmRoot"/>
       </p:par>
     </p:tnLst>
   </p:timing>
@@ -16233,9 +16241,16 @@
   <p:clrMapOvr>
     <a:masterClrMapping/>
   </p:clrMapOvr>
-  <p:transition spd="med">
+  <p:transition xmlns:p14="http://schemas.microsoft.com/office/powerpoint/2010/main" spd="med">
     <p:fade/>
   </p:transition>
+  <p:timing>
+    <p:tnLst>
+      <p:par>
+        <p:cTn xmlns:p14="http://schemas.microsoft.com/office/powerpoint/2010/main" id="1" dur="indefinite" restart="never" nodeType="tmRoot"/>
+      </p:par>
+    </p:tnLst>
+  </p:timing>
 </p:sld>
 </file>
 
@@ -16414,9 +16429,16 @@
   <p:clrMapOvr>
     <a:masterClrMapping/>
   </p:clrMapOvr>
-  <p:transition spd="med">
+  <p:transition xmlns:p14="http://schemas.microsoft.com/office/powerpoint/2010/main" spd="med">
     <p:fade/>
   </p:transition>
+  <p:timing>
+    <p:tnLst>
+      <p:par>
+        <p:cTn xmlns:p14="http://schemas.microsoft.com/office/powerpoint/2010/main" id="1" dur="indefinite" restart="never" nodeType="tmRoot"/>
+      </p:par>
+    </p:tnLst>
+  </p:timing>
 </p:sld>
 </file>
 
@@ -16672,9 +16694,16 @@
   <p:clrMapOvr>
     <a:masterClrMapping/>
   </p:clrMapOvr>
-  <p:transition spd="med">
+  <p:transition xmlns:p14="http://schemas.microsoft.com/office/powerpoint/2010/main" spd="med">
     <p:fade/>
   </p:transition>
+  <p:timing>
+    <p:tnLst>
+      <p:par>
+        <p:cTn xmlns:p14="http://schemas.microsoft.com/office/powerpoint/2010/main" id="1" dur="indefinite" restart="never" nodeType="tmRoot"/>
+      </p:par>
+    </p:tnLst>
+  </p:timing>
 </p:sld>
 </file>
 
@@ -16929,9 +16958,16 @@
   <p:clrMapOvr>
     <a:masterClrMapping/>
   </p:clrMapOvr>
-  <p:transition spd="med">
+  <p:transition xmlns:p14="http://schemas.microsoft.com/office/powerpoint/2010/main" spd="med">
     <p:fade/>
   </p:transition>
+  <p:timing>
+    <p:tnLst>
+      <p:par>
+        <p:cTn xmlns:p14="http://schemas.microsoft.com/office/powerpoint/2010/main" id="1" dur="indefinite" restart="never" nodeType="tmRoot"/>
+      </p:par>
+    </p:tnLst>
+  </p:timing>
 </p:sld>
 </file>
 
@@ -17205,9 +17241,16 @@
   <p:clrMapOvr>
     <a:masterClrMapping/>
   </p:clrMapOvr>
-  <p:transition spd="med">
+  <p:transition xmlns:p14="http://schemas.microsoft.com/office/powerpoint/2010/main" spd="med">
     <p:fade/>
   </p:transition>
+  <p:timing>
+    <p:tnLst>
+      <p:par>
+        <p:cTn xmlns:p14="http://schemas.microsoft.com/office/powerpoint/2010/main" id="1" dur="indefinite" restart="never" nodeType="tmRoot"/>
+      </p:par>
+    </p:tnLst>
+  </p:timing>
 </p:sld>
 </file>
 
@@ -17421,9 +17464,16 @@
   <p:clrMapOvr>
     <a:masterClrMapping/>
   </p:clrMapOvr>
-  <p:transition spd="med">
+  <p:transition xmlns:p14="http://schemas.microsoft.com/office/powerpoint/2010/main" spd="med">
     <p:fade/>
   </p:transition>
+  <p:timing>
+    <p:tnLst>
+      <p:par>
+        <p:cTn xmlns:p14="http://schemas.microsoft.com/office/powerpoint/2010/main" id="1" dur="indefinite" restart="never" nodeType="tmRoot"/>
+      </p:par>
+    </p:tnLst>
+  </p:timing>
 </p:sld>
 </file>
 
@@ -17577,13 +17627,13 @@
   <p:clrMapOvr>
     <a:masterClrMapping/>
   </p:clrMapOvr>
-  <p:transition spd="med">
+  <p:transition xmlns:p14="http://schemas.microsoft.com/office/powerpoint/2010/main" spd="med">
     <p:fade/>
   </p:transition>
   <p:timing>
     <p:tnLst>
       <p:par>
-        <p:cTn id="1" dur="indefinite" restart="never" nodeType="tmRoot"/>
+        <p:cTn xmlns:p14="http://schemas.microsoft.com/office/powerpoint/2010/main" id="1" dur="indefinite" restart="never" nodeType="tmRoot"/>
       </p:par>
     </p:tnLst>
   </p:timing>
@@ -17852,9 +17902,16 @@
   <p:clrMapOvr>
     <a:masterClrMapping/>
   </p:clrMapOvr>
-  <p:transition spd="med">
+  <p:transition xmlns:p14="http://schemas.microsoft.com/office/powerpoint/2010/main" spd="med">
     <p:fade/>
   </p:transition>
+  <p:timing>
+    <p:tnLst>
+      <p:par>
+        <p:cTn xmlns:p14="http://schemas.microsoft.com/office/powerpoint/2010/main" id="1" dur="indefinite" restart="never" nodeType="tmRoot"/>
+      </p:par>
+    </p:tnLst>
+  </p:timing>
 </p:sld>
 </file>
 
@@ -18041,9 +18098,16 @@
   <p:clrMapOvr>
     <a:masterClrMapping/>
   </p:clrMapOvr>
-  <p:transition spd="med">
+  <p:transition xmlns:p14="http://schemas.microsoft.com/office/powerpoint/2010/main" spd="med">
     <p:fade/>
   </p:transition>
+  <p:timing>
+    <p:tnLst>
+      <p:par>
+        <p:cTn xmlns:p14="http://schemas.microsoft.com/office/powerpoint/2010/main" id="1" dur="indefinite" restart="never" nodeType="tmRoot"/>
+      </p:par>
+    </p:tnLst>
+  </p:timing>
 </p:sld>
 </file>
 
@@ -18291,9 +18355,16 @@
   <p:clrMapOvr>
     <a:masterClrMapping/>
   </p:clrMapOvr>
-  <p:transition spd="med">
+  <p:transition xmlns:p14="http://schemas.microsoft.com/office/powerpoint/2010/main" spd="med">
     <p:fade/>
   </p:transition>
+  <p:timing>
+    <p:tnLst>
+      <p:par>
+        <p:cTn xmlns:p14="http://schemas.microsoft.com/office/powerpoint/2010/main" id="1" dur="indefinite" restart="never" nodeType="tmRoot"/>
+      </p:par>
+    </p:tnLst>
+  </p:timing>
 </p:sld>
 </file>
 
@@ -18496,9 +18567,16 @@
   <p:clrMapOvr>
     <a:masterClrMapping/>
   </p:clrMapOvr>
-  <p:transition spd="med">
+  <p:transition xmlns:p14="http://schemas.microsoft.com/office/powerpoint/2010/main" spd="med">
     <p:fade/>
   </p:transition>
+  <p:timing>
+    <p:tnLst>
+      <p:par>
+        <p:cTn xmlns:p14="http://schemas.microsoft.com/office/powerpoint/2010/main" id="1" dur="indefinite" restart="never" nodeType="tmRoot"/>
+      </p:par>
+    </p:tnLst>
+  </p:timing>
 </p:sld>
 </file>
 
@@ -18619,13 +18697,13 @@
   <p:clrMapOvr>
     <a:masterClrMapping/>
   </p:clrMapOvr>
-  <p:transition spd="med">
+  <p:transition xmlns:p14="http://schemas.microsoft.com/office/powerpoint/2010/main" spd="med">
     <p:fade/>
   </p:transition>
   <p:timing>
     <p:tnLst>
       <p:par>
-        <p:cTn id="1" dur="indefinite" restart="never" nodeType="tmRoot"/>
+        <p:cTn xmlns:p14="http://schemas.microsoft.com/office/powerpoint/2010/main" id="1" dur="indefinite" restart="never" nodeType="tmRoot"/>
       </p:par>
     </p:tnLst>
   </p:timing>
@@ -18883,9 +18961,16 @@
   <p:clrMapOvr>
     <a:masterClrMapping/>
   </p:clrMapOvr>
-  <p:transition spd="med">
+  <p:transition xmlns:p14="http://schemas.microsoft.com/office/powerpoint/2010/main" spd="med">
     <p:fade/>
   </p:transition>
+  <p:timing>
+    <p:tnLst>
+      <p:par>
+        <p:cTn xmlns:p14="http://schemas.microsoft.com/office/powerpoint/2010/main" id="1" dur="indefinite" restart="never" nodeType="tmRoot"/>
+      </p:par>
+    </p:tnLst>
+  </p:timing>
 </p:sld>
 </file>
 
@@ -19122,9 +19207,16 @@
   <p:clrMapOvr>
     <a:masterClrMapping/>
   </p:clrMapOvr>
-  <p:transition spd="med">
+  <p:transition xmlns:p14="http://schemas.microsoft.com/office/powerpoint/2010/main" spd="med">
     <p:fade/>
   </p:transition>
+  <p:timing>
+    <p:tnLst>
+      <p:par>
+        <p:cTn xmlns:p14="http://schemas.microsoft.com/office/powerpoint/2010/main" id="1" dur="indefinite" restart="never" nodeType="tmRoot"/>
+      </p:par>
+    </p:tnLst>
+  </p:timing>
 </p:sld>
 </file>
 
@@ -19338,9 +19430,16 @@
   <p:clrMapOvr>
     <a:masterClrMapping/>
   </p:clrMapOvr>
-  <p:transition spd="med">
+  <p:transition xmlns:p14="http://schemas.microsoft.com/office/powerpoint/2010/main" spd="med">
     <p:fade/>
   </p:transition>
+  <p:timing>
+    <p:tnLst>
+      <p:par>
+        <p:cTn xmlns:p14="http://schemas.microsoft.com/office/powerpoint/2010/main" id="1" dur="indefinite" restart="never" nodeType="tmRoot"/>
+      </p:par>
+    </p:tnLst>
+  </p:timing>
 </p:sld>
 </file>
 
@@ -19494,13 +19593,13 @@
   <p:clrMapOvr>
     <a:masterClrMapping/>
   </p:clrMapOvr>
-  <p:transition spd="med">
+  <p:transition xmlns:p14="http://schemas.microsoft.com/office/powerpoint/2010/main" spd="med">
     <p:fade/>
   </p:transition>
   <p:timing>
     <p:tnLst>
       <p:par>
-        <p:cTn id="1" dur="indefinite" restart="never" nodeType="tmRoot"/>
+        <p:cTn xmlns:p14="http://schemas.microsoft.com/office/powerpoint/2010/main" id="1" dur="indefinite" restart="never" nodeType="tmRoot"/>
       </p:par>
     </p:tnLst>
   </p:timing>
@@ -19702,9 +19801,16 @@
   <p:clrMapOvr>
     <a:masterClrMapping/>
   </p:clrMapOvr>
-  <p:transition spd="med">
+  <p:transition xmlns:p14="http://schemas.microsoft.com/office/powerpoint/2010/main" spd="med">
     <p:fade/>
   </p:transition>
+  <p:timing>
+    <p:tnLst>
+      <p:par>
+        <p:cTn xmlns:p14="http://schemas.microsoft.com/office/powerpoint/2010/main" id="1" dur="indefinite" restart="never" nodeType="tmRoot"/>
+      </p:par>
+    </p:tnLst>
+  </p:timing>
 </p:sld>
 </file>
 
@@ -20023,9 +20129,16 @@
   <p:clrMapOvr>
     <a:masterClrMapping/>
   </p:clrMapOvr>
-  <p:transition spd="med">
+  <p:transition xmlns:p14="http://schemas.microsoft.com/office/powerpoint/2010/main" spd="med">
     <p:fade/>
   </p:transition>
+  <p:timing>
+    <p:tnLst>
+      <p:par>
+        <p:cTn xmlns:p14="http://schemas.microsoft.com/office/powerpoint/2010/main" id="1" dur="indefinite" restart="never" nodeType="tmRoot"/>
+      </p:par>
+    </p:tnLst>
+  </p:timing>
 </p:sld>
 </file>
 
@@ -20267,9 +20380,16 @@
   <p:clrMapOvr>
     <a:masterClrMapping/>
   </p:clrMapOvr>
-  <p:transition spd="med">
+  <p:transition xmlns:p14="http://schemas.microsoft.com/office/powerpoint/2010/main" spd="med">
     <p:fade/>
   </p:transition>
+  <p:timing>
+    <p:tnLst>
+      <p:par>
+        <p:cTn xmlns:p14="http://schemas.microsoft.com/office/powerpoint/2010/main" id="1" dur="indefinite" restart="never" nodeType="tmRoot"/>
+      </p:par>
+    </p:tnLst>
+  </p:timing>
 </p:sld>
 </file>
 
@@ -20469,9 +20589,16 @@
   <p:clrMapOvr>
     <a:masterClrMapping/>
   </p:clrMapOvr>
-  <p:transition spd="med">
+  <p:transition xmlns:p14="http://schemas.microsoft.com/office/powerpoint/2010/main" spd="med">
     <p:fade/>
   </p:transition>
+  <p:timing>
+    <p:tnLst>
+      <p:par>
+        <p:cTn xmlns:p14="http://schemas.microsoft.com/office/powerpoint/2010/main" id="1" dur="indefinite" restart="never" nodeType="tmRoot"/>
+      </p:par>
+    </p:tnLst>
+  </p:timing>
 </p:sld>
 </file>
 
@@ -20708,9 +20835,16 @@
   <p:clrMapOvr>
     <a:masterClrMapping/>
   </p:clrMapOvr>
-  <p:transition spd="med">
+  <p:transition xmlns:p14="http://schemas.microsoft.com/office/powerpoint/2010/main" spd="med">
     <p:fade/>
   </p:transition>
+  <p:timing>
+    <p:tnLst>
+      <p:par>
+        <p:cTn xmlns:p14="http://schemas.microsoft.com/office/powerpoint/2010/main" id="1" dur="indefinite" restart="never" nodeType="tmRoot"/>
+      </p:par>
+    </p:tnLst>
+  </p:timing>
 </p:sld>
 </file>
 
@@ -20934,9 +21068,16 @@
   <p:clrMapOvr>
     <a:masterClrMapping/>
   </p:clrMapOvr>
-  <p:transition spd="med">
+  <p:transition xmlns:p14="http://schemas.microsoft.com/office/powerpoint/2010/main" spd="med">
     <p:fade/>
   </p:transition>
+  <p:timing>
+    <p:tnLst>
+      <p:par>
+        <p:cTn xmlns:p14="http://schemas.microsoft.com/office/powerpoint/2010/main" id="1" dur="indefinite" restart="never" nodeType="tmRoot"/>
+      </p:par>
+    </p:tnLst>
+  </p:timing>
 </p:sld>
 </file>
 
@@ -21091,13 +21232,13 @@
   <p:clrMapOvr>
     <a:masterClrMapping/>
   </p:clrMapOvr>
-  <p:transition spd="med">
+  <p:transition xmlns:p14="http://schemas.microsoft.com/office/powerpoint/2010/main" spd="med">
     <p:fade/>
   </p:transition>
   <p:timing>
     <p:tnLst>
       <p:par>
-        <p:cTn id="1" dur="indefinite" restart="never" nodeType="tmRoot"/>
+        <p:cTn xmlns:p14="http://schemas.microsoft.com/office/powerpoint/2010/main" id="1" dur="indefinite" restart="never" nodeType="tmRoot"/>
       </p:par>
     </p:tnLst>
   </p:timing>
@@ -21314,9 +21455,16 @@
   <p:clrMapOvr>
     <a:masterClrMapping/>
   </p:clrMapOvr>
-  <p:transition spd="med">
+  <p:transition xmlns:p14="http://schemas.microsoft.com/office/powerpoint/2010/main" spd="med">
     <p:fade/>
   </p:transition>
+  <p:timing>
+    <p:tnLst>
+      <p:par>
+        <p:cTn xmlns:p14="http://schemas.microsoft.com/office/powerpoint/2010/main" id="1" dur="indefinite" restart="never" nodeType="tmRoot"/>
+      </p:par>
+    </p:tnLst>
+  </p:timing>
 </p:sld>
 </file>
 
@@ -21470,13 +21618,13 @@
   <p:clrMapOvr>
     <a:masterClrMapping/>
   </p:clrMapOvr>
-  <p:transition spd="med">
+  <p:transition xmlns:p14="http://schemas.microsoft.com/office/powerpoint/2010/main" spd="med">
     <p:fade/>
   </p:transition>
   <p:timing>
     <p:tnLst>
       <p:par>
-        <p:cTn id="1" dur="indefinite" restart="never" nodeType="tmRoot"/>
+        <p:cTn xmlns:p14="http://schemas.microsoft.com/office/powerpoint/2010/main" id="1" dur="indefinite" restart="never" nodeType="tmRoot"/>
       </p:par>
     </p:tnLst>
   </p:timing>
@@ -21815,9 +21963,16 @@
   <p:clrMapOvr>
     <a:masterClrMapping/>
   </p:clrMapOvr>
-  <p:transition spd="med">
+  <p:transition xmlns:p14="http://schemas.microsoft.com/office/powerpoint/2010/main" spd="med">
     <p:fade/>
   </p:transition>
+  <p:timing>
+    <p:tnLst>
+      <p:par>
+        <p:cTn xmlns:p14="http://schemas.microsoft.com/office/powerpoint/2010/main" id="1" dur="indefinite" restart="never" nodeType="tmRoot"/>
+      </p:par>
+    </p:tnLst>
+  </p:timing>
 </p:sld>
 </file>
 
@@ -21895,9 +22050,16 @@
   <p:clrMapOvr>
     <a:masterClrMapping/>
   </p:clrMapOvr>
-  <p:transition spd="med">
+  <p:transition xmlns:p14="http://schemas.microsoft.com/office/powerpoint/2010/main" spd="med">
     <p:fade/>
   </p:transition>
+  <p:timing>
+    <p:tnLst>
+      <p:par>
+        <p:cTn xmlns:p14="http://schemas.microsoft.com/office/powerpoint/2010/main" id="1" dur="indefinite" restart="never" nodeType="tmRoot"/>
+      </p:par>
+    </p:tnLst>
+  </p:timing>
 </p:sld>
 </file>
 
@@ -21976,9 +22138,16 @@
   <p:clrMapOvr>
     <a:masterClrMapping/>
   </p:clrMapOvr>
-  <p:transition spd="med">
+  <p:transition xmlns:p14="http://schemas.microsoft.com/office/powerpoint/2010/main" spd="med">
     <p:fade/>
   </p:transition>
+  <p:timing>
+    <p:tnLst>
+      <p:par>
+        <p:cTn xmlns:p14="http://schemas.microsoft.com/office/powerpoint/2010/main" id="1" dur="indefinite" restart="never" nodeType="tmRoot"/>
+      </p:par>
+    </p:tnLst>
+  </p:timing>
 </p:sld>
 </file>
 
@@ -22100,9 +22269,16 @@
   <p:clrMapOvr>
     <a:masterClrMapping/>
   </p:clrMapOvr>
-  <p:transition spd="med">
+  <p:transition xmlns:p14="http://schemas.microsoft.com/office/powerpoint/2010/main" spd="med">
     <p:fade/>
   </p:transition>
+  <p:timing>
+    <p:tnLst>
+      <p:par>
+        <p:cTn xmlns:p14="http://schemas.microsoft.com/office/powerpoint/2010/main" id="1" dur="indefinite" restart="never" nodeType="tmRoot"/>
+      </p:par>
+    </p:tnLst>
+  </p:timing>
 </p:sld>
 </file>
 
@@ -22347,9 +22523,16 @@
   <p:clrMapOvr>
     <a:masterClrMapping/>
   </p:clrMapOvr>
-  <p:transition spd="med">
+  <p:transition xmlns:p14="http://schemas.microsoft.com/office/powerpoint/2010/main" spd="med">
     <p:fade/>
   </p:transition>
+  <p:timing>
+    <p:tnLst>
+      <p:par>
+        <p:cTn xmlns:p14="http://schemas.microsoft.com/office/powerpoint/2010/main" id="1" dur="indefinite" restart="never" nodeType="tmRoot"/>
+      </p:par>
+    </p:tnLst>
+  </p:timing>
 </p:sld>
 </file>
 
@@ -22470,9 +22653,16 @@
   <p:clrMapOvr>
     <a:masterClrMapping/>
   </p:clrMapOvr>
-  <p:transition spd="med">
+  <p:transition xmlns:p14="http://schemas.microsoft.com/office/powerpoint/2010/main" spd="med">
     <p:fade/>
   </p:transition>
+  <p:timing>
+    <p:tnLst>
+      <p:par>
+        <p:cTn xmlns:p14="http://schemas.microsoft.com/office/powerpoint/2010/main" id="1" dur="indefinite" restart="never" nodeType="tmRoot"/>
+      </p:par>
+    </p:tnLst>
+  </p:timing>
 </p:sld>
 </file>
 
@@ -22737,9 +22927,16 @@
   <p:clrMapOvr>
     <a:masterClrMapping/>
   </p:clrMapOvr>
-  <p:transition spd="med">
+  <p:transition xmlns:p14="http://schemas.microsoft.com/office/powerpoint/2010/main" spd="med">
     <p:fade/>
   </p:transition>
+  <p:timing>
+    <p:tnLst>
+      <p:par>
+        <p:cTn xmlns:p14="http://schemas.microsoft.com/office/powerpoint/2010/main" id="1" dur="indefinite" restart="never" nodeType="tmRoot"/>
+      </p:par>
+    </p:tnLst>
+  </p:timing>
 </p:sld>
 </file>
 
@@ -22941,13 +23138,13 @@
   <p:clrMapOvr>
     <a:masterClrMapping/>
   </p:clrMapOvr>
-  <p:transition spd="med">
+  <p:transition xmlns:p14="http://schemas.microsoft.com/office/powerpoint/2010/main" spd="med">
     <p:fade/>
   </p:transition>
   <p:timing>
     <p:tnLst>
       <p:par>
-        <p:cTn id="1" dur="indefinite" restart="never" nodeType="tmRoot"/>
+        <p:cTn xmlns:p14="http://schemas.microsoft.com/office/powerpoint/2010/main" id="1" dur="indefinite" restart="never" nodeType="tmRoot"/>
       </p:par>
     </p:tnLst>
   </p:timing>
@@ -24183,13 +24380,13 @@
   <p:clrMapOvr>
     <a:masterClrMapping/>
   </p:clrMapOvr>
-  <p:transition spd="med">
+  <p:transition xmlns:p14="http://schemas.microsoft.com/office/powerpoint/2010/main" spd="med">
     <p:fade/>
   </p:transition>
   <p:timing>
     <p:tnLst>
       <p:par>
-        <p:cTn id="1" dur="indefinite" restart="never" nodeType="tmRoot"/>
+        <p:cTn xmlns:p14="http://schemas.microsoft.com/office/powerpoint/2010/main" id="1" dur="indefinite" restart="never" nodeType="tmRoot"/>
       </p:par>
     </p:tnLst>
   </p:timing>
@@ -24279,13 +24476,13 @@
   <p:clrMapOvr>
     <a:masterClrMapping/>
   </p:clrMapOvr>
-  <p:transition spd="med">
+  <p:transition xmlns:p14="http://schemas.microsoft.com/office/powerpoint/2010/main" spd="med">
     <p:fade/>
   </p:transition>
   <p:timing>
     <p:tnLst>
       <p:par>
-        <p:cTn id="1" dur="indefinite" restart="never" nodeType="tmRoot"/>
+        <p:cTn xmlns:p14="http://schemas.microsoft.com/office/powerpoint/2010/main" id="1" dur="indefinite" restart="never" nodeType="tmRoot"/>
       </p:par>
     </p:tnLst>
   </p:timing>
@@ -25545,13 +25742,13 @@
   <p:clrMapOvr>
     <a:masterClrMapping/>
   </p:clrMapOvr>
-  <p:transition spd="med">
+  <p:transition xmlns:p14="http://schemas.microsoft.com/office/powerpoint/2010/main" spd="med">
     <p:fade/>
   </p:transition>
   <p:timing>
     <p:tnLst>
       <p:par>
-        <p:cTn id="1" dur="indefinite" restart="never" nodeType="tmRoot"/>
+        <p:cTn xmlns:p14="http://schemas.microsoft.com/office/powerpoint/2010/main" id="1" dur="indefinite" restart="never" nodeType="tmRoot"/>
       </p:par>
     </p:tnLst>
   </p:timing>
@@ -26887,13 +27084,13 @@
   <p:clrMapOvr>
     <a:masterClrMapping/>
   </p:clrMapOvr>
-  <p:transition spd="med">
+  <p:transition xmlns:p14="http://schemas.microsoft.com/office/powerpoint/2010/main" spd="med">
     <p:fade/>
   </p:transition>
   <p:timing>
     <p:tnLst>
       <p:par>
-        <p:cTn id="1" dur="indefinite" restart="never" nodeType="tmRoot"/>
+        <p:cTn xmlns:p14="http://schemas.microsoft.com/office/powerpoint/2010/main" id="1" dur="indefinite" restart="never" nodeType="tmRoot"/>
       </p:par>
     </p:tnLst>
   </p:timing>
@@ -26988,13 +27185,13 @@
   <p:clrMapOvr>
     <a:masterClrMapping/>
   </p:clrMapOvr>
-  <p:transition spd="med">
+  <p:transition xmlns:p14="http://schemas.microsoft.com/office/powerpoint/2010/main" spd="med">
     <p:fade/>
   </p:transition>
   <p:timing>
     <p:tnLst>
       <p:par>
-        <p:cTn id="1" dur="indefinite" restart="never" nodeType="tmRoot"/>
+        <p:cTn xmlns:p14="http://schemas.microsoft.com/office/powerpoint/2010/main" id="1" dur="indefinite" restart="never" nodeType="tmRoot"/>
       </p:par>
     </p:tnLst>
   </p:timing>
@@ -27217,13 +27414,13 @@
   <p:clrMapOvr>
     <a:masterClrMapping/>
   </p:clrMapOvr>
-  <p:transition spd="med">
+  <p:transition xmlns:p14="http://schemas.microsoft.com/office/powerpoint/2010/main" spd="med">
     <p:fade/>
   </p:transition>
   <p:timing>
     <p:tnLst>
       <p:par>
-        <p:cTn id="1" dur="indefinite" restart="never" nodeType="tmRoot"/>
+        <p:cTn xmlns:p14="http://schemas.microsoft.com/office/powerpoint/2010/main" id="1" dur="indefinite" restart="never" nodeType="tmRoot"/>
       </p:par>
     </p:tnLst>
   </p:timing>
@@ -27382,13 +27579,13 @@
   <p:clrMapOvr>
     <a:masterClrMapping/>
   </p:clrMapOvr>
-  <p:transition spd="med">
+  <p:transition xmlns:p14="http://schemas.microsoft.com/office/powerpoint/2010/main" spd="med">
     <p:fade/>
   </p:transition>
   <p:timing>
     <p:tnLst>
       <p:par>
-        <p:cTn id="1" dur="indefinite" restart="never" nodeType="tmRoot"/>
+        <p:cTn xmlns:p14="http://schemas.microsoft.com/office/powerpoint/2010/main" id="1" dur="indefinite" restart="never" nodeType="tmRoot"/>
       </p:par>
     </p:tnLst>
   </p:timing>
@@ -27512,13 +27709,13 @@
   <p:clrMapOvr>
     <a:masterClrMapping/>
   </p:clrMapOvr>
-  <p:transition spd="med">
+  <p:transition xmlns:p14="http://schemas.microsoft.com/office/powerpoint/2010/main" spd="med">
     <p:fade/>
   </p:transition>
   <p:timing>
     <p:tnLst>
       <p:par>
-        <p:cTn id="1" dur="indefinite" restart="never" nodeType="tmRoot"/>
+        <p:cTn xmlns:p14="http://schemas.microsoft.com/office/powerpoint/2010/main" id="1" dur="indefinite" restart="never" nodeType="tmRoot"/>
       </p:par>
     </p:tnLst>
   </p:timing>
@@ -27714,13 +27911,13 @@
   <p:clrMapOvr>
     <a:masterClrMapping/>
   </p:clrMapOvr>
-  <p:transition spd="med">
+  <p:transition xmlns:p14="http://schemas.microsoft.com/office/powerpoint/2010/main" spd="med">
     <p:fade/>
   </p:transition>
   <p:timing>
     <p:tnLst>
       <p:par>
-        <p:cTn id="1" dur="indefinite" restart="never" nodeType="tmRoot"/>
+        <p:cTn xmlns:p14="http://schemas.microsoft.com/office/powerpoint/2010/main" id="1" dur="indefinite" restart="never" nodeType="tmRoot"/>
       </p:par>
     </p:tnLst>
   </p:timing>
@@ -27802,13 +27999,13 @@
   <p:clrMapOvr>
     <a:masterClrMapping/>
   </p:clrMapOvr>
-  <p:transition spd="med">
+  <p:transition xmlns:p14="http://schemas.microsoft.com/office/powerpoint/2010/main" spd="med">
     <p:fade/>
   </p:transition>
   <p:timing>
     <p:tnLst>
       <p:par>
-        <p:cTn id="1" dur="indefinite" restart="never" nodeType="tmRoot"/>
+        <p:cTn xmlns:p14="http://schemas.microsoft.com/office/powerpoint/2010/main" id="1" dur="indefinite" restart="never" nodeType="tmRoot"/>
       </p:par>
     </p:tnLst>
   </p:timing>
@@ -27980,13 +28177,13 @@
   <p:clrMapOvr>
     <a:masterClrMapping/>
   </p:clrMapOvr>
-  <p:transition spd="med">
+  <p:transition xmlns:p14="http://schemas.microsoft.com/office/powerpoint/2010/main" spd="med">
     <p:fade/>
   </p:transition>
   <p:timing>
     <p:tnLst>
       <p:par>
-        <p:cTn id="1" dur="indefinite" restart="never" nodeType="tmRoot"/>
+        <p:cTn xmlns:p14="http://schemas.microsoft.com/office/powerpoint/2010/main" id="1" dur="indefinite" restart="never" nodeType="tmRoot"/>
       </p:par>
     </p:tnLst>
   </p:timing>
@@ -28302,13 +28499,13 @@
   <p:clrMapOvr>
     <a:masterClrMapping/>
   </p:clrMapOvr>
-  <p:transition spd="med">
+  <p:transition xmlns:p14="http://schemas.microsoft.com/office/powerpoint/2010/main" spd="med">
     <p:fade/>
   </p:transition>
   <p:timing>
     <p:tnLst>
       <p:par>
-        <p:cTn id="1" dur="indefinite" restart="never" nodeType="tmRoot"/>
+        <p:cTn xmlns:p14="http://schemas.microsoft.com/office/powerpoint/2010/main" id="1" dur="indefinite" restart="never" nodeType="tmRoot"/>
       </p:par>
     </p:tnLst>
   </p:timing>
@@ -28342,13 +28539,13 @@
   <p:clrMapOvr>
     <a:masterClrMapping/>
   </p:clrMapOvr>
-  <p:transition spd="med">
+  <p:transition xmlns:p14="http://schemas.microsoft.com/office/powerpoint/2010/main" spd="med">
     <p:fade/>
   </p:transition>
   <p:timing>
     <p:tnLst>
       <p:par>
-        <p:cTn id="1" dur="indefinite" restart="never" nodeType="tmRoot"/>
+        <p:cTn xmlns:p14="http://schemas.microsoft.com/office/powerpoint/2010/main" id="1" dur="indefinite" restart="never" nodeType="tmRoot"/>
       </p:par>
     </p:tnLst>
   </p:timing>
@@ -29103,13 +29300,13 @@
   <p:clrMapOvr>
     <a:masterClrMapping/>
   </p:clrMapOvr>
-  <p:transition spd="med">
+  <p:transition xmlns:p14="http://schemas.microsoft.com/office/powerpoint/2010/main" spd="med">
     <p:fade/>
   </p:transition>
   <p:timing>
     <p:tnLst>
       <p:par>
-        <p:cTn id="1" dur="indefinite" restart="never" nodeType="tmRoot"/>
+        <p:cTn xmlns:p14="http://schemas.microsoft.com/office/powerpoint/2010/main" id="1" dur="indefinite" restart="never" nodeType="tmRoot"/>
       </p:par>
     </p:tnLst>
   </p:timing>
@@ -29379,13 +29576,13 @@
   <p:clrMapOvr>
     <a:masterClrMapping/>
   </p:clrMapOvr>
-  <p:transition spd="med">
+  <p:transition xmlns:p14="http://schemas.microsoft.com/office/powerpoint/2010/main" spd="med">
     <p:fade/>
   </p:transition>
   <p:timing>
     <p:tnLst>
       <p:par>
-        <p:cTn id="1" dur="indefinite" restart="never" nodeType="tmRoot"/>
+        <p:cTn xmlns:p14="http://schemas.microsoft.com/office/powerpoint/2010/main" id="1" dur="indefinite" restart="never" nodeType="tmRoot"/>
       </p:par>
     </p:tnLst>
   </p:timing>
@@ -29596,13 +29793,13 @@
   <p:clrMapOvr>
     <a:masterClrMapping/>
   </p:clrMapOvr>
-  <p:transition spd="med">
+  <p:transition xmlns:p14="http://schemas.microsoft.com/office/powerpoint/2010/main" spd="med">
     <p:fade/>
   </p:transition>
   <p:timing>
     <p:tnLst>
       <p:par>
-        <p:cTn id="1" dur="indefinite" restart="never" nodeType="tmRoot"/>
+        <p:cTn xmlns:p14="http://schemas.microsoft.com/office/powerpoint/2010/main" id="1" dur="indefinite" restart="never" nodeType="tmRoot"/>
       </p:par>
     </p:tnLst>
   </p:timing>
@@ -29841,9 +30038,16 @@
   <p:clrMapOvr>
     <a:masterClrMapping/>
   </p:clrMapOvr>
-  <p:transition spd="med">
+  <p:transition xmlns:p14="http://schemas.microsoft.com/office/powerpoint/2010/main" spd="med">
     <p:fade/>
   </p:transition>
+  <p:timing>
+    <p:tnLst>
+      <p:par>
+        <p:cTn xmlns:p14="http://schemas.microsoft.com/office/powerpoint/2010/main" id="1" dur="indefinite" restart="never" nodeType="tmRoot"/>
+      </p:par>
+    </p:tnLst>
+  </p:timing>
 </p:sld>
 </file>
 
@@ -30223,7 +30427,7 @@
   <a:extraClrSchemeLst/>
   <a:extLst>
     <a:ext uri="{05A4C25C-085E-4340-85A3-A5531E510DB2}">
-      <thm15:themeFamily xmlns:thm15="http://schemas.microsoft.com/office/thememl/2012/main" name="Chef-TemplateComps_v09-16x9-Light.potx" id="{078CEFDB-FA7A-4E36-9964-13EF367585CB}" vid="{8B87B0F3-7308-43D5-8388-E1B49EA02652}"/>
+      <thm15:themeFamily xmlns="" xmlns:thm15="http://schemas.microsoft.com/office/thememl/2012/main" name="Chef-TemplateComps_v09-16x9-Light.potx" id="{078CEFDB-FA7A-4E36-9964-13EF367585CB}" vid="{8B87B0F3-7308-43D5-8388-E1B49EA02652}"/>
     </a:ext>
   </a:extLst>
 </a:theme>
@@ -30605,7 +30809,7 @@
   <a:extraClrSchemeLst/>
   <a:extLst>
     <a:ext uri="{05A4C25C-085E-4340-85A3-A5531E510DB2}">
-      <thm15:themeFamily xmlns:thm15="http://schemas.microsoft.com/office/thememl/2012/main" name="Chef-TemplateComps_v09-16x9-Light.potx" id="{078CEFDB-FA7A-4E36-9964-13EF367585CB}" vid="{8B87B0F3-7308-43D5-8388-E1B49EA02652}"/>
+      <thm15:themeFamily xmlns="" xmlns:thm15="http://schemas.microsoft.com/office/thememl/2012/main" name="Chef-TemplateComps_v09-16x9-Light.potx" id="{078CEFDB-FA7A-4E36-9964-13EF367585CB}" vid="{8B87B0F3-7308-43D5-8388-E1B49EA02652}"/>
     </a:ext>
   </a:extLst>
 </a:theme>

--- a/04-refactoring_cookbooks_with_tests.pptx
+++ b/04-refactoring_cookbooks_with_tests.pptx
@@ -326,7 +326,7 @@
               <a:pPr>
                 <a:defRPr/>
               </a:pPr>
-              <a:t>8/29/16</a:t>
+              <a:t>10/11/16</a:t>
             </a:fld>
             <a:endParaRPr lang="en-US" dirty="0"/>
           </a:p>
@@ -509,7 +509,7 @@
               <a:pPr>
                 <a:defRPr/>
               </a:pPr>
-              <a:t>8/29/16</a:t>
+              <a:t>10/11/16</a:t>
             </a:fld>
             <a:endParaRPr lang="en-US" dirty="0"/>
           </a:p>
@@ -16794,25 +16794,6 @@
       </p:sp>
       <p:sp>
         <p:nvSpPr>
-          <p:cNvPr id="4" name="Content Placeholder 3"/>
-          <p:cNvSpPr>
-            <a:spLocks noGrp="1"/>
-          </p:cNvSpPr>
-          <p:nvPr>
-            <p:ph sz="quarter" idx="12"/>
-          </p:nvPr>
-        </p:nvSpPr>
-        <p:spPr/>
-        <p:txBody>
-          <a:bodyPr/>
-          <a:lstStyle/>
-          <a:p>
-            <a:endParaRPr lang="en-US"/>
-          </a:p>
-        </p:txBody>
-      </p:sp>
-      <p:sp>
-        <p:nvSpPr>
           <p:cNvPr id="5" name="Title 4"/>
           <p:cNvSpPr>
             <a:spLocks noGrp="1"/>
@@ -16847,6 +16828,13 @@
   <p:transition xmlns:p14="http://schemas.microsoft.com/office/powerpoint/2010/main" spd="med">
     <p:fade/>
   </p:transition>
+  <p:timing>
+    <p:tnLst>
+      <p:par>
+        <p:cTn xmlns:p14="http://schemas.microsoft.com/office/powerpoint/2010/main" id="1" dur="indefinite" restart="never" nodeType="tmRoot"/>
+      </p:par>
+    </p:tnLst>
+  </p:timing>
 </p:sld>
 </file>
 
@@ -17419,8 +17407,12 @@
           </a:p>
           <a:p>
             <a:r>
+              <a:rPr lang="en-US" dirty="0" smtClean="0"/>
+              <a:t>file </a:t>
+            </a:r>
+            <a:r>
               <a:rPr lang="en-US" dirty="0"/>
-              <a:t>file '/</a:t>
+              <a:t>'/</a:t>
             </a:r>
             <a:r>
               <a:rPr lang="en-US" dirty="0" err="1"/>
@@ -17628,7 +17620,7 @@
               <a:t>This is why we </a:t>
             </a:r>
             <a:r>
-              <a:rPr lang="en-US" u="sng" dirty="0" smtClean="0"/>
+              <a:rPr lang="en-US" b="1" dirty="0" smtClean="0"/>
               <a:t>can</a:t>
             </a:r>
             <a:r>
@@ -18337,7 +18329,7 @@
               <a:t>This is why we </a:t>
             </a:r>
             <a:r>
-              <a:rPr lang="en-US" u="sng" dirty="0" smtClean="0"/>
+              <a:rPr lang="en-US" b="1" dirty="0" smtClean="0"/>
               <a:t>can</a:t>
             </a:r>
             <a:r>
@@ -18603,7 +18595,12 @@
             <p:ph type="subTitle" idx="1"/>
           </p:nvPr>
         </p:nvSpPr>
-        <p:spPr/>
+        <p:spPr>
+          <a:xfrm>
+            <a:off x="1671638" y="3260725"/>
+            <a:ext cx="12319000" cy="4150099"/>
+          </a:xfrm>
+        </p:spPr>
         <p:txBody>
           <a:bodyPr/>
           <a:lstStyle/>
@@ -18679,8 +18676,27 @@
                 <a:ea typeface="Courier New" charset="0"/>
                 <a:cs typeface="Courier New" charset="0"/>
               </a:rPr>
-              <a:t>' contains the content '&lt;h1&gt;Welcome Home!&lt;/h1&gt;'.</a:t>
-            </a:r>
+              <a:t>' contains the content '&lt;h1&gt;Welcome Home!&lt;/h1&gt;</a:t>
+            </a:r>
+            <a:r>
+              <a:rPr lang="en-US" b="1" dirty="0" smtClean="0">
+                <a:solidFill>
+                  <a:schemeClr val="tx1"/>
+                </a:solidFill>
+                <a:latin typeface="Courier New" charset="0"/>
+                <a:ea typeface="Courier New" charset="0"/>
+                <a:cs typeface="Courier New" charset="0"/>
+              </a:rPr>
+              <a:t>'</a:t>
+            </a:r>
+            <a:endParaRPr lang="en-US" b="1" dirty="0" smtClean="0">
+              <a:solidFill>
+                <a:schemeClr val="tx1"/>
+              </a:solidFill>
+              <a:latin typeface="Courier New" charset="0"/>
+              <a:ea typeface="Courier New" charset="0"/>
+              <a:cs typeface="Courier New" charset="0"/>
+            </a:endParaRPr>
           </a:p>
           <a:p>
             <a:endParaRPr lang="en-US" dirty="0" smtClean="0"/>
@@ -18688,25 +18704,47 @@
           <a:p>
             <a:r>
               <a:rPr lang="en-US" dirty="0" smtClean="0"/>
-              <a:t>Remove </a:t>
+              <a:t>Delete the automatically generated </a:t>
+            </a:r>
+            <a:r>
+              <a:rPr lang="en-US" dirty="0" err="1" smtClean="0"/>
+              <a:t>InSpec</a:t>
+            </a:r>
+            <a:r>
+              <a:rPr lang="en-US" dirty="0" smtClean="0"/>
+              <a:t> test</a:t>
+            </a:r>
+          </a:p>
+          <a:p>
+            <a:r>
+              <a:rPr lang="en-US" dirty="0" smtClean="0"/>
+              <a:t>Within </a:t>
             </a:r>
             <a:r>
               <a:rPr lang="en-US" dirty="0"/>
-              <a:t>the </a:t>
-            </a:r>
-            <a:r>
-              <a:rPr lang="en-US" dirty="0" smtClean="0"/>
-              <a:t>file resource </a:t>
+              <a:t>the default </a:t>
+            </a:r>
+            <a:r>
+              <a:rPr lang="en-US" dirty="0" smtClean="0"/>
+              <a:t>recipe </a:t>
             </a:r>
             <a:r>
               <a:rPr lang="en-US" dirty="0"/>
-              <a:t>from the default recipe</a:t>
-            </a:r>
-          </a:p>
-          <a:p>
+              <a:t>r</a:t>
+            </a:r>
+            <a:r>
+              <a:rPr lang="en-US" dirty="0" smtClean="0"/>
+              <a:t>eplace the file resource with an include recipe</a:t>
+            </a:r>
+          </a:p>
+          <a:p>
+            <a:r>
+              <a:rPr lang="en-US" dirty="0" smtClean="0"/>
+              <a:t>Converge </a:t>
+            </a:r>
             <a:r>
               <a:rPr lang="en-US" dirty="0"/>
-              <a:t>Converge and </a:t>
+              <a:t>and </a:t>
             </a:r>
             <a:r>
               <a:rPr lang="en-US" dirty="0" smtClean="0"/>
@@ -19241,6 +19279,13 @@
   <p:transition xmlns:p14="http://schemas.microsoft.com/office/powerpoint/2010/main" spd="med">
     <p:fade/>
   </p:transition>
+  <p:timing>
+    <p:tnLst>
+      <p:par>
+        <p:cTn xmlns:p14="http://schemas.microsoft.com/office/powerpoint/2010/main" id="1" dur="indefinite" restart="never" nodeType="tmRoot"/>
+      </p:par>
+    </p:tnLst>
+  </p:timing>
 </p:sld>
 </file>
 
@@ -20524,8 +20569,27 @@
                 <a:ea typeface="Courier New" charset="0"/>
                 <a:cs typeface="Courier New" charset="0"/>
               </a:rPr>
-              <a:t>' contains the content '&lt;h1&gt;Welcome Home!&lt;/h1&gt;'.</a:t>
-            </a:r>
+              <a:t>' contains the content '&lt;h1&gt;Welcome Home!&lt;/h1&gt;</a:t>
+            </a:r>
+            <a:r>
+              <a:rPr lang="en-US" b="1" dirty="0" smtClean="0">
+                <a:solidFill>
+                  <a:schemeClr val="tx1"/>
+                </a:solidFill>
+                <a:latin typeface="Courier New" charset="0"/>
+                <a:ea typeface="Courier New" charset="0"/>
+                <a:cs typeface="Courier New" charset="0"/>
+              </a:rPr>
+              <a:t>'</a:t>
+            </a:r>
+            <a:endParaRPr lang="en-US" b="1" dirty="0" smtClean="0">
+              <a:solidFill>
+                <a:schemeClr val="tx1"/>
+              </a:solidFill>
+              <a:latin typeface="Courier New" charset="0"/>
+              <a:ea typeface="Courier New" charset="0"/>
+              <a:cs typeface="Courier New" charset="0"/>
+            </a:endParaRPr>
           </a:p>
           <a:p>
             <a:endParaRPr lang="en-US" dirty="0" smtClean="0"/>
@@ -20536,20 +20600,16 @@
               <a:buChar char="ü"/>
             </a:pPr>
             <a:r>
-              <a:rPr lang="en-US" dirty="0" smtClean="0"/>
-              <a:t>Remove </a:t>
-            </a:r>
-            <a:r>
               <a:rPr lang="en-US" dirty="0"/>
-              <a:t>the </a:t>
-            </a:r>
-            <a:r>
-              <a:rPr lang="en-US" dirty="0" smtClean="0"/>
-              <a:t>file resource </a:t>
+              <a:t>Delete the automatically generated </a:t>
+            </a:r>
+            <a:r>
+              <a:rPr lang="en-US" dirty="0" err="1"/>
+              <a:t>InSpec</a:t>
             </a:r>
             <a:r>
               <a:rPr lang="en-US" dirty="0"/>
-              <a:t>from the default recipe</a:t>
+              <a:t> test</a:t>
             </a:r>
           </a:p>
           <a:p>
@@ -20559,7 +20619,21 @@
             </a:pPr>
             <a:r>
               <a:rPr lang="en-US" dirty="0"/>
-              <a:t>Converge and </a:t>
+              <a:t>Within the default recipe replace the file resource with an include recipe</a:t>
+            </a:r>
+          </a:p>
+          <a:p>
+            <a:pPr>
+              <a:buFont typeface="Wingdings" charset="2"/>
+              <a:buChar char="ü"/>
+            </a:pPr>
+            <a:r>
+              <a:rPr lang="en-US" dirty="0" smtClean="0"/>
+              <a:t>Converge </a:t>
+            </a:r>
+            <a:r>
+              <a:rPr lang="en-US" dirty="0"/>
+              <a:t>and </a:t>
             </a:r>
             <a:r>
               <a:rPr lang="en-US" dirty="0" smtClean="0"/>
@@ -20725,7 +20799,18 @@
                 <a:ea typeface="Courier New" charset="0"/>
                 <a:cs typeface="Courier New" charset="0"/>
               </a:rPr>
-              <a:t>' is started and enabled.</a:t>
+              <a:t>' is started and </a:t>
+            </a:r>
+            <a:r>
+              <a:rPr lang="en-US" b="1" dirty="0" smtClean="0">
+                <a:solidFill>
+                  <a:schemeClr val="tx1"/>
+                </a:solidFill>
+                <a:latin typeface="Courier New" charset="0"/>
+                <a:ea typeface="Courier New" charset="0"/>
+                <a:cs typeface="Courier New" charset="0"/>
+              </a:rPr>
+              <a:t>enabled</a:t>
             </a:r>
             <a:endParaRPr lang="en-US" b="1" dirty="0">
               <a:solidFill>
@@ -20742,7 +20827,21 @@
           <a:p>
             <a:r>
               <a:rPr lang="en-US" dirty="0"/>
-              <a:t>Remove the </a:t>
+              <a:t>Delete the automatically generated </a:t>
+            </a:r>
+            <a:r>
+              <a:rPr lang="en-US" dirty="0" err="1"/>
+              <a:t>InSpec</a:t>
+            </a:r>
+            <a:r>
+              <a:rPr lang="en-US" dirty="0"/>
+              <a:t> test</a:t>
+            </a:r>
+          </a:p>
+          <a:p>
+            <a:r>
+              <a:rPr lang="en-US" dirty="0"/>
+              <a:t>Within the default recipe replace the </a:t>
             </a:r>
             <a:r>
               <a:rPr lang="en-US" dirty="0" smtClean="0"/>
@@ -20750,13 +20849,17 @@
             </a:r>
             <a:r>
               <a:rPr lang="en-US" dirty="0"/>
-              <a:t>from the default recipe</a:t>
-            </a:r>
-          </a:p>
-          <a:p>
+              <a:t>with an include recipe</a:t>
+            </a:r>
+          </a:p>
+          <a:p>
+            <a:r>
+              <a:rPr lang="en-US" dirty="0" smtClean="0"/>
+              <a:t>Converge </a:t>
+            </a:r>
             <a:r>
               <a:rPr lang="en-US" dirty="0"/>
-              <a:t>Converge and verify the test instance to ensure there are no failures</a:t>
+              <a:t>and verify the test instance to ensure there are no failures</a:t>
             </a:r>
           </a:p>
         </p:txBody>
@@ -20783,7 +20886,7 @@
         </p:blipFill>
         <p:spPr>
           <a:xfrm rot="1182617" flipH="1">
-            <a:off x="12261414" y="6738463"/>
+            <a:off x="12261414" y="6843051"/>
             <a:ext cx="4873752" cy="3436542"/>
           </a:xfrm>
           <a:prstGeom prst="rect">
@@ -20849,7 +20952,7 @@
         </p:nvSpPr>
         <p:spPr bwMode="auto">
           <a:xfrm>
-            <a:off x="9418320" y="6728496"/>
+            <a:off x="9388438" y="7116967"/>
             <a:ext cx="3208274" cy="613933"/>
           </a:xfrm>
           <a:prstGeom prst="rect">
@@ -21286,6 +21389,13 @@
   <p:transition xmlns:p14="http://schemas.microsoft.com/office/powerpoint/2010/main" spd="med">
     <p:fade/>
   </p:transition>
+  <p:timing>
+    <p:tnLst>
+      <p:par>
+        <p:cTn xmlns:p14="http://schemas.microsoft.com/office/powerpoint/2010/main" id="1" dur="indefinite" restart="never" nodeType="tmRoot"/>
+      </p:par>
+    </p:tnLst>
+  </p:timing>
 </p:sld>
 </file>
 
@@ -22490,7 +22600,6 @@
               <a:rPr lang="en-US" dirty="0"/>
               <a:t>Summary: 2 successful, 0 failures, 0 skipped</a:t>
             </a:r>
-            <a:endParaRPr lang="en-US" dirty="0"/>
           </a:p>
         </p:txBody>
       </p:sp>
@@ -22713,15 +22822,15 @@
             </a:pPr>
             <a:r>
               <a:rPr lang="en-US" dirty="0"/>
-              <a:t>Remove the </a:t>
-            </a:r>
-            <a:r>
-              <a:rPr lang="en-US" dirty="0" smtClean="0"/>
-              <a:t>service resource </a:t>
+              <a:t>Delete the automatically generated </a:t>
+            </a:r>
+            <a:r>
+              <a:rPr lang="en-US" dirty="0" err="1"/>
+              <a:t>InSpec</a:t>
             </a:r>
             <a:r>
               <a:rPr lang="en-US" dirty="0"/>
-              <a:t>from the default recipe</a:t>
+              <a:t> test</a:t>
             </a:r>
           </a:p>
           <a:p>
@@ -22731,7 +22840,21 @@
             </a:pPr>
             <a:r>
               <a:rPr lang="en-US" dirty="0"/>
-              <a:t>Converge and verify the test instance to ensure there are no failures</a:t>
+              <a:t>Within the default recipe replace the service resource with an include recipe</a:t>
+            </a:r>
+          </a:p>
+          <a:p>
+            <a:pPr>
+              <a:buFont typeface="Wingdings" charset="2"/>
+              <a:buChar char="ü"/>
+            </a:pPr>
+            <a:r>
+              <a:rPr lang="en-US" dirty="0" smtClean="0"/>
+              <a:t>Converge </a:t>
+            </a:r>
+            <a:r>
+              <a:rPr lang="en-US" dirty="0"/>
+              <a:t>and verify the test instance to ensure there are no failures</a:t>
             </a:r>
           </a:p>
         </p:txBody>
@@ -22774,7 +22897,7 @@
         </p:nvSpPr>
         <p:spPr>
           <a:xfrm rot="12130957">
-            <a:off x="12363590" y="7319410"/>
+            <a:off x="12363590" y="7334351"/>
             <a:ext cx="975947" cy="306967"/>
           </a:xfrm>
           <a:prstGeom prst="arc">
@@ -22818,13 +22941,13 @@
       </p:sp>
       <p:sp>
         <p:nvSpPr>
-          <p:cNvPr id="6" name="Rectangle 5"/>
+          <p:cNvPr id="7" name="Rectangle 6"/>
           <p:cNvSpPr/>
           <p:nvPr/>
         </p:nvSpPr>
         <p:spPr bwMode="auto">
           <a:xfrm>
-            <a:off x="9418320" y="6728496"/>
+            <a:off x="9388438" y="7116967"/>
             <a:ext cx="3208274" cy="613933"/>
           </a:xfrm>
           <a:prstGeom prst="rect">
@@ -22870,12 +22993,12 @@
           <a:p>
             <a:pPr algn="ctr" defTabSz="914099"/>
             <a:r>
-              <a:rPr lang="en-US" sz="1800" smtClean="0">
+              <a:rPr lang="en-US" sz="1800" dirty="0" smtClean="0">
                 <a:solidFill>
                   <a:schemeClr val="tx2"/>
                 </a:solidFill>
               </a:rPr>
-              <a:t>My hair will grow back.</a:t>
+              <a:t>My hair will grow back!</a:t>
             </a:r>
             <a:endParaRPr lang="en-US" sz="1800" dirty="0" smtClean="0">
               <a:solidFill>
@@ -24914,15 +25037,7 @@
             </a:r>
             <a:r>
               <a:rPr lang="en-US" dirty="0" smtClean="0"/>
-              <a:t>      Converging </a:t>
-            </a:r>
-            <a:r>
-              <a:rPr lang="en-US" dirty="0" smtClean="0"/>
-              <a:t>3 </a:t>
-            </a:r>
-            <a:r>
-              <a:rPr lang="en-US" dirty="0" smtClean="0"/>
-              <a:t>resources</a:t>
+              <a:t>      Converging 3 resources</a:t>
             </a:r>
           </a:p>
           <a:p>
@@ -25227,7 +25342,6 @@
               <a:rPr lang="en-US" dirty="0"/>
               <a:t>Summary: 2 successful, 0 failures, 0 skipped</a:t>
             </a:r>
-            <a:endParaRPr lang="en-US" dirty="0"/>
           </a:p>
         </p:txBody>
       </p:sp>
@@ -28198,15 +28312,7 @@
           <a:p>
             <a:r>
               <a:rPr lang="en-US" dirty="0" smtClean="0"/>
-              <a:t>     </a:t>
-            </a:r>
-            <a:r>
-              <a:rPr lang="en-US" dirty="0" smtClean="0"/>
-              <a:t>  .</a:t>
-            </a:r>
-            <a:r>
-              <a:rPr lang="en-US" dirty="0" smtClean="0"/>
-              <a:t>.</a:t>
+              <a:t>       ..</a:t>
             </a:r>
             <a:r>
               <a:rPr lang="en-US" dirty="0"/>
@@ -30315,7 +30421,7 @@
               <a:t>This is why we </a:t>
             </a:r>
             <a:r>
-              <a:rPr lang="en-US" u="sng" dirty="0" smtClean="0"/>
+              <a:rPr lang="en-US" b="1" dirty="0" smtClean="0"/>
               <a:t>can</a:t>
             </a:r>
             <a:r>

--- a/04-refactoring_cookbooks_with_tests.pptx
+++ b/04-refactoring_cookbooks_with_tests.pptx
@@ -195,7 +195,7 @@
   </p:defaultTextStyle>
   <p:extLst>
     <p:ext uri="{EFAFB233-063F-42B5-8137-9DF3F51BA10A}">
-      <p15:sldGuideLst xmlns:p15="http://schemas.microsoft.com/office/powerpoint/2012/main" xmlns="">
+      <p15:sldGuideLst xmlns:p15="http://schemas.microsoft.com/office/powerpoint/2012/main">
         <p15:guide id="1" orient="horz" pos="894">
           <p15:clr>
             <a:srgbClr val="A4A3A4"/>
@@ -209,7 +209,7 @@
       </p15:sldGuideLst>
     </p:ext>
     <p:ext uri="{2D200454-40CA-4A62-9FC3-DE9A4176ACB9}">
-      <p15:notesGuideLst xmlns:p15="http://schemas.microsoft.com/office/powerpoint/2012/main" xmlns=""/>
+      <p15:notesGuideLst xmlns:p15="http://schemas.microsoft.com/office/powerpoint/2012/main"/>
     </p:ext>
   </p:extLst>
 </p:presentation>
@@ -277,6 +277,10 @@
             <a:pPr>
               <a:defRPr/>
             </a:pPr>
+            <a:r>
+              <a:rPr lang="en-US" smtClean="0"/>
+              <a:t>Test Driven Cookbook Development</a:t>
+            </a:r>
             <a:endParaRPr lang="en-US"/>
           </a:p>
         </p:txBody>
@@ -321,13 +325,10 @@
             <a:pPr>
               <a:defRPr/>
             </a:pPr>
-            <a:fld id="{04CB1577-BF96-2D40-B4CA-2BF6DA80CBA7}" type="datetime1">
-              <a:rPr lang="en-CA"/>
-              <a:pPr>
-                <a:defRPr/>
-              </a:pPr>
-              <a:t>10/11/16</a:t>
-            </a:fld>
+            <a:r>
+              <a:rPr lang="en-US" smtClean="0"/>
+              <a:t>Chef Software, Inc.</a:t>
+            </a:r>
             <a:endParaRPr lang="en-US" dirty="0"/>
           </a:p>
         </p:txBody>
@@ -438,7 +439,7 @@
     </p:extLst>
   </p:cSld>
   <p:clrMap bg1="lt1" tx1="dk1" bg2="lt2" tx2="dk2" accent1="accent1" accent2="accent2" accent3="accent3" accent4="accent4" accent5="accent5" accent6="accent6" hlink="hlink" folHlink="folHlink"/>
-  <p:hf dt="0"/>
+  <p:hf sldNum="0" ftr="0"/>
 </p:handoutMaster>
 </file>
 
@@ -476,7 +477,7 @@
         </p:nvSpPr>
         <p:spPr>
           <a:xfrm>
-            <a:off x="3884613" y="0"/>
+            <a:off x="3884613" y="108860"/>
             <a:ext cx="2971800" cy="457200"/>
           </a:xfrm>
           <a:prstGeom prst="rect">
@@ -504,13 +505,10 @@
             <a:pPr>
               <a:defRPr/>
             </a:pPr>
-            <a:fld id="{72FDBE47-C34F-CF4A-9709-1411AD5B3286}" type="datetime1">
-              <a:rPr lang="en-CA"/>
-              <a:pPr>
-                <a:defRPr/>
-              </a:pPr>
-              <a:t>10/11/16</a:t>
-            </a:fld>
+            <a:r>
+              <a:rPr lang="en-US" smtClean="0"/>
+              <a:t>Chef Software, Inc.</a:t>
+            </a:r>
             <a:endParaRPr lang="en-US" dirty="0"/>
           </a:p>
         </p:txBody>
@@ -561,8 +559,8 @@
         </p:nvSpPr>
         <p:spPr>
           <a:xfrm>
-            <a:off x="685800" y="4343400"/>
-            <a:ext cx="5486400" cy="4114800"/>
+            <a:off x="381000" y="4343399"/>
+            <a:ext cx="6096000" cy="4463143"/>
           </a:xfrm>
           <a:prstGeom prst="rect">
             <a:avLst/>
@@ -613,68 +611,17 @@
       </p:sp>
       <p:sp>
         <p:nvSpPr>
-          <p:cNvPr id="7" name="Slide Number Placeholder 6"/>
-          <p:cNvSpPr>
-            <a:spLocks noGrp="1"/>
-          </p:cNvSpPr>
-          <p:nvPr>
-            <p:ph type="sldNum" sz="quarter" idx="5"/>
+          <p:cNvPr id="8" name="Header Placeholder 1"/>
+          <p:cNvSpPr>
+            <a:spLocks noGrp="1"/>
+          </p:cNvSpPr>
+          <p:nvPr>
+            <p:ph type="hdr" sz="quarter"/>
           </p:nvPr>
         </p:nvSpPr>
         <p:spPr>
           <a:xfrm>
-            <a:off x="6172200" y="8685213"/>
-            <a:ext cx="684213" cy="457200"/>
-          </a:xfrm>
-          <a:prstGeom prst="rect">
-            <a:avLst/>
-          </a:prstGeom>
-        </p:spPr>
-        <p:txBody>
-          <a:bodyPr vert="horz" lIns="91440" tIns="45720" rIns="91440" bIns="45720" rtlCol="0" anchor="b"/>
-          <a:lstStyle>
-            <a:lvl1pPr algn="r" defTabSz="1219120" fontAlgn="auto">
-              <a:spcBef>
-                <a:spcPts val="0"/>
-              </a:spcBef>
-              <a:spcAft>
-                <a:spcPts val="0"/>
-              </a:spcAft>
-              <a:defRPr sz="1200" smtClean="0">
-                <a:latin typeface="Arial" panose="020B0604020202020204" pitchFamily="34" charset="0"/>
-                <a:ea typeface="+mn-ea"/>
-                <a:cs typeface="Arial" panose="020B0604020202020204" pitchFamily="34" charset="0"/>
-              </a:defRPr>
-            </a:lvl1pPr>
-          </a:lstStyle>
-          <a:p>
-            <a:pPr>
-              <a:defRPr/>
-            </a:pPr>
-            <a:fld id="{DC3734AA-3150-D947-AC52-2F5DF48BFCD5}" type="slidenum">
-              <a:rPr lang="en-US"/>
-              <a:pPr>
-                <a:defRPr/>
-              </a:pPr>
-              <a:t>‹#›</a:t>
-            </a:fld>
-            <a:endParaRPr lang="en-US" dirty="0"/>
-          </a:p>
-        </p:txBody>
-      </p:sp>
-      <p:sp>
-        <p:nvSpPr>
-          <p:cNvPr id="8" name="Header Placeholder 1"/>
-          <p:cNvSpPr>
-            <a:spLocks noGrp="1"/>
-          </p:cNvSpPr>
-          <p:nvPr>
-            <p:ph type="hdr" sz="quarter"/>
-          </p:nvPr>
-        </p:nvSpPr>
-        <p:spPr>
-          <a:xfrm>
-            <a:off x="0" y="0"/>
+            <a:off x="0" y="108860"/>
             <a:ext cx="2971800" cy="457200"/>
           </a:xfrm>
           <a:prstGeom prst="rect">
@@ -702,53 +649,10 @@
             <a:pPr>
               <a:defRPr/>
             </a:pPr>
-            <a:endParaRPr lang="en-US"/>
-          </a:p>
-        </p:txBody>
-      </p:sp>
-      <p:sp>
-        <p:nvSpPr>
-          <p:cNvPr id="9" name="Footer Placeholder 3"/>
-          <p:cNvSpPr>
-            <a:spLocks noGrp="1"/>
-          </p:cNvSpPr>
-          <p:nvPr>
-            <p:ph type="ftr" sz="quarter" idx="4"/>
-          </p:nvPr>
-        </p:nvSpPr>
-        <p:spPr>
-          <a:xfrm>
-            <a:off x="0" y="8685213"/>
-            <a:ext cx="6248400" cy="457200"/>
-          </a:xfrm>
-          <a:prstGeom prst="rect">
-            <a:avLst/>
-          </a:prstGeom>
-        </p:spPr>
-        <p:txBody>
-          <a:bodyPr vert="horz" lIns="91440" tIns="45720" rIns="91440" bIns="45720" rtlCol="0" anchor="b"/>
-          <a:lstStyle>
-            <a:lvl1pPr algn="l" defTabSz="1219120" fontAlgn="auto">
-              <a:spcBef>
-                <a:spcPts val="0"/>
-              </a:spcBef>
-              <a:spcAft>
-                <a:spcPts val="0"/>
-              </a:spcAft>
-              <a:defRPr sz="900" dirty="0" smtClean="0">
-                <a:solidFill>
-                  <a:srgbClr val="000000"/>
-                </a:solidFill>
-                <a:latin typeface="Arial" panose="020B0604020202020204" pitchFamily="34" charset="0"/>
-                <a:ea typeface="+mn-ea"/>
-                <a:cs typeface="Arial" panose="020B0604020202020204" pitchFamily="34" charset="0"/>
-              </a:defRPr>
-            </a:lvl1pPr>
-          </a:lstStyle>
-          <a:p>
-            <a:pPr>
-              <a:defRPr/>
-            </a:pPr>
+            <a:r>
+              <a:rPr lang="en-US" smtClean="0"/>
+              <a:t>Test Driven Cookbook Development</a:t>
+            </a:r>
             <a:endParaRPr lang="en-US"/>
           </a:p>
         </p:txBody>
@@ -761,7 +665,7 @@
     </p:extLst>
   </p:cSld>
   <p:clrMap bg1="lt1" tx1="dk1" bg2="lt2" tx2="dk2" accent1="accent1" accent2="accent2" accent3="accent3" accent4="accent4" accent5="accent5" accent6="accent6" hlink="hlink" folHlink="folHlink"/>
-  <p:hf dt="0"/>
+  <p:hf sldNum="0" ftr="0"/>
   <p:notesStyle>
     <a:lvl1pPr algn="l" defTabSz="1217613" rtl="0" fontAlgn="base">
       <a:lnSpc>
@@ -996,12 +900,12 @@
       </p:sp>
       <p:sp>
         <p:nvSpPr>
-          <p:cNvPr id="4" name="Slide Number Placeholder 3"/>
-          <p:cNvSpPr>
-            <a:spLocks noGrp="1"/>
-          </p:cNvSpPr>
-          <p:nvPr>
-            <p:ph type="sldNum" sz="quarter" idx="10"/>
+          <p:cNvPr id="5" name="Header Placeholder 4"/>
+          <p:cNvSpPr>
+            <a:spLocks noGrp="1"/>
+          </p:cNvSpPr>
+          <p:nvPr>
+            <p:ph type="hdr" sz="quarter" idx="11"/>
           </p:nvPr>
         </p:nvSpPr>
         <p:spPr/>
@@ -1012,25 +916,22 @@
             <a:pPr>
               <a:defRPr/>
             </a:pPr>
-            <a:fld id="{DC3734AA-3150-D947-AC52-2F5DF48BFCD5}" type="slidenum">
+            <a:r>
               <a:rPr lang="en-US" smtClean="0"/>
-              <a:pPr>
-                <a:defRPr/>
-              </a:pPr>
-              <a:t>1</a:t>
-            </a:fld>
-            <a:endParaRPr lang="en-US" dirty="0"/>
-          </a:p>
-        </p:txBody>
-      </p:sp>
-      <p:sp>
-        <p:nvSpPr>
-          <p:cNvPr id="5" name="Header Placeholder 4"/>
-          <p:cNvSpPr>
-            <a:spLocks noGrp="1"/>
-          </p:cNvSpPr>
-          <p:nvPr>
-            <p:ph type="hdr" sz="quarter" idx="11"/>
+              <a:t>Test Driven Cookbook Development</a:t>
+            </a:r>
+            <a:endParaRPr lang="en-US"/>
+          </a:p>
+        </p:txBody>
+      </p:sp>
+      <p:sp>
+        <p:nvSpPr>
+          <p:cNvPr id="7" name="Date Placeholder 6"/>
+          <p:cNvSpPr>
+            <a:spLocks noGrp="1"/>
+          </p:cNvSpPr>
+          <p:nvPr>
+            <p:ph type="dt" idx="13"/>
           </p:nvPr>
         </p:nvSpPr>
         <p:spPr/>
@@ -1041,29 +942,11 @@
             <a:pPr>
               <a:defRPr/>
             </a:pPr>
-            <a:endParaRPr lang="en-US"/>
-          </a:p>
-        </p:txBody>
-      </p:sp>
-      <p:sp>
-        <p:nvSpPr>
-          <p:cNvPr id="6" name="Footer Placeholder 5"/>
-          <p:cNvSpPr>
-            <a:spLocks noGrp="1"/>
-          </p:cNvSpPr>
-          <p:nvPr>
-            <p:ph type="ftr" sz="quarter" idx="12"/>
-          </p:nvPr>
-        </p:nvSpPr>
-        <p:spPr/>
-        <p:txBody>
-          <a:bodyPr/>
-          <a:lstStyle/>
-          <a:p>
-            <a:pPr>
-              <a:defRPr/>
-            </a:pPr>
-            <a:endParaRPr lang="en-US"/>
+            <a:r>
+              <a:rPr lang="en-US" smtClean="0"/>
+              <a:t>Chef Software, Inc.</a:t>
+            </a:r>
+            <a:endParaRPr lang="en-US" dirty="0"/>
           </a:p>
         </p:txBody>
       </p:sp>
@@ -1130,8 +1013,13 @@
             </a:r>
             <a:r>
               <a:rPr lang="en-US" baseline="0" dirty="0" smtClean="0"/>
-              <a:t> to generate a recipe it will create three files. First is the recipe file found in the recipes directory. Second is the unit test file found in the 'spec/unit/recipes' directory. Third is the integration test file found in 'test/recipes'.</a:t>
-            </a:r>
+              <a:t> to generate a recipe it will create three files. First is the recipe file found in the recipes directory. Second is the unit test file found in the 'spec/unit/recipes' directory. Third is the integration test file found in </a:t>
+            </a:r>
+            <a:r>
+              <a:rPr lang="en-US" baseline="0" dirty="0" smtClean="0"/>
+              <a:t>'test/smoke/default'.</a:t>
+            </a:r>
+            <a:endParaRPr lang="en-US" baseline="0" dirty="0" smtClean="0"/>
           </a:p>
           <a:p>
             <a:endParaRPr lang="en-US" baseline="0" dirty="0" smtClean="0"/>
@@ -1155,12 +1043,12 @@
       </p:sp>
       <p:sp>
         <p:nvSpPr>
-          <p:cNvPr id="4" name="Slide Number Placeholder 3"/>
-          <p:cNvSpPr>
-            <a:spLocks noGrp="1"/>
-          </p:cNvSpPr>
-          <p:nvPr>
-            <p:ph type="sldNum" sz="quarter" idx="10"/>
+          <p:cNvPr id="5" name="Header Placeholder 4"/>
+          <p:cNvSpPr>
+            <a:spLocks noGrp="1"/>
+          </p:cNvSpPr>
+          <p:nvPr>
+            <p:ph type="hdr" sz="quarter" idx="11"/>
           </p:nvPr>
         </p:nvSpPr>
         <p:spPr/>
@@ -1171,25 +1059,22 @@
             <a:pPr>
               <a:defRPr/>
             </a:pPr>
-            <a:fld id="{DC3734AA-3150-D947-AC52-2F5DF48BFCD5}" type="slidenum">
+            <a:r>
               <a:rPr lang="en-US" smtClean="0"/>
-              <a:pPr>
-                <a:defRPr/>
-              </a:pPr>
-              <a:t>10</a:t>
-            </a:fld>
-            <a:endParaRPr lang="en-US" dirty="0"/>
-          </a:p>
-        </p:txBody>
-      </p:sp>
-      <p:sp>
-        <p:nvSpPr>
-          <p:cNvPr id="5" name="Header Placeholder 4"/>
-          <p:cNvSpPr>
-            <a:spLocks noGrp="1"/>
-          </p:cNvSpPr>
-          <p:nvPr>
-            <p:ph type="hdr" sz="quarter" idx="11"/>
+              <a:t>Test Driven Cookbook Development</a:t>
+            </a:r>
+            <a:endParaRPr lang="en-US"/>
+          </a:p>
+        </p:txBody>
+      </p:sp>
+      <p:sp>
+        <p:nvSpPr>
+          <p:cNvPr id="7" name="Date Placeholder 6"/>
+          <p:cNvSpPr>
+            <a:spLocks noGrp="1"/>
+          </p:cNvSpPr>
+          <p:nvPr>
+            <p:ph type="dt" idx="13"/>
           </p:nvPr>
         </p:nvSpPr>
         <p:spPr/>
@@ -1200,29 +1085,11 @@
             <a:pPr>
               <a:defRPr/>
             </a:pPr>
-            <a:endParaRPr lang="en-US"/>
-          </a:p>
-        </p:txBody>
-      </p:sp>
-      <p:sp>
-        <p:nvSpPr>
-          <p:cNvPr id="6" name="Footer Placeholder 5"/>
-          <p:cNvSpPr>
-            <a:spLocks noGrp="1"/>
-          </p:cNvSpPr>
-          <p:nvPr>
-            <p:ph type="ftr" sz="quarter" idx="12"/>
-          </p:nvPr>
-        </p:nvSpPr>
-        <p:spPr/>
-        <p:txBody>
-          <a:bodyPr/>
-          <a:lstStyle/>
-          <a:p>
-            <a:pPr>
-              <a:defRPr/>
-            </a:pPr>
-            <a:endParaRPr lang="en-US"/>
+            <a:r>
+              <a:rPr lang="en-US" smtClean="0"/>
+              <a:t>Chef Software, Inc.</a:t>
+            </a:r>
+            <a:endParaRPr lang="en-US" dirty="0"/>
           </a:p>
         </p:txBody>
       </p:sp>
@@ -1296,12 +1163,12 @@
       </p:sp>
       <p:sp>
         <p:nvSpPr>
-          <p:cNvPr id="4" name="Slide Number Placeholder 3"/>
-          <p:cNvSpPr>
-            <a:spLocks noGrp="1"/>
-          </p:cNvSpPr>
-          <p:nvPr>
-            <p:ph type="sldNum" sz="quarter" idx="10"/>
+          <p:cNvPr id="5" name="Header Placeholder 4"/>
+          <p:cNvSpPr>
+            <a:spLocks noGrp="1"/>
+          </p:cNvSpPr>
+          <p:nvPr>
+            <p:ph type="hdr" sz="quarter" idx="11"/>
           </p:nvPr>
         </p:nvSpPr>
         <p:spPr/>
@@ -1312,25 +1179,22 @@
             <a:pPr>
               <a:defRPr/>
             </a:pPr>
-            <a:fld id="{DC3734AA-3150-D947-AC52-2F5DF48BFCD5}" type="slidenum">
+            <a:r>
               <a:rPr lang="en-US" smtClean="0"/>
-              <a:pPr>
-                <a:defRPr/>
-              </a:pPr>
-              <a:t>11</a:t>
-            </a:fld>
-            <a:endParaRPr lang="en-US" dirty="0"/>
-          </a:p>
-        </p:txBody>
-      </p:sp>
-      <p:sp>
-        <p:nvSpPr>
-          <p:cNvPr id="5" name="Header Placeholder 4"/>
-          <p:cNvSpPr>
-            <a:spLocks noGrp="1"/>
-          </p:cNvSpPr>
-          <p:nvPr>
-            <p:ph type="hdr" sz="quarter" idx="11"/>
+              <a:t>Test Driven Cookbook Development</a:t>
+            </a:r>
+            <a:endParaRPr lang="en-US"/>
+          </a:p>
+        </p:txBody>
+      </p:sp>
+      <p:sp>
+        <p:nvSpPr>
+          <p:cNvPr id="7" name="Date Placeholder 6"/>
+          <p:cNvSpPr>
+            <a:spLocks noGrp="1"/>
+          </p:cNvSpPr>
+          <p:nvPr>
+            <p:ph type="dt" idx="13"/>
           </p:nvPr>
         </p:nvSpPr>
         <p:spPr/>
@@ -1341,29 +1205,11 @@
             <a:pPr>
               <a:defRPr/>
             </a:pPr>
-            <a:endParaRPr lang="en-US"/>
-          </a:p>
-        </p:txBody>
-      </p:sp>
-      <p:sp>
-        <p:nvSpPr>
-          <p:cNvPr id="6" name="Footer Placeholder 5"/>
-          <p:cNvSpPr>
-            <a:spLocks noGrp="1"/>
-          </p:cNvSpPr>
-          <p:nvPr>
-            <p:ph type="ftr" sz="quarter" idx="12"/>
-          </p:nvPr>
-        </p:nvSpPr>
-        <p:spPr/>
-        <p:txBody>
-          <a:bodyPr/>
-          <a:lstStyle/>
-          <a:p>
-            <a:pPr>
-              <a:defRPr/>
-            </a:pPr>
-            <a:endParaRPr lang="en-US"/>
+            <a:r>
+              <a:rPr lang="en-US" smtClean="0"/>
+              <a:t>Chef Software, Inc.</a:t>
+            </a:r>
+            <a:endParaRPr lang="en-US" dirty="0"/>
           </a:p>
         </p:txBody>
       </p:sp>
@@ -1438,12 +1284,12 @@
       </p:sp>
       <p:sp>
         <p:nvSpPr>
-          <p:cNvPr id="4" name="Slide Number Placeholder 3"/>
-          <p:cNvSpPr>
-            <a:spLocks noGrp="1"/>
-          </p:cNvSpPr>
-          <p:nvPr>
-            <p:ph type="sldNum" sz="quarter" idx="10"/>
+          <p:cNvPr id="5" name="Header Placeholder 4"/>
+          <p:cNvSpPr>
+            <a:spLocks noGrp="1"/>
+          </p:cNvSpPr>
+          <p:nvPr>
+            <p:ph type="hdr" sz="quarter" idx="11"/>
           </p:nvPr>
         </p:nvSpPr>
         <p:spPr/>
@@ -1454,25 +1300,22 @@
             <a:pPr>
               <a:defRPr/>
             </a:pPr>
-            <a:fld id="{DC3734AA-3150-D947-AC52-2F5DF48BFCD5}" type="slidenum">
+            <a:r>
               <a:rPr lang="en-US" smtClean="0"/>
-              <a:pPr>
-                <a:defRPr/>
-              </a:pPr>
-              <a:t>12</a:t>
-            </a:fld>
-            <a:endParaRPr lang="en-US" dirty="0"/>
-          </a:p>
-        </p:txBody>
-      </p:sp>
-      <p:sp>
-        <p:nvSpPr>
-          <p:cNvPr id="5" name="Header Placeholder 4"/>
-          <p:cNvSpPr>
-            <a:spLocks noGrp="1"/>
-          </p:cNvSpPr>
-          <p:nvPr>
-            <p:ph type="hdr" sz="quarter" idx="11"/>
+              <a:t>Test Driven Cookbook Development</a:t>
+            </a:r>
+            <a:endParaRPr lang="en-US"/>
+          </a:p>
+        </p:txBody>
+      </p:sp>
+      <p:sp>
+        <p:nvSpPr>
+          <p:cNvPr id="7" name="Date Placeholder 6"/>
+          <p:cNvSpPr>
+            <a:spLocks noGrp="1"/>
+          </p:cNvSpPr>
+          <p:nvPr>
+            <p:ph type="dt" idx="13"/>
           </p:nvPr>
         </p:nvSpPr>
         <p:spPr/>
@@ -1483,29 +1326,11 @@
             <a:pPr>
               <a:defRPr/>
             </a:pPr>
-            <a:endParaRPr lang="en-US"/>
-          </a:p>
-        </p:txBody>
-      </p:sp>
-      <p:sp>
-        <p:nvSpPr>
-          <p:cNvPr id="6" name="Footer Placeholder 5"/>
-          <p:cNvSpPr>
-            <a:spLocks noGrp="1"/>
-          </p:cNvSpPr>
-          <p:nvPr>
-            <p:ph type="ftr" sz="quarter" idx="12"/>
-          </p:nvPr>
-        </p:nvSpPr>
-        <p:spPr/>
-        <p:txBody>
-          <a:bodyPr/>
-          <a:lstStyle/>
-          <a:p>
-            <a:pPr>
-              <a:defRPr/>
-            </a:pPr>
-            <a:endParaRPr lang="en-US"/>
+            <a:r>
+              <a:rPr lang="en-US" smtClean="0"/>
+              <a:t>Chef Software, Inc.</a:t>
+            </a:r>
+            <a:endParaRPr lang="en-US" dirty="0"/>
           </a:p>
         </p:txBody>
       </p:sp>
@@ -1588,12 +1413,12 @@
       </p:sp>
       <p:sp>
         <p:nvSpPr>
-          <p:cNvPr id="4" name="Slide Number Placeholder 3"/>
-          <p:cNvSpPr>
-            <a:spLocks noGrp="1"/>
-          </p:cNvSpPr>
-          <p:nvPr>
-            <p:ph type="sldNum" sz="quarter" idx="10"/>
+          <p:cNvPr id="5" name="Header Placeholder 4"/>
+          <p:cNvSpPr>
+            <a:spLocks noGrp="1"/>
+          </p:cNvSpPr>
+          <p:nvPr>
+            <p:ph type="hdr" sz="quarter" idx="11"/>
           </p:nvPr>
         </p:nvSpPr>
         <p:spPr/>
@@ -1604,25 +1429,22 @@
             <a:pPr>
               <a:defRPr/>
             </a:pPr>
-            <a:fld id="{DC3734AA-3150-D947-AC52-2F5DF48BFCD5}" type="slidenum">
+            <a:r>
               <a:rPr lang="en-US" smtClean="0"/>
-              <a:pPr>
-                <a:defRPr/>
-              </a:pPr>
-              <a:t>13</a:t>
-            </a:fld>
-            <a:endParaRPr lang="en-US" dirty="0"/>
-          </a:p>
-        </p:txBody>
-      </p:sp>
-      <p:sp>
-        <p:nvSpPr>
-          <p:cNvPr id="5" name="Header Placeholder 4"/>
-          <p:cNvSpPr>
-            <a:spLocks noGrp="1"/>
-          </p:cNvSpPr>
-          <p:nvPr>
-            <p:ph type="hdr" sz="quarter" idx="11"/>
+              <a:t>Test Driven Cookbook Development</a:t>
+            </a:r>
+            <a:endParaRPr lang="en-US"/>
+          </a:p>
+        </p:txBody>
+      </p:sp>
+      <p:sp>
+        <p:nvSpPr>
+          <p:cNvPr id="7" name="Date Placeholder 6"/>
+          <p:cNvSpPr>
+            <a:spLocks noGrp="1"/>
+          </p:cNvSpPr>
+          <p:nvPr>
+            <p:ph type="dt" idx="13"/>
           </p:nvPr>
         </p:nvSpPr>
         <p:spPr/>
@@ -1633,29 +1455,11 @@
             <a:pPr>
               <a:defRPr/>
             </a:pPr>
-            <a:endParaRPr lang="en-US"/>
-          </a:p>
-        </p:txBody>
-      </p:sp>
-      <p:sp>
-        <p:nvSpPr>
-          <p:cNvPr id="6" name="Footer Placeholder 5"/>
-          <p:cNvSpPr>
-            <a:spLocks noGrp="1"/>
-          </p:cNvSpPr>
-          <p:nvPr>
-            <p:ph type="ftr" sz="quarter" idx="12"/>
-          </p:nvPr>
-        </p:nvSpPr>
-        <p:spPr/>
-        <p:txBody>
-          <a:bodyPr/>
-          <a:lstStyle/>
-          <a:p>
-            <a:pPr>
-              <a:defRPr/>
-            </a:pPr>
-            <a:endParaRPr lang="en-US"/>
+            <a:r>
+              <a:rPr lang="en-US" smtClean="0"/>
+              <a:t>Chef Software, Inc.</a:t>
+            </a:r>
+            <a:endParaRPr lang="en-US" dirty="0"/>
           </a:p>
         </p:txBody>
       </p:sp>
@@ -1730,12 +1534,12 @@
       </p:sp>
       <p:sp>
         <p:nvSpPr>
-          <p:cNvPr id="4" name="Slide Number Placeholder 3"/>
-          <p:cNvSpPr>
-            <a:spLocks noGrp="1"/>
-          </p:cNvSpPr>
-          <p:nvPr>
-            <p:ph type="sldNum" sz="quarter" idx="10"/>
+          <p:cNvPr id="5" name="Header Placeholder 4"/>
+          <p:cNvSpPr>
+            <a:spLocks noGrp="1"/>
+          </p:cNvSpPr>
+          <p:nvPr>
+            <p:ph type="hdr" sz="quarter" idx="11"/>
           </p:nvPr>
         </p:nvSpPr>
         <p:spPr/>
@@ -1746,25 +1550,22 @@
             <a:pPr>
               <a:defRPr/>
             </a:pPr>
-            <a:fld id="{DC3734AA-3150-D947-AC52-2F5DF48BFCD5}" type="slidenum">
+            <a:r>
               <a:rPr lang="en-US" smtClean="0"/>
-              <a:pPr>
-                <a:defRPr/>
-              </a:pPr>
-              <a:t>14</a:t>
-            </a:fld>
-            <a:endParaRPr lang="en-US" dirty="0"/>
-          </a:p>
-        </p:txBody>
-      </p:sp>
-      <p:sp>
-        <p:nvSpPr>
-          <p:cNvPr id="5" name="Header Placeholder 4"/>
-          <p:cNvSpPr>
-            <a:spLocks noGrp="1"/>
-          </p:cNvSpPr>
-          <p:nvPr>
-            <p:ph type="hdr" sz="quarter" idx="11"/>
+              <a:t>Test Driven Cookbook Development</a:t>
+            </a:r>
+            <a:endParaRPr lang="en-US"/>
+          </a:p>
+        </p:txBody>
+      </p:sp>
+      <p:sp>
+        <p:nvSpPr>
+          <p:cNvPr id="7" name="Date Placeholder 6"/>
+          <p:cNvSpPr>
+            <a:spLocks noGrp="1"/>
+          </p:cNvSpPr>
+          <p:nvPr>
+            <p:ph type="dt" idx="13"/>
           </p:nvPr>
         </p:nvSpPr>
         <p:spPr/>
@@ -1775,29 +1576,11 @@
             <a:pPr>
               <a:defRPr/>
             </a:pPr>
-            <a:endParaRPr lang="en-US"/>
-          </a:p>
-        </p:txBody>
-      </p:sp>
-      <p:sp>
-        <p:nvSpPr>
-          <p:cNvPr id="6" name="Footer Placeholder 5"/>
-          <p:cNvSpPr>
-            <a:spLocks noGrp="1"/>
-          </p:cNvSpPr>
-          <p:nvPr>
-            <p:ph type="ftr" sz="quarter" idx="12"/>
-          </p:nvPr>
-        </p:nvSpPr>
-        <p:spPr/>
-        <p:txBody>
-          <a:bodyPr/>
-          <a:lstStyle/>
-          <a:p>
-            <a:pPr>
-              <a:defRPr/>
-            </a:pPr>
-            <a:endParaRPr lang="en-US"/>
+            <a:r>
+              <a:rPr lang="en-US" smtClean="0"/>
+              <a:t>Chef Software, Inc.</a:t>
+            </a:r>
+            <a:endParaRPr lang="en-US" dirty="0"/>
           </a:p>
         </p:txBody>
       </p:sp>
@@ -1880,12 +1663,12 @@
       </p:sp>
       <p:sp>
         <p:nvSpPr>
-          <p:cNvPr id="4" name="Slide Number Placeholder 3"/>
-          <p:cNvSpPr>
-            <a:spLocks noGrp="1"/>
-          </p:cNvSpPr>
-          <p:nvPr>
-            <p:ph type="sldNum" sz="quarter" idx="10"/>
+          <p:cNvPr id="5" name="Header Placeholder 4"/>
+          <p:cNvSpPr>
+            <a:spLocks noGrp="1"/>
+          </p:cNvSpPr>
+          <p:nvPr>
+            <p:ph type="hdr" sz="quarter" idx="11"/>
           </p:nvPr>
         </p:nvSpPr>
         <p:spPr/>
@@ -1896,25 +1679,22 @@
             <a:pPr>
               <a:defRPr/>
             </a:pPr>
-            <a:fld id="{DC3734AA-3150-D947-AC52-2F5DF48BFCD5}" type="slidenum">
+            <a:r>
               <a:rPr lang="en-US" smtClean="0"/>
-              <a:pPr>
-                <a:defRPr/>
-              </a:pPr>
-              <a:t>15</a:t>
-            </a:fld>
-            <a:endParaRPr lang="en-US" dirty="0"/>
-          </a:p>
-        </p:txBody>
-      </p:sp>
-      <p:sp>
-        <p:nvSpPr>
-          <p:cNvPr id="5" name="Header Placeholder 4"/>
-          <p:cNvSpPr>
-            <a:spLocks noGrp="1"/>
-          </p:cNvSpPr>
-          <p:nvPr>
-            <p:ph type="hdr" sz="quarter" idx="11"/>
+              <a:t>Test Driven Cookbook Development</a:t>
+            </a:r>
+            <a:endParaRPr lang="en-US"/>
+          </a:p>
+        </p:txBody>
+      </p:sp>
+      <p:sp>
+        <p:nvSpPr>
+          <p:cNvPr id="7" name="Date Placeholder 6"/>
+          <p:cNvSpPr>
+            <a:spLocks noGrp="1"/>
+          </p:cNvSpPr>
+          <p:nvPr>
+            <p:ph type="dt" idx="13"/>
           </p:nvPr>
         </p:nvSpPr>
         <p:spPr/>
@@ -1925,29 +1705,11 @@
             <a:pPr>
               <a:defRPr/>
             </a:pPr>
-            <a:endParaRPr lang="en-US"/>
-          </a:p>
-        </p:txBody>
-      </p:sp>
-      <p:sp>
-        <p:nvSpPr>
-          <p:cNvPr id="6" name="Footer Placeholder 5"/>
-          <p:cNvSpPr>
-            <a:spLocks noGrp="1"/>
-          </p:cNvSpPr>
-          <p:nvPr>
-            <p:ph type="ftr" sz="quarter" idx="12"/>
-          </p:nvPr>
-        </p:nvSpPr>
-        <p:spPr/>
-        <p:txBody>
-          <a:bodyPr/>
-          <a:lstStyle/>
-          <a:p>
-            <a:pPr>
-              <a:defRPr/>
-            </a:pPr>
-            <a:endParaRPr lang="en-US"/>
+            <a:r>
+              <a:rPr lang="en-US" smtClean="0"/>
+              <a:t>Chef Software, Inc.</a:t>
+            </a:r>
+            <a:endParaRPr lang="en-US" dirty="0"/>
           </a:p>
         </p:txBody>
       </p:sp>
@@ -2021,12 +1783,12 @@
       </p:sp>
       <p:sp>
         <p:nvSpPr>
-          <p:cNvPr id="4" name="Slide Number Placeholder 3"/>
-          <p:cNvSpPr>
-            <a:spLocks noGrp="1"/>
-          </p:cNvSpPr>
-          <p:nvPr>
-            <p:ph type="sldNum" sz="quarter" idx="10"/>
+          <p:cNvPr id="5" name="Header Placeholder 4"/>
+          <p:cNvSpPr>
+            <a:spLocks noGrp="1"/>
+          </p:cNvSpPr>
+          <p:nvPr>
+            <p:ph type="hdr" sz="quarter" idx="11"/>
           </p:nvPr>
         </p:nvSpPr>
         <p:spPr/>
@@ -2037,25 +1799,22 @@
             <a:pPr>
               <a:defRPr/>
             </a:pPr>
-            <a:fld id="{DC3734AA-3150-D947-AC52-2F5DF48BFCD5}" type="slidenum">
+            <a:r>
               <a:rPr lang="en-US" smtClean="0"/>
-              <a:pPr>
-                <a:defRPr/>
-              </a:pPr>
-              <a:t>16</a:t>
-            </a:fld>
-            <a:endParaRPr lang="en-US" dirty="0"/>
-          </a:p>
-        </p:txBody>
-      </p:sp>
-      <p:sp>
-        <p:nvSpPr>
-          <p:cNvPr id="5" name="Header Placeholder 4"/>
-          <p:cNvSpPr>
-            <a:spLocks noGrp="1"/>
-          </p:cNvSpPr>
-          <p:nvPr>
-            <p:ph type="hdr" sz="quarter" idx="11"/>
+              <a:t>Test Driven Cookbook Development</a:t>
+            </a:r>
+            <a:endParaRPr lang="en-US"/>
+          </a:p>
+        </p:txBody>
+      </p:sp>
+      <p:sp>
+        <p:nvSpPr>
+          <p:cNvPr id="7" name="Date Placeholder 6"/>
+          <p:cNvSpPr>
+            <a:spLocks noGrp="1"/>
+          </p:cNvSpPr>
+          <p:nvPr>
+            <p:ph type="dt" idx="13"/>
           </p:nvPr>
         </p:nvSpPr>
         <p:spPr/>
@@ -2066,29 +1825,11 @@
             <a:pPr>
               <a:defRPr/>
             </a:pPr>
-            <a:endParaRPr lang="en-US"/>
-          </a:p>
-        </p:txBody>
-      </p:sp>
-      <p:sp>
-        <p:nvSpPr>
-          <p:cNvPr id="6" name="Footer Placeholder 5"/>
-          <p:cNvSpPr>
-            <a:spLocks noGrp="1"/>
-          </p:cNvSpPr>
-          <p:nvPr>
-            <p:ph type="ftr" sz="quarter" idx="12"/>
-          </p:nvPr>
-        </p:nvSpPr>
-        <p:spPr/>
-        <p:txBody>
-          <a:bodyPr/>
-          <a:lstStyle/>
-          <a:p>
-            <a:pPr>
-              <a:defRPr/>
-            </a:pPr>
-            <a:endParaRPr lang="en-US"/>
+            <a:r>
+              <a:rPr lang="en-US" smtClean="0"/>
+              <a:t>Chef Software, Inc.</a:t>
+            </a:r>
+            <a:endParaRPr lang="en-US" dirty="0"/>
           </a:p>
         </p:txBody>
       </p:sp>
@@ -2162,12 +1903,12 @@
       </p:sp>
       <p:sp>
         <p:nvSpPr>
-          <p:cNvPr id="4" name="Slide Number Placeholder 3"/>
-          <p:cNvSpPr>
-            <a:spLocks noGrp="1"/>
-          </p:cNvSpPr>
-          <p:nvPr>
-            <p:ph type="sldNum" sz="quarter" idx="10"/>
+          <p:cNvPr id="5" name="Header Placeholder 4"/>
+          <p:cNvSpPr>
+            <a:spLocks noGrp="1"/>
+          </p:cNvSpPr>
+          <p:nvPr>
+            <p:ph type="hdr" sz="quarter" idx="11"/>
           </p:nvPr>
         </p:nvSpPr>
         <p:spPr/>
@@ -2178,25 +1919,22 @@
             <a:pPr>
               <a:defRPr/>
             </a:pPr>
-            <a:fld id="{DC3734AA-3150-D947-AC52-2F5DF48BFCD5}" type="slidenum">
+            <a:r>
               <a:rPr lang="en-US" smtClean="0"/>
-              <a:pPr>
-                <a:defRPr/>
-              </a:pPr>
-              <a:t>17</a:t>
-            </a:fld>
-            <a:endParaRPr lang="en-US" dirty="0"/>
-          </a:p>
-        </p:txBody>
-      </p:sp>
-      <p:sp>
-        <p:nvSpPr>
-          <p:cNvPr id="5" name="Header Placeholder 4"/>
-          <p:cNvSpPr>
-            <a:spLocks noGrp="1"/>
-          </p:cNvSpPr>
-          <p:nvPr>
-            <p:ph type="hdr" sz="quarter" idx="11"/>
+              <a:t>Test Driven Cookbook Development</a:t>
+            </a:r>
+            <a:endParaRPr lang="en-US"/>
+          </a:p>
+        </p:txBody>
+      </p:sp>
+      <p:sp>
+        <p:nvSpPr>
+          <p:cNvPr id="7" name="Date Placeholder 6"/>
+          <p:cNvSpPr>
+            <a:spLocks noGrp="1"/>
+          </p:cNvSpPr>
+          <p:nvPr>
+            <p:ph type="dt" idx="13"/>
           </p:nvPr>
         </p:nvSpPr>
         <p:spPr/>
@@ -2207,29 +1945,11 @@
             <a:pPr>
               <a:defRPr/>
             </a:pPr>
-            <a:endParaRPr lang="en-US"/>
-          </a:p>
-        </p:txBody>
-      </p:sp>
-      <p:sp>
-        <p:nvSpPr>
-          <p:cNvPr id="6" name="Footer Placeholder 5"/>
-          <p:cNvSpPr>
-            <a:spLocks noGrp="1"/>
-          </p:cNvSpPr>
-          <p:nvPr>
-            <p:ph type="ftr" sz="quarter" idx="12"/>
-          </p:nvPr>
-        </p:nvSpPr>
-        <p:spPr/>
-        <p:txBody>
-          <a:bodyPr/>
-          <a:lstStyle/>
-          <a:p>
-            <a:pPr>
-              <a:defRPr/>
-            </a:pPr>
-            <a:endParaRPr lang="en-US"/>
+            <a:r>
+              <a:rPr lang="en-US" smtClean="0"/>
+              <a:t>Chef Software, Inc.</a:t>
+            </a:r>
+            <a:endParaRPr lang="en-US" dirty="0"/>
           </a:p>
         </p:txBody>
       </p:sp>
@@ -2360,12 +2080,12 @@
       </p:sp>
       <p:sp>
         <p:nvSpPr>
-          <p:cNvPr id="4" name="Slide Number Placeholder 3"/>
-          <p:cNvSpPr>
-            <a:spLocks noGrp="1"/>
-          </p:cNvSpPr>
-          <p:nvPr>
-            <p:ph type="sldNum" sz="quarter" idx="10"/>
+          <p:cNvPr id="5" name="Header Placeholder 4"/>
+          <p:cNvSpPr>
+            <a:spLocks noGrp="1"/>
+          </p:cNvSpPr>
+          <p:nvPr>
+            <p:ph type="hdr" sz="quarter" idx="11"/>
           </p:nvPr>
         </p:nvSpPr>
         <p:spPr/>
@@ -2376,25 +2096,22 @@
             <a:pPr>
               <a:defRPr/>
             </a:pPr>
-            <a:fld id="{DC3734AA-3150-D947-AC52-2F5DF48BFCD5}" type="slidenum">
+            <a:r>
               <a:rPr lang="en-US" smtClean="0"/>
-              <a:pPr>
-                <a:defRPr/>
-              </a:pPr>
-              <a:t>18</a:t>
-            </a:fld>
-            <a:endParaRPr lang="en-US" dirty="0"/>
-          </a:p>
-        </p:txBody>
-      </p:sp>
-      <p:sp>
-        <p:nvSpPr>
-          <p:cNvPr id="5" name="Header Placeholder 4"/>
-          <p:cNvSpPr>
-            <a:spLocks noGrp="1"/>
-          </p:cNvSpPr>
-          <p:nvPr>
-            <p:ph type="hdr" sz="quarter" idx="11"/>
+              <a:t>Test Driven Cookbook Development</a:t>
+            </a:r>
+            <a:endParaRPr lang="en-US"/>
+          </a:p>
+        </p:txBody>
+      </p:sp>
+      <p:sp>
+        <p:nvSpPr>
+          <p:cNvPr id="7" name="Date Placeholder 6"/>
+          <p:cNvSpPr>
+            <a:spLocks noGrp="1"/>
+          </p:cNvSpPr>
+          <p:nvPr>
+            <p:ph type="dt" idx="13"/>
           </p:nvPr>
         </p:nvSpPr>
         <p:spPr/>
@@ -2405,29 +2122,11 @@
             <a:pPr>
               <a:defRPr/>
             </a:pPr>
-            <a:endParaRPr lang="en-US"/>
-          </a:p>
-        </p:txBody>
-      </p:sp>
-      <p:sp>
-        <p:nvSpPr>
-          <p:cNvPr id="6" name="Footer Placeholder 5"/>
-          <p:cNvSpPr>
-            <a:spLocks noGrp="1"/>
-          </p:cNvSpPr>
-          <p:nvPr>
-            <p:ph type="ftr" sz="quarter" idx="12"/>
-          </p:nvPr>
-        </p:nvSpPr>
-        <p:spPr/>
-        <p:txBody>
-          <a:bodyPr/>
-          <a:lstStyle/>
-          <a:p>
-            <a:pPr>
-              <a:defRPr/>
-            </a:pPr>
-            <a:endParaRPr lang="en-US"/>
+            <a:r>
+              <a:rPr lang="en-US" smtClean="0"/>
+              <a:t>Chef Software, Inc.</a:t>
+            </a:r>
+            <a:endParaRPr lang="en-US" dirty="0"/>
           </a:p>
         </p:txBody>
       </p:sp>
@@ -2502,12 +2201,12 @@
       </p:sp>
       <p:sp>
         <p:nvSpPr>
-          <p:cNvPr id="4" name="Slide Number Placeholder 3"/>
-          <p:cNvSpPr>
-            <a:spLocks noGrp="1"/>
-          </p:cNvSpPr>
-          <p:nvPr>
-            <p:ph type="sldNum" sz="quarter" idx="10"/>
+          <p:cNvPr id="5" name="Header Placeholder 4"/>
+          <p:cNvSpPr>
+            <a:spLocks noGrp="1"/>
+          </p:cNvSpPr>
+          <p:nvPr>
+            <p:ph type="hdr" sz="quarter" idx="11"/>
           </p:nvPr>
         </p:nvSpPr>
         <p:spPr/>
@@ -2518,25 +2217,22 @@
             <a:pPr>
               <a:defRPr/>
             </a:pPr>
-            <a:fld id="{DC3734AA-3150-D947-AC52-2F5DF48BFCD5}" type="slidenum">
+            <a:r>
               <a:rPr lang="en-US" smtClean="0"/>
-              <a:pPr>
-                <a:defRPr/>
-              </a:pPr>
-              <a:t>19</a:t>
-            </a:fld>
-            <a:endParaRPr lang="en-US" dirty="0"/>
-          </a:p>
-        </p:txBody>
-      </p:sp>
-      <p:sp>
-        <p:nvSpPr>
-          <p:cNvPr id="5" name="Header Placeholder 4"/>
-          <p:cNvSpPr>
-            <a:spLocks noGrp="1"/>
-          </p:cNvSpPr>
-          <p:nvPr>
-            <p:ph type="hdr" sz="quarter" idx="11"/>
+              <a:t>Test Driven Cookbook Development</a:t>
+            </a:r>
+            <a:endParaRPr lang="en-US"/>
+          </a:p>
+        </p:txBody>
+      </p:sp>
+      <p:sp>
+        <p:nvSpPr>
+          <p:cNvPr id="7" name="Date Placeholder 6"/>
+          <p:cNvSpPr>
+            <a:spLocks noGrp="1"/>
+          </p:cNvSpPr>
+          <p:nvPr>
+            <p:ph type="dt" idx="13"/>
           </p:nvPr>
         </p:nvSpPr>
         <p:spPr/>
@@ -2547,29 +2243,11 @@
             <a:pPr>
               <a:defRPr/>
             </a:pPr>
-            <a:endParaRPr lang="en-US"/>
-          </a:p>
-        </p:txBody>
-      </p:sp>
-      <p:sp>
-        <p:nvSpPr>
-          <p:cNvPr id="6" name="Footer Placeholder 5"/>
-          <p:cNvSpPr>
-            <a:spLocks noGrp="1"/>
-          </p:cNvSpPr>
-          <p:nvPr>
-            <p:ph type="ftr" sz="quarter" idx="12"/>
-          </p:nvPr>
-        </p:nvSpPr>
-        <p:spPr/>
-        <p:txBody>
-          <a:bodyPr/>
-          <a:lstStyle/>
-          <a:p>
-            <a:pPr>
-              <a:defRPr/>
-            </a:pPr>
-            <a:endParaRPr lang="en-US"/>
+            <a:r>
+              <a:rPr lang="en-US" smtClean="0"/>
+              <a:t>Chef Software, Inc.</a:t>
+            </a:r>
+            <a:endParaRPr lang="en-US" dirty="0"/>
           </a:p>
         </p:txBody>
       </p:sp>
@@ -2652,12 +2330,12 @@
       </p:sp>
       <p:sp>
         <p:nvSpPr>
-          <p:cNvPr id="4" name="Slide Number Placeholder 3"/>
-          <p:cNvSpPr>
-            <a:spLocks noGrp="1"/>
-          </p:cNvSpPr>
-          <p:nvPr>
-            <p:ph type="sldNum" sz="quarter" idx="10"/>
+          <p:cNvPr id="5" name="Header Placeholder 4"/>
+          <p:cNvSpPr>
+            <a:spLocks noGrp="1"/>
+          </p:cNvSpPr>
+          <p:nvPr>
+            <p:ph type="hdr" sz="quarter" idx="11"/>
           </p:nvPr>
         </p:nvSpPr>
         <p:spPr/>
@@ -2668,25 +2346,22 @@
             <a:pPr>
               <a:defRPr/>
             </a:pPr>
-            <a:fld id="{DC3734AA-3150-D947-AC52-2F5DF48BFCD5}" type="slidenum">
+            <a:r>
               <a:rPr lang="en-US" smtClean="0"/>
-              <a:pPr>
-                <a:defRPr/>
-              </a:pPr>
-              <a:t>2</a:t>
-            </a:fld>
-            <a:endParaRPr lang="en-US" dirty="0"/>
-          </a:p>
-        </p:txBody>
-      </p:sp>
-      <p:sp>
-        <p:nvSpPr>
-          <p:cNvPr id="5" name="Header Placeholder 4"/>
-          <p:cNvSpPr>
-            <a:spLocks noGrp="1"/>
-          </p:cNvSpPr>
-          <p:nvPr>
-            <p:ph type="hdr" sz="quarter" idx="11"/>
+              <a:t>Test Driven Cookbook Development</a:t>
+            </a:r>
+            <a:endParaRPr lang="en-US"/>
+          </a:p>
+        </p:txBody>
+      </p:sp>
+      <p:sp>
+        <p:nvSpPr>
+          <p:cNvPr id="7" name="Date Placeholder 6"/>
+          <p:cNvSpPr>
+            <a:spLocks noGrp="1"/>
+          </p:cNvSpPr>
+          <p:nvPr>
+            <p:ph type="dt" idx="13"/>
           </p:nvPr>
         </p:nvSpPr>
         <p:spPr/>
@@ -2697,29 +2372,11 @@
             <a:pPr>
               <a:defRPr/>
             </a:pPr>
-            <a:endParaRPr lang="en-US"/>
-          </a:p>
-        </p:txBody>
-      </p:sp>
-      <p:sp>
-        <p:nvSpPr>
-          <p:cNvPr id="6" name="Footer Placeholder 5"/>
-          <p:cNvSpPr>
-            <a:spLocks noGrp="1"/>
-          </p:cNvSpPr>
-          <p:nvPr>
-            <p:ph type="ftr" sz="quarter" idx="12"/>
-          </p:nvPr>
-        </p:nvSpPr>
-        <p:spPr/>
-        <p:txBody>
-          <a:bodyPr/>
-          <a:lstStyle/>
-          <a:p>
-            <a:pPr>
-              <a:defRPr/>
-            </a:pPr>
-            <a:endParaRPr lang="en-US"/>
+            <a:r>
+              <a:rPr lang="en-US" smtClean="0"/>
+              <a:t>Chef Software, Inc.</a:t>
+            </a:r>
+            <a:endParaRPr lang="en-US" dirty="0"/>
           </a:p>
         </p:txBody>
       </p:sp>
@@ -2794,12 +2451,12 @@
       </p:sp>
       <p:sp>
         <p:nvSpPr>
-          <p:cNvPr id="4" name="Slide Number Placeholder 3"/>
-          <p:cNvSpPr>
-            <a:spLocks noGrp="1"/>
-          </p:cNvSpPr>
-          <p:nvPr>
-            <p:ph type="sldNum" sz="quarter" idx="10"/>
+          <p:cNvPr id="5" name="Header Placeholder 4"/>
+          <p:cNvSpPr>
+            <a:spLocks noGrp="1"/>
+          </p:cNvSpPr>
+          <p:nvPr>
+            <p:ph type="hdr" sz="quarter" idx="11"/>
           </p:nvPr>
         </p:nvSpPr>
         <p:spPr/>
@@ -2810,25 +2467,22 @@
             <a:pPr>
               <a:defRPr/>
             </a:pPr>
-            <a:fld id="{DC3734AA-3150-D947-AC52-2F5DF48BFCD5}" type="slidenum">
+            <a:r>
               <a:rPr lang="en-US" smtClean="0"/>
-              <a:pPr>
-                <a:defRPr/>
-              </a:pPr>
-              <a:t>20</a:t>
-            </a:fld>
-            <a:endParaRPr lang="en-US" dirty="0"/>
-          </a:p>
-        </p:txBody>
-      </p:sp>
-      <p:sp>
-        <p:nvSpPr>
-          <p:cNvPr id="5" name="Header Placeholder 4"/>
-          <p:cNvSpPr>
-            <a:spLocks noGrp="1"/>
-          </p:cNvSpPr>
-          <p:nvPr>
-            <p:ph type="hdr" sz="quarter" idx="11"/>
+              <a:t>Test Driven Cookbook Development</a:t>
+            </a:r>
+            <a:endParaRPr lang="en-US"/>
+          </a:p>
+        </p:txBody>
+      </p:sp>
+      <p:sp>
+        <p:nvSpPr>
+          <p:cNvPr id="7" name="Date Placeholder 6"/>
+          <p:cNvSpPr>
+            <a:spLocks noGrp="1"/>
+          </p:cNvSpPr>
+          <p:nvPr>
+            <p:ph type="dt" idx="13"/>
           </p:nvPr>
         </p:nvSpPr>
         <p:spPr/>
@@ -2839,29 +2493,11 @@
             <a:pPr>
               <a:defRPr/>
             </a:pPr>
-            <a:endParaRPr lang="en-US"/>
-          </a:p>
-        </p:txBody>
-      </p:sp>
-      <p:sp>
-        <p:nvSpPr>
-          <p:cNvPr id="6" name="Footer Placeholder 5"/>
-          <p:cNvSpPr>
-            <a:spLocks noGrp="1"/>
-          </p:cNvSpPr>
-          <p:nvPr>
-            <p:ph type="ftr" sz="quarter" idx="12"/>
-          </p:nvPr>
-        </p:nvSpPr>
-        <p:spPr/>
-        <p:txBody>
-          <a:bodyPr/>
-          <a:lstStyle/>
-          <a:p>
-            <a:pPr>
-              <a:defRPr/>
-            </a:pPr>
-            <a:endParaRPr lang="en-US"/>
+            <a:r>
+              <a:rPr lang="en-US" smtClean="0"/>
+              <a:t>Chef Software, Inc.</a:t>
+            </a:r>
+            <a:endParaRPr lang="en-US" dirty="0"/>
           </a:p>
         </p:txBody>
       </p:sp>
@@ -2936,12 +2572,12 @@
       </p:sp>
       <p:sp>
         <p:nvSpPr>
-          <p:cNvPr id="4" name="Slide Number Placeholder 3"/>
-          <p:cNvSpPr>
-            <a:spLocks noGrp="1"/>
-          </p:cNvSpPr>
-          <p:nvPr>
-            <p:ph type="sldNum" sz="quarter" idx="10"/>
+          <p:cNvPr id="5" name="Header Placeholder 4"/>
+          <p:cNvSpPr>
+            <a:spLocks noGrp="1"/>
+          </p:cNvSpPr>
+          <p:nvPr>
+            <p:ph type="hdr" sz="quarter" idx="11"/>
           </p:nvPr>
         </p:nvSpPr>
         <p:spPr/>
@@ -2952,25 +2588,22 @@
             <a:pPr>
               <a:defRPr/>
             </a:pPr>
-            <a:fld id="{DC3734AA-3150-D947-AC52-2F5DF48BFCD5}" type="slidenum">
+            <a:r>
               <a:rPr lang="en-US" smtClean="0"/>
-              <a:pPr>
-                <a:defRPr/>
-              </a:pPr>
-              <a:t>21</a:t>
-            </a:fld>
-            <a:endParaRPr lang="en-US" dirty="0"/>
-          </a:p>
-        </p:txBody>
-      </p:sp>
-      <p:sp>
-        <p:nvSpPr>
-          <p:cNvPr id="5" name="Header Placeholder 4"/>
-          <p:cNvSpPr>
-            <a:spLocks noGrp="1"/>
-          </p:cNvSpPr>
-          <p:nvPr>
-            <p:ph type="hdr" sz="quarter" idx="11"/>
+              <a:t>Test Driven Cookbook Development</a:t>
+            </a:r>
+            <a:endParaRPr lang="en-US"/>
+          </a:p>
+        </p:txBody>
+      </p:sp>
+      <p:sp>
+        <p:nvSpPr>
+          <p:cNvPr id="7" name="Date Placeholder 6"/>
+          <p:cNvSpPr>
+            <a:spLocks noGrp="1"/>
+          </p:cNvSpPr>
+          <p:nvPr>
+            <p:ph type="dt" idx="13"/>
           </p:nvPr>
         </p:nvSpPr>
         <p:spPr/>
@@ -2981,29 +2614,11 @@
             <a:pPr>
               <a:defRPr/>
             </a:pPr>
-            <a:endParaRPr lang="en-US"/>
-          </a:p>
-        </p:txBody>
-      </p:sp>
-      <p:sp>
-        <p:nvSpPr>
-          <p:cNvPr id="6" name="Footer Placeholder 5"/>
-          <p:cNvSpPr>
-            <a:spLocks noGrp="1"/>
-          </p:cNvSpPr>
-          <p:nvPr>
-            <p:ph type="ftr" sz="quarter" idx="12"/>
-          </p:nvPr>
-        </p:nvSpPr>
-        <p:spPr/>
-        <p:txBody>
-          <a:bodyPr/>
-          <a:lstStyle/>
-          <a:p>
-            <a:pPr>
-              <a:defRPr/>
-            </a:pPr>
-            <a:endParaRPr lang="en-US"/>
+            <a:r>
+              <a:rPr lang="en-US" smtClean="0"/>
+              <a:t>Chef Software, Inc.</a:t>
+            </a:r>
+            <a:endParaRPr lang="en-US" dirty="0"/>
           </a:p>
         </p:txBody>
       </p:sp>
@@ -3090,12 +2705,12 @@
       </p:sp>
       <p:sp>
         <p:nvSpPr>
-          <p:cNvPr id="4" name="Slide Number Placeholder 3"/>
-          <p:cNvSpPr>
-            <a:spLocks noGrp="1"/>
-          </p:cNvSpPr>
-          <p:nvPr>
-            <p:ph type="sldNum" sz="quarter" idx="10"/>
+          <p:cNvPr id="5" name="Header Placeholder 4"/>
+          <p:cNvSpPr>
+            <a:spLocks noGrp="1"/>
+          </p:cNvSpPr>
+          <p:nvPr>
+            <p:ph type="hdr" sz="quarter" idx="11"/>
           </p:nvPr>
         </p:nvSpPr>
         <p:spPr/>
@@ -3106,25 +2721,22 @@
             <a:pPr>
               <a:defRPr/>
             </a:pPr>
-            <a:fld id="{DC3734AA-3150-D947-AC52-2F5DF48BFCD5}" type="slidenum">
+            <a:r>
               <a:rPr lang="en-US" smtClean="0"/>
-              <a:pPr>
-                <a:defRPr/>
-              </a:pPr>
-              <a:t>22</a:t>
-            </a:fld>
-            <a:endParaRPr lang="en-US" dirty="0"/>
-          </a:p>
-        </p:txBody>
-      </p:sp>
-      <p:sp>
-        <p:nvSpPr>
-          <p:cNvPr id="5" name="Header Placeholder 4"/>
-          <p:cNvSpPr>
-            <a:spLocks noGrp="1"/>
-          </p:cNvSpPr>
-          <p:nvPr>
-            <p:ph type="hdr" sz="quarter" idx="11"/>
+              <a:t>Test Driven Cookbook Development</a:t>
+            </a:r>
+            <a:endParaRPr lang="en-US"/>
+          </a:p>
+        </p:txBody>
+      </p:sp>
+      <p:sp>
+        <p:nvSpPr>
+          <p:cNvPr id="7" name="Date Placeholder 6"/>
+          <p:cNvSpPr>
+            <a:spLocks noGrp="1"/>
+          </p:cNvSpPr>
+          <p:nvPr>
+            <p:ph type="dt" idx="13"/>
           </p:nvPr>
         </p:nvSpPr>
         <p:spPr/>
@@ -3135,29 +2747,11 @@
             <a:pPr>
               <a:defRPr/>
             </a:pPr>
-            <a:endParaRPr lang="en-US"/>
-          </a:p>
-        </p:txBody>
-      </p:sp>
-      <p:sp>
-        <p:nvSpPr>
-          <p:cNvPr id="6" name="Footer Placeholder 5"/>
-          <p:cNvSpPr>
-            <a:spLocks noGrp="1"/>
-          </p:cNvSpPr>
-          <p:nvPr>
-            <p:ph type="ftr" sz="quarter" idx="12"/>
-          </p:nvPr>
-        </p:nvSpPr>
-        <p:spPr/>
-        <p:txBody>
-          <a:bodyPr/>
-          <a:lstStyle/>
-          <a:p>
-            <a:pPr>
-              <a:defRPr/>
-            </a:pPr>
-            <a:endParaRPr lang="en-US"/>
+            <a:r>
+              <a:rPr lang="en-US" smtClean="0"/>
+              <a:t>Chef Software, Inc.</a:t>
+            </a:r>
+            <a:endParaRPr lang="en-US" dirty="0"/>
           </a:p>
         </p:txBody>
       </p:sp>
@@ -3240,12 +2834,12 @@
       </p:sp>
       <p:sp>
         <p:nvSpPr>
-          <p:cNvPr id="4" name="Slide Number Placeholder 3"/>
-          <p:cNvSpPr>
-            <a:spLocks noGrp="1"/>
-          </p:cNvSpPr>
-          <p:nvPr>
-            <p:ph type="sldNum" sz="quarter" idx="10"/>
+          <p:cNvPr id="5" name="Header Placeholder 4"/>
+          <p:cNvSpPr>
+            <a:spLocks noGrp="1"/>
+          </p:cNvSpPr>
+          <p:nvPr>
+            <p:ph type="hdr" sz="quarter" idx="11"/>
           </p:nvPr>
         </p:nvSpPr>
         <p:spPr/>
@@ -3256,25 +2850,22 @@
             <a:pPr>
               <a:defRPr/>
             </a:pPr>
-            <a:fld id="{DC3734AA-3150-D947-AC52-2F5DF48BFCD5}" type="slidenum">
+            <a:r>
               <a:rPr lang="en-US" smtClean="0"/>
-              <a:pPr>
-                <a:defRPr/>
-              </a:pPr>
-              <a:t>23</a:t>
-            </a:fld>
-            <a:endParaRPr lang="en-US" dirty="0"/>
-          </a:p>
-        </p:txBody>
-      </p:sp>
-      <p:sp>
-        <p:nvSpPr>
-          <p:cNvPr id="5" name="Header Placeholder 4"/>
-          <p:cNvSpPr>
-            <a:spLocks noGrp="1"/>
-          </p:cNvSpPr>
-          <p:nvPr>
-            <p:ph type="hdr" sz="quarter" idx="11"/>
+              <a:t>Test Driven Cookbook Development</a:t>
+            </a:r>
+            <a:endParaRPr lang="en-US"/>
+          </a:p>
+        </p:txBody>
+      </p:sp>
+      <p:sp>
+        <p:nvSpPr>
+          <p:cNvPr id="7" name="Date Placeholder 6"/>
+          <p:cNvSpPr>
+            <a:spLocks noGrp="1"/>
+          </p:cNvSpPr>
+          <p:nvPr>
+            <p:ph type="dt" idx="13"/>
           </p:nvPr>
         </p:nvSpPr>
         <p:spPr/>
@@ -3285,29 +2876,11 @@
             <a:pPr>
               <a:defRPr/>
             </a:pPr>
-            <a:endParaRPr lang="en-US"/>
-          </a:p>
-        </p:txBody>
-      </p:sp>
-      <p:sp>
-        <p:nvSpPr>
-          <p:cNvPr id="6" name="Footer Placeholder 5"/>
-          <p:cNvSpPr>
-            <a:spLocks noGrp="1"/>
-          </p:cNvSpPr>
-          <p:nvPr>
-            <p:ph type="ftr" sz="quarter" idx="12"/>
-          </p:nvPr>
-        </p:nvSpPr>
-        <p:spPr/>
-        <p:txBody>
-          <a:bodyPr/>
-          <a:lstStyle/>
-          <a:p>
-            <a:pPr>
-              <a:defRPr/>
-            </a:pPr>
-            <a:endParaRPr lang="en-US"/>
+            <a:r>
+              <a:rPr lang="en-US" smtClean="0"/>
+              <a:t>Chef Software, Inc.</a:t>
+            </a:r>
+            <a:endParaRPr lang="en-US" dirty="0"/>
           </a:p>
         </p:txBody>
       </p:sp>
@@ -3378,12 +2951,12 @@
       </p:sp>
       <p:sp>
         <p:nvSpPr>
-          <p:cNvPr id="4" name="Slide Number Placeholder 3"/>
-          <p:cNvSpPr>
-            <a:spLocks noGrp="1"/>
-          </p:cNvSpPr>
-          <p:nvPr>
-            <p:ph type="sldNum" sz="quarter" idx="10"/>
+          <p:cNvPr id="5" name="Header Placeholder 4"/>
+          <p:cNvSpPr>
+            <a:spLocks noGrp="1"/>
+          </p:cNvSpPr>
+          <p:nvPr>
+            <p:ph type="hdr" sz="quarter" idx="11"/>
           </p:nvPr>
         </p:nvSpPr>
         <p:spPr/>
@@ -3394,25 +2967,22 @@
             <a:pPr>
               <a:defRPr/>
             </a:pPr>
-            <a:fld id="{DC3734AA-3150-D947-AC52-2F5DF48BFCD5}" type="slidenum">
+            <a:r>
               <a:rPr lang="en-US" smtClean="0"/>
-              <a:pPr>
-                <a:defRPr/>
-              </a:pPr>
-              <a:t>24</a:t>
-            </a:fld>
-            <a:endParaRPr lang="en-US" dirty="0"/>
-          </a:p>
-        </p:txBody>
-      </p:sp>
-      <p:sp>
-        <p:nvSpPr>
-          <p:cNvPr id="5" name="Header Placeholder 4"/>
-          <p:cNvSpPr>
-            <a:spLocks noGrp="1"/>
-          </p:cNvSpPr>
-          <p:nvPr>
-            <p:ph type="hdr" sz="quarter" idx="11"/>
+              <a:t>Test Driven Cookbook Development</a:t>
+            </a:r>
+            <a:endParaRPr lang="en-US"/>
+          </a:p>
+        </p:txBody>
+      </p:sp>
+      <p:sp>
+        <p:nvSpPr>
+          <p:cNvPr id="7" name="Date Placeholder 6"/>
+          <p:cNvSpPr>
+            <a:spLocks noGrp="1"/>
+          </p:cNvSpPr>
+          <p:nvPr>
+            <p:ph type="dt" idx="13"/>
           </p:nvPr>
         </p:nvSpPr>
         <p:spPr/>
@@ -3423,29 +2993,11 @@
             <a:pPr>
               <a:defRPr/>
             </a:pPr>
-            <a:endParaRPr lang="en-US"/>
-          </a:p>
-        </p:txBody>
-      </p:sp>
-      <p:sp>
-        <p:nvSpPr>
-          <p:cNvPr id="6" name="Footer Placeholder 5"/>
-          <p:cNvSpPr>
-            <a:spLocks noGrp="1"/>
-          </p:cNvSpPr>
-          <p:nvPr>
-            <p:ph type="ftr" sz="quarter" idx="12"/>
-          </p:nvPr>
-        </p:nvSpPr>
-        <p:spPr/>
-        <p:txBody>
-          <a:bodyPr/>
-          <a:lstStyle/>
-          <a:p>
-            <a:pPr>
-              <a:defRPr/>
-            </a:pPr>
-            <a:endParaRPr lang="en-US"/>
+            <a:r>
+              <a:rPr lang="en-US" smtClean="0"/>
+              <a:t>Chef Software, Inc.</a:t>
+            </a:r>
+            <a:endParaRPr lang="en-US" dirty="0"/>
           </a:p>
         </p:txBody>
       </p:sp>
@@ -3519,12 +3071,12 @@
       </p:sp>
       <p:sp>
         <p:nvSpPr>
-          <p:cNvPr id="4" name="Slide Number Placeholder 3"/>
-          <p:cNvSpPr>
-            <a:spLocks noGrp="1"/>
-          </p:cNvSpPr>
-          <p:nvPr>
-            <p:ph type="sldNum" sz="quarter" idx="10"/>
+          <p:cNvPr id="5" name="Header Placeholder 4"/>
+          <p:cNvSpPr>
+            <a:spLocks noGrp="1"/>
+          </p:cNvSpPr>
+          <p:nvPr>
+            <p:ph type="hdr" sz="quarter" idx="11"/>
           </p:nvPr>
         </p:nvSpPr>
         <p:spPr/>
@@ -3535,25 +3087,22 @@
             <a:pPr>
               <a:defRPr/>
             </a:pPr>
-            <a:fld id="{DC3734AA-3150-D947-AC52-2F5DF48BFCD5}" type="slidenum">
+            <a:r>
               <a:rPr lang="en-US" smtClean="0"/>
-              <a:pPr>
-                <a:defRPr/>
-              </a:pPr>
-              <a:t>25</a:t>
-            </a:fld>
-            <a:endParaRPr lang="en-US" dirty="0"/>
-          </a:p>
-        </p:txBody>
-      </p:sp>
-      <p:sp>
-        <p:nvSpPr>
-          <p:cNvPr id="5" name="Header Placeholder 4"/>
-          <p:cNvSpPr>
-            <a:spLocks noGrp="1"/>
-          </p:cNvSpPr>
-          <p:nvPr>
-            <p:ph type="hdr" sz="quarter" idx="11"/>
+              <a:t>Test Driven Cookbook Development</a:t>
+            </a:r>
+            <a:endParaRPr lang="en-US"/>
+          </a:p>
+        </p:txBody>
+      </p:sp>
+      <p:sp>
+        <p:nvSpPr>
+          <p:cNvPr id="7" name="Date Placeholder 6"/>
+          <p:cNvSpPr>
+            <a:spLocks noGrp="1"/>
+          </p:cNvSpPr>
+          <p:nvPr>
+            <p:ph type="dt" idx="13"/>
           </p:nvPr>
         </p:nvSpPr>
         <p:spPr/>
@@ -3564,29 +3113,11 @@
             <a:pPr>
               <a:defRPr/>
             </a:pPr>
-            <a:endParaRPr lang="en-US"/>
-          </a:p>
-        </p:txBody>
-      </p:sp>
-      <p:sp>
-        <p:nvSpPr>
-          <p:cNvPr id="6" name="Footer Placeholder 5"/>
-          <p:cNvSpPr>
-            <a:spLocks noGrp="1"/>
-          </p:cNvSpPr>
-          <p:nvPr>
-            <p:ph type="ftr" sz="quarter" idx="12"/>
-          </p:nvPr>
-        </p:nvSpPr>
-        <p:spPr/>
-        <p:txBody>
-          <a:bodyPr/>
-          <a:lstStyle/>
-          <a:p>
-            <a:pPr>
-              <a:defRPr/>
-            </a:pPr>
-            <a:endParaRPr lang="en-US"/>
+            <a:r>
+              <a:rPr lang="en-US" smtClean="0"/>
+              <a:t>Chef Software, Inc.</a:t>
+            </a:r>
+            <a:endParaRPr lang="en-US" dirty="0"/>
           </a:p>
         </p:txBody>
       </p:sp>
@@ -3661,12 +3192,12 @@
       </p:sp>
       <p:sp>
         <p:nvSpPr>
-          <p:cNvPr id="4" name="Slide Number Placeholder 3"/>
-          <p:cNvSpPr>
-            <a:spLocks noGrp="1"/>
-          </p:cNvSpPr>
-          <p:nvPr>
-            <p:ph type="sldNum" sz="quarter" idx="10"/>
+          <p:cNvPr id="5" name="Header Placeholder 4"/>
+          <p:cNvSpPr>
+            <a:spLocks noGrp="1"/>
+          </p:cNvSpPr>
+          <p:nvPr>
+            <p:ph type="hdr" sz="quarter" idx="11"/>
           </p:nvPr>
         </p:nvSpPr>
         <p:spPr/>
@@ -3677,25 +3208,22 @@
             <a:pPr>
               <a:defRPr/>
             </a:pPr>
-            <a:fld id="{DC3734AA-3150-D947-AC52-2F5DF48BFCD5}" type="slidenum">
+            <a:r>
               <a:rPr lang="en-US" smtClean="0"/>
-              <a:pPr>
-                <a:defRPr/>
-              </a:pPr>
-              <a:t>26</a:t>
-            </a:fld>
-            <a:endParaRPr lang="en-US" dirty="0"/>
-          </a:p>
-        </p:txBody>
-      </p:sp>
-      <p:sp>
-        <p:nvSpPr>
-          <p:cNvPr id="5" name="Header Placeholder 4"/>
-          <p:cNvSpPr>
-            <a:spLocks noGrp="1"/>
-          </p:cNvSpPr>
-          <p:nvPr>
-            <p:ph type="hdr" sz="quarter" idx="11"/>
+              <a:t>Test Driven Cookbook Development</a:t>
+            </a:r>
+            <a:endParaRPr lang="en-US"/>
+          </a:p>
+        </p:txBody>
+      </p:sp>
+      <p:sp>
+        <p:nvSpPr>
+          <p:cNvPr id="7" name="Date Placeholder 6"/>
+          <p:cNvSpPr>
+            <a:spLocks noGrp="1"/>
+          </p:cNvSpPr>
+          <p:nvPr>
+            <p:ph type="dt" idx="13"/>
           </p:nvPr>
         </p:nvSpPr>
         <p:spPr/>
@@ -3706,29 +3234,11 @@
             <a:pPr>
               <a:defRPr/>
             </a:pPr>
-            <a:endParaRPr lang="en-US"/>
-          </a:p>
-        </p:txBody>
-      </p:sp>
-      <p:sp>
-        <p:nvSpPr>
-          <p:cNvPr id="6" name="Footer Placeholder 5"/>
-          <p:cNvSpPr>
-            <a:spLocks noGrp="1"/>
-          </p:cNvSpPr>
-          <p:nvPr>
-            <p:ph type="ftr" sz="quarter" idx="12"/>
-          </p:nvPr>
-        </p:nvSpPr>
-        <p:spPr/>
-        <p:txBody>
-          <a:bodyPr/>
-          <a:lstStyle/>
-          <a:p>
-            <a:pPr>
-              <a:defRPr/>
-            </a:pPr>
-            <a:endParaRPr lang="en-US"/>
+            <a:r>
+              <a:rPr lang="en-US" smtClean="0"/>
+              <a:t>Chef Software, Inc.</a:t>
+            </a:r>
+            <a:endParaRPr lang="en-US" dirty="0"/>
           </a:p>
         </p:txBody>
       </p:sp>
@@ -3853,12 +3363,12 @@
       </p:sp>
       <p:sp>
         <p:nvSpPr>
-          <p:cNvPr id="4" name="Slide Number Placeholder 3"/>
-          <p:cNvSpPr>
-            <a:spLocks noGrp="1"/>
-          </p:cNvSpPr>
-          <p:nvPr>
-            <p:ph type="sldNum" sz="quarter" idx="10"/>
+          <p:cNvPr id="5" name="Header Placeholder 4"/>
+          <p:cNvSpPr>
+            <a:spLocks noGrp="1"/>
+          </p:cNvSpPr>
+          <p:nvPr>
+            <p:ph type="hdr" sz="quarter" idx="11"/>
           </p:nvPr>
         </p:nvSpPr>
         <p:spPr/>
@@ -3869,25 +3379,22 @@
             <a:pPr>
               <a:defRPr/>
             </a:pPr>
-            <a:fld id="{DC3734AA-3150-D947-AC52-2F5DF48BFCD5}" type="slidenum">
+            <a:r>
               <a:rPr lang="en-US" smtClean="0"/>
-              <a:pPr>
-                <a:defRPr/>
-              </a:pPr>
-              <a:t>27</a:t>
-            </a:fld>
-            <a:endParaRPr lang="en-US" dirty="0"/>
-          </a:p>
-        </p:txBody>
-      </p:sp>
-      <p:sp>
-        <p:nvSpPr>
-          <p:cNvPr id="5" name="Header Placeholder 4"/>
-          <p:cNvSpPr>
-            <a:spLocks noGrp="1"/>
-          </p:cNvSpPr>
-          <p:nvPr>
-            <p:ph type="hdr" sz="quarter" idx="11"/>
+              <a:t>Test Driven Cookbook Development</a:t>
+            </a:r>
+            <a:endParaRPr lang="en-US"/>
+          </a:p>
+        </p:txBody>
+      </p:sp>
+      <p:sp>
+        <p:nvSpPr>
+          <p:cNvPr id="7" name="Date Placeholder 6"/>
+          <p:cNvSpPr>
+            <a:spLocks noGrp="1"/>
+          </p:cNvSpPr>
+          <p:nvPr>
+            <p:ph type="dt" idx="13"/>
           </p:nvPr>
         </p:nvSpPr>
         <p:spPr/>
@@ -3898,29 +3405,11 @@
             <a:pPr>
               <a:defRPr/>
             </a:pPr>
-            <a:endParaRPr lang="en-US"/>
-          </a:p>
-        </p:txBody>
-      </p:sp>
-      <p:sp>
-        <p:nvSpPr>
-          <p:cNvPr id="6" name="Footer Placeholder 5"/>
-          <p:cNvSpPr>
-            <a:spLocks noGrp="1"/>
-          </p:cNvSpPr>
-          <p:nvPr>
-            <p:ph type="ftr" sz="quarter" idx="12"/>
-          </p:nvPr>
-        </p:nvSpPr>
-        <p:spPr/>
-        <p:txBody>
-          <a:bodyPr/>
-          <a:lstStyle/>
-          <a:p>
-            <a:pPr>
-              <a:defRPr/>
-            </a:pPr>
-            <a:endParaRPr lang="en-US"/>
+            <a:r>
+              <a:rPr lang="en-US" smtClean="0"/>
+              <a:t>Chef Software, Inc.</a:t>
+            </a:r>
+            <a:endParaRPr lang="en-US" dirty="0"/>
           </a:p>
         </p:txBody>
       </p:sp>
@@ -4015,12 +3504,12 @@
       </p:sp>
       <p:sp>
         <p:nvSpPr>
-          <p:cNvPr id="4" name="Slide Number Placeholder 3"/>
-          <p:cNvSpPr>
-            <a:spLocks noGrp="1"/>
-          </p:cNvSpPr>
-          <p:nvPr>
-            <p:ph type="sldNum" sz="quarter" idx="10"/>
+          <p:cNvPr id="5" name="Header Placeholder 4"/>
+          <p:cNvSpPr>
+            <a:spLocks noGrp="1"/>
+          </p:cNvSpPr>
+          <p:nvPr>
+            <p:ph type="hdr" sz="quarter" idx="11"/>
           </p:nvPr>
         </p:nvSpPr>
         <p:spPr/>
@@ -4031,25 +3520,22 @@
             <a:pPr>
               <a:defRPr/>
             </a:pPr>
-            <a:fld id="{DC3734AA-3150-D947-AC52-2F5DF48BFCD5}" type="slidenum">
+            <a:r>
               <a:rPr lang="en-US" smtClean="0"/>
-              <a:pPr>
-                <a:defRPr/>
-              </a:pPr>
-              <a:t>28</a:t>
-            </a:fld>
-            <a:endParaRPr lang="en-US" dirty="0"/>
-          </a:p>
-        </p:txBody>
-      </p:sp>
-      <p:sp>
-        <p:nvSpPr>
-          <p:cNvPr id="5" name="Header Placeholder 4"/>
-          <p:cNvSpPr>
-            <a:spLocks noGrp="1"/>
-          </p:cNvSpPr>
-          <p:nvPr>
-            <p:ph type="hdr" sz="quarter" idx="11"/>
+              <a:t>Test Driven Cookbook Development</a:t>
+            </a:r>
+            <a:endParaRPr lang="en-US"/>
+          </a:p>
+        </p:txBody>
+      </p:sp>
+      <p:sp>
+        <p:nvSpPr>
+          <p:cNvPr id="7" name="Date Placeholder 6"/>
+          <p:cNvSpPr>
+            <a:spLocks noGrp="1"/>
+          </p:cNvSpPr>
+          <p:nvPr>
+            <p:ph type="dt" idx="13"/>
           </p:nvPr>
         </p:nvSpPr>
         <p:spPr/>
@@ -4060,29 +3546,11 @@
             <a:pPr>
               <a:defRPr/>
             </a:pPr>
-            <a:endParaRPr lang="en-US"/>
-          </a:p>
-        </p:txBody>
-      </p:sp>
-      <p:sp>
-        <p:nvSpPr>
-          <p:cNvPr id="6" name="Footer Placeholder 5"/>
-          <p:cNvSpPr>
-            <a:spLocks noGrp="1"/>
-          </p:cNvSpPr>
-          <p:nvPr>
-            <p:ph type="ftr" sz="quarter" idx="12"/>
-          </p:nvPr>
-        </p:nvSpPr>
-        <p:spPr/>
-        <p:txBody>
-          <a:bodyPr/>
-          <a:lstStyle/>
-          <a:p>
-            <a:pPr>
-              <a:defRPr/>
-            </a:pPr>
-            <a:endParaRPr lang="en-US"/>
+            <a:r>
+              <a:rPr lang="en-US" smtClean="0"/>
+              <a:t>Chef Software, Inc.</a:t>
+            </a:r>
+            <a:endParaRPr lang="en-US" dirty="0"/>
           </a:p>
         </p:txBody>
       </p:sp>
@@ -4174,12 +3642,12 @@
       </p:sp>
       <p:sp>
         <p:nvSpPr>
-          <p:cNvPr id="4" name="Slide Number Placeholder 3"/>
-          <p:cNvSpPr>
-            <a:spLocks noGrp="1"/>
-          </p:cNvSpPr>
-          <p:nvPr>
-            <p:ph type="sldNum" sz="quarter" idx="10"/>
+          <p:cNvPr id="5" name="Header Placeholder 4"/>
+          <p:cNvSpPr>
+            <a:spLocks noGrp="1"/>
+          </p:cNvSpPr>
+          <p:nvPr>
+            <p:ph type="hdr" sz="quarter" idx="11"/>
           </p:nvPr>
         </p:nvSpPr>
         <p:spPr/>
@@ -4190,25 +3658,22 @@
             <a:pPr>
               <a:defRPr/>
             </a:pPr>
-            <a:fld id="{DC3734AA-3150-D947-AC52-2F5DF48BFCD5}" type="slidenum">
+            <a:r>
               <a:rPr lang="en-US" smtClean="0"/>
-              <a:pPr>
-                <a:defRPr/>
-              </a:pPr>
-              <a:t>29</a:t>
-            </a:fld>
-            <a:endParaRPr lang="en-US" dirty="0"/>
-          </a:p>
-        </p:txBody>
-      </p:sp>
-      <p:sp>
-        <p:nvSpPr>
-          <p:cNvPr id="5" name="Header Placeholder 4"/>
-          <p:cNvSpPr>
-            <a:spLocks noGrp="1"/>
-          </p:cNvSpPr>
-          <p:nvPr>
-            <p:ph type="hdr" sz="quarter" idx="11"/>
+              <a:t>Test Driven Cookbook Development</a:t>
+            </a:r>
+            <a:endParaRPr lang="en-US"/>
+          </a:p>
+        </p:txBody>
+      </p:sp>
+      <p:sp>
+        <p:nvSpPr>
+          <p:cNvPr id="7" name="Date Placeholder 6"/>
+          <p:cNvSpPr>
+            <a:spLocks noGrp="1"/>
+          </p:cNvSpPr>
+          <p:nvPr>
+            <p:ph type="dt" idx="13"/>
           </p:nvPr>
         </p:nvSpPr>
         <p:spPr/>
@@ -4219,29 +3684,11 @@
             <a:pPr>
               <a:defRPr/>
             </a:pPr>
-            <a:endParaRPr lang="en-US"/>
-          </a:p>
-        </p:txBody>
-      </p:sp>
-      <p:sp>
-        <p:nvSpPr>
-          <p:cNvPr id="6" name="Footer Placeholder 5"/>
-          <p:cNvSpPr>
-            <a:spLocks noGrp="1"/>
-          </p:cNvSpPr>
-          <p:nvPr>
-            <p:ph type="ftr" sz="quarter" idx="12"/>
-          </p:nvPr>
-        </p:nvSpPr>
-        <p:spPr/>
-        <p:txBody>
-          <a:bodyPr/>
-          <a:lstStyle/>
-          <a:p>
-            <a:pPr>
-              <a:defRPr/>
-            </a:pPr>
-            <a:endParaRPr lang="en-US"/>
+            <a:r>
+              <a:rPr lang="en-US" smtClean="0"/>
+              <a:t>Chef Software, Inc.</a:t>
+            </a:r>
+            <a:endParaRPr lang="en-US" dirty="0"/>
           </a:p>
         </p:txBody>
       </p:sp>
@@ -4373,12 +3820,12 @@
       </p:sp>
       <p:sp>
         <p:nvSpPr>
-          <p:cNvPr id="4" name="Slide Number Placeholder 3"/>
-          <p:cNvSpPr>
-            <a:spLocks noGrp="1"/>
-          </p:cNvSpPr>
-          <p:nvPr>
-            <p:ph type="sldNum" sz="quarter" idx="10"/>
+          <p:cNvPr id="5" name="Header Placeholder 4"/>
+          <p:cNvSpPr>
+            <a:spLocks noGrp="1"/>
+          </p:cNvSpPr>
+          <p:nvPr>
+            <p:ph type="hdr" sz="quarter" idx="11"/>
           </p:nvPr>
         </p:nvSpPr>
         <p:spPr/>
@@ -4389,25 +3836,22 @@
             <a:pPr>
               <a:defRPr/>
             </a:pPr>
-            <a:fld id="{DC3734AA-3150-D947-AC52-2F5DF48BFCD5}" type="slidenum">
+            <a:r>
               <a:rPr lang="en-US" smtClean="0"/>
-              <a:pPr>
-                <a:defRPr/>
-              </a:pPr>
-              <a:t>3</a:t>
-            </a:fld>
-            <a:endParaRPr lang="en-US" dirty="0"/>
-          </a:p>
-        </p:txBody>
-      </p:sp>
-      <p:sp>
-        <p:nvSpPr>
-          <p:cNvPr id="5" name="Header Placeholder 4"/>
-          <p:cNvSpPr>
-            <a:spLocks noGrp="1"/>
-          </p:cNvSpPr>
-          <p:nvPr>
-            <p:ph type="hdr" sz="quarter" idx="11"/>
+              <a:t>Test Driven Cookbook Development</a:t>
+            </a:r>
+            <a:endParaRPr lang="en-US"/>
+          </a:p>
+        </p:txBody>
+      </p:sp>
+      <p:sp>
+        <p:nvSpPr>
+          <p:cNvPr id="7" name="Date Placeholder 6"/>
+          <p:cNvSpPr>
+            <a:spLocks noGrp="1"/>
+          </p:cNvSpPr>
+          <p:nvPr>
+            <p:ph type="dt" idx="13"/>
           </p:nvPr>
         </p:nvSpPr>
         <p:spPr/>
@@ -4418,29 +3862,11 @@
             <a:pPr>
               <a:defRPr/>
             </a:pPr>
-            <a:endParaRPr lang="en-US"/>
-          </a:p>
-        </p:txBody>
-      </p:sp>
-      <p:sp>
-        <p:nvSpPr>
-          <p:cNvPr id="6" name="Footer Placeholder 5"/>
-          <p:cNvSpPr>
-            <a:spLocks noGrp="1"/>
-          </p:cNvSpPr>
-          <p:nvPr>
-            <p:ph type="ftr" sz="quarter" idx="12"/>
-          </p:nvPr>
-        </p:nvSpPr>
-        <p:spPr/>
-        <p:txBody>
-          <a:bodyPr/>
-          <a:lstStyle/>
-          <a:p>
-            <a:pPr>
-              <a:defRPr/>
-            </a:pPr>
-            <a:endParaRPr lang="en-US"/>
+            <a:r>
+              <a:rPr lang="en-US" smtClean="0"/>
+              <a:t>Chef Software, Inc.</a:t>
+            </a:r>
+            <a:endParaRPr lang="en-US" dirty="0"/>
           </a:p>
         </p:txBody>
       </p:sp>
@@ -4532,12 +3958,12 @@
       </p:sp>
       <p:sp>
         <p:nvSpPr>
-          <p:cNvPr id="4" name="Slide Number Placeholder 3"/>
-          <p:cNvSpPr>
-            <a:spLocks noGrp="1"/>
-          </p:cNvSpPr>
-          <p:nvPr>
-            <p:ph type="sldNum" sz="quarter" idx="10"/>
+          <p:cNvPr id="5" name="Header Placeholder 4"/>
+          <p:cNvSpPr>
+            <a:spLocks noGrp="1"/>
+          </p:cNvSpPr>
+          <p:nvPr>
+            <p:ph type="hdr" sz="quarter" idx="11"/>
           </p:nvPr>
         </p:nvSpPr>
         <p:spPr/>
@@ -4548,25 +3974,22 @@
             <a:pPr>
               <a:defRPr/>
             </a:pPr>
-            <a:fld id="{DC3734AA-3150-D947-AC52-2F5DF48BFCD5}" type="slidenum">
+            <a:r>
               <a:rPr lang="en-US" smtClean="0"/>
-              <a:pPr>
-                <a:defRPr/>
-              </a:pPr>
-              <a:t>30</a:t>
-            </a:fld>
-            <a:endParaRPr lang="en-US" dirty="0"/>
-          </a:p>
-        </p:txBody>
-      </p:sp>
-      <p:sp>
-        <p:nvSpPr>
-          <p:cNvPr id="5" name="Header Placeholder 4"/>
-          <p:cNvSpPr>
-            <a:spLocks noGrp="1"/>
-          </p:cNvSpPr>
-          <p:nvPr>
-            <p:ph type="hdr" sz="quarter" idx="11"/>
+              <a:t>Test Driven Cookbook Development</a:t>
+            </a:r>
+            <a:endParaRPr lang="en-US"/>
+          </a:p>
+        </p:txBody>
+      </p:sp>
+      <p:sp>
+        <p:nvSpPr>
+          <p:cNvPr id="7" name="Date Placeholder 6"/>
+          <p:cNvSpPr>
+            <a:spLocks noGrp="1"/>
+          </p:cNvSpPr>
+          <p:nvPr>
+            <p:ph type="dt" idx="13"/>
           </p:nvPr>
         </p:nvSpPr>
         <p:spPr/>
@@ -4577,29 +4000,11 @@
             <a:pPr>
               <a:defRPr/>
             </a:pPr>
-            <a:endParaRPr lang="en-US"/>
-          </a:p>
-        </p:txBody>
-      </p:sp>
-      <p:sp>
-        <p:nvSpPr>
-          <p:cNvPr id="6" name="Footer Placeholder 5"/>
-          <p:cNvSpPr>
-            <a:spLocks noGrp="1"/>
-          </p:cNvSpPr>
-          <p:nvPr>
-            <p:ph type="ftr" sz="quarter" idx="12"/>
-          </p:nvPr>
-        </p:nvSpPr>
-        <p:spPr/>
-        <p:txBody>
-          <a:bodyPr/>
-          <a:lstStyle/>
-          <a:p>
-            <a:pPr>
-              <a:defRPr/>
-            </a:pPr>
-            <a:endParaRPr lang="en-US"/>
+            <a:r>
+              <a:rPr lang="en-US" smtClean="0"/>
+              <a:t>Chef Software, Inc.</a:t>
+            </a:r>
+            <a:endParaRPr lang="en-US" dirty="0"/>
           </a:p>
         </p:txBody>
       </p:sp>
@@ -4686,12 +4091,12 @@
       </p:sp>
       <p:sp>
         <p:nvSpPr>
-          <p:cNvPr id="4" name="Slide Number Placeholder 3"/>
-          <p:cNvSpPr>
-            <a:spLocks noGrp="1"/>
-          </p:cNvSpPr>
-          <p:nvPr>
-            <p:ph type="sldNum" sz="quarter" idx="10"/>
+          <p:cNvPr id="5" name="Header Placeholder 4"/>
+          <p:cNvSpPr>
+            <a:spLocks noGrp="1"/>
+          </p:cNvSpPr>
+          <p:nvPr>
+            <p:ph type="hdr" sz="quarter" idx="11"/>
           </p:nvPr>
         </p:nvSpPr>
         <p:spPr/>
@@ -4702,25 +4107,22 @@
             <a:pPr>
               <a:defRPr/>
             </a:pPr>
-            <a:fld id="{DC3734AA-3150-D947-AC52-2F5DF48BFCD5}" type="slidenum">
+            <a:r>
               <a:rPr lang="en-US" smtClean="0"/>
-              <a:pPr>
-                <a:defRPr/>
-              </a:pPr>
-              <a:t>31</a:t>
-            </a:fld>
-            <a:endParaRPr lang="en-US" dirty="0"/>
-          </a:p>
-        </p:txBody>
-      </p:sp>
-      <p:sp>
-        <p:nvSpPr>
-          <p:cNvPr id="5" name="Header Placeholder 4"/>
-          <p:cNvSpPr>
-            <a:spLocks noGrp="1"/>
-          </p:cNvSpPr>
-          <p:nvPr>
-            <p:ph type="hdr" sz="quarter" idx="11"/>
+              <a:t>Test Driven Cookbook Development</a:t>
+            </a:r>
+            <a:endParaRPr lang="en-US"/>
+          </a:p>
+        </p:txBody>
+      </p:sp>
+      <p:sp>
+        <p:nvSpPr>
+          <p:cNvPr id="7" name="Date Placeholder 6"/>
+          <p:cNvSpPr>
+            <a:spLocks noGrp="1"/>
+          </p:cNvSpPr>
+          <p:nvPr>
+            <p:ph type="dt" idx="13"/>
           </p:nvPr>
         </p:nvSpPr>
         <p:spPr/>
@@ -4731,29 +4133,11 @@
             <a:pPr>
               <a:defRPr/>
             </a:pPr>
-            <a:endParaRPr lang="en-US"/>
-          </a:p>
-        </p:txBody>
-      </p:sp>
-      <p:sp>
-        <p:nvSpPr>
-          <p:cNvPr id="6" name="Footer Placeholder 5"/>
-          <p:cNvSpPr>
-            <a:spLocks noGrp="1"/>
-          </p:cNvSpPr>
-          <p:nvPr>
-            <p:ph type="ftr" sz="quarter" idx="12"/>
-          </p:nvPr>
-        </p:nvSpPr>
-        <p:spPr/>
-        <p:txBody>
-          <a:bodyPr/>
-          <a:lstStyle/>
-          <a:p>
-            <a:pPr>
-              <a:defRPr/>
-            </a:pPr>
-            <a:endParaRPr lang="en-US"/>
+            <a:r>
+              <a:rPr lang="en-US" smtClean="0"/>
+              <a:t>Chef Software, Inc.</a:t>
+            </a:r>
+            <a:endParaRPr lang="en-US" dirty="0"/>
           </a:p>
         </p:txBody>
       </p:sp>
@@ -4856,12 +4240,12 @@
       </p:sp>
       <p:sp>
         <p:nvSpPr>
-          <p:cNvPr id="4" name="Slide Number Placeholder 3"/>
-          <p:cNvSpPr>
-            <a:spLocks noGrp="1"/>
-          </p:cNvSpPr>
-          <p:nvPr>
-            <p:ph type="sldNum" sz="quarter" idx="10"/>
+          <p:cNvPr id="5" name="Header Placeholder 4"/>
+          <p:cNvSpPr>
+            <a:spLocks noGrp="1"/>
+          </p:cNvSpPr>
+          <p:nvPr>
+            <p:ph type="hdr" sz="quarter" idx="11"/>
           </p:nvPr>
         </p:nvSpPr>
         <p:spPr/>
@@ -4872,25 +4256,22 @@
             <a:pPr>
               <a:defRPr/>
             </a:pPr>
-            <a:fld id="{DC3734AA-3150-D947-AC52-2F5DF48BFCD5}" type="slidenum">
+            <a:r>
               <a:rPr lang="en-US" smtClean="0"/>
-              <a:pPr>
-                <a:defRPr/>
-              </a:pPr>
-              <a:t>32</a:t>
-            </a:fld>
-            <a:endParaRPr lang="en-US" dirty="0"/>
-          </a:p>
-        </p:txBody>
-      </p:sp>
-      <p:sp>
-        <p:nvSpPr>
-          <p:cNvPr id="5" name="Header Placeholder 4"/>
-          <p:cNvSpPr>
-            <a:spLocks noGrp="1"/>
-          </p:cNvSpPr>
-          <p:nvPr>
-            <p:ph type="hdr" sz="quarter" idx="11"/>
+              <a:t>Test Driven Cookbook Development</a:t>
+            </a:r>
+            <a:endParaRPr lang="en-US"/>
+          </a:p>
+        </p:txBody>
+      </p:sp>
+      <p:sp>
+        <p:nvSpPr>
+          <p:cNvPr id="7" name="Date Placeholder 6"/>
+          <p:cNvSpPr>
+            <a:spLocks noGrp="1"/>
+          </p:cNvSpPr>
+          <p:nvPr>
+            <p:ph type="dt" idx="13"/>
           </p:nvPr>
         </p:nvSpPr>
         <p:spPr/>
@@ -4901,29 +4282,11 @@
             <a:pPr>
               <a:defRPr/>
             </a:pPr>
-            <a:endParaRPr lang="en-US"/>
-          </a:p>
-        </p:txBody>
-      </p:sp>
-      <p:sp>
-        <p:nvSpPr>
-          <p:cNvPr id="6" name="Footer Placeholder 5"/>
-          <p:cNvSpPr>
-            <a:spLocks noGrp="1"/>
-          </p:cNvSpPr>
-          <p:nvPr>
-            <p:ph type="ftr" sz="quarter" idx="12"/>
-          </p:nvPr>
-        </p:nvSpPr>
-        <p:spPr/>
-        <p:txBody>
-          <a:bodyPr/>
-          <a:lstStyle/>
-          <a:p>
-            <a:pPr>
-              <a:defRPr/>
-            </a:pPr>
-            <a:endParaRPr lang="en-US"/>
+            <a:r>
+              <a:rPr lang="en-US" smtClean="0"/>
+              <a:t>Chef Software, Inc.</a:t>
+            </a:r>
+            <a:endParaRPr lang="en-US" dirty="0"/>
           </a:p>
         </p:txBody>
       </p:sp>
@@ -5014,12 +4377,12 @@
       </p:sp>
       <p:sp>
         <p:nvSpPr>
-          <p:cNvPr id="4" name="Slide Number Placeholder 3"/>
-          <p:cNvSpPr>
-            <a:spLocks noGrp="1"/>
-          </p:cNvSpPr>
-          <p:nvPr>
-            <p:ph type="sldNum" sz="quarter" idx="10"/>
+          <p:cNvPr id="5" name="Header Placeholder 4"/>
+          <p:cNvSpPr>
+            <a:spLocks noGrp="1"/>
+          </p:cNvSpPr>
+          <p:nvPr>
+            <p:ph type="hdr" sz="quarter" idx="11"/>
           </p:nvPr>
         </p:nvSpPr>
         <p:spPr/>
@@ -5030,25 +4393,22 @@
             <a:pPr>
               <a:defRPr/>
             </a:pPr>
-            <a:fld id="{DC3734AA-3150-D947-AC52-2F5DF48BFCD5}" type="slidenum">
+            <a:r>
               <a:rPr lang="en-US" smtClean="0"/>
-              <a:pPr>
-                <a:defRPr/>
-              </a:pPr>
-              <a:t>33</a:t>
-            </a:fld>
-            <a:endParaRPr lang="en-US" dirty="0"/>
-          </a:p>
-        </p:txBody>
-      </p:sp>
-      <p:sp>
-        <p:nvSpPr>
-          <p:cNvPr id="5" name="Header Placeholder 4"/>
-          <p:cNvSpPr>
-            <a:spLocks noGrp="1"/>
-          </p:cNvSpPr>
-          <p:nvPr>
-            <p:ph type="hdr" sz="quarter" idx="11"/>
+              <a:t>Test Driven Cookbook Development</a:t>
+            </a:r>
+            <a:endParaRPr lang="en-US"/>
+          </a:p>
+        </p:txBody>
+      </p:sp>
+      <p:sp>
+        <p:nvSpPr>
+          <p:cNvPr id="7" name="Date Placeholder 6"/>
+          <p:cNvSpPr>
+            <a:spLocks noGrp="1"/>
+          </p:cNvSpPr>
+          <p:nvPr>
+            <p:ph type="dt" idx="13"/>
           </p:nvPr>
         </p:nvSpPr>
         <p:spPr/>
@@ -5059,29 +4419,11 @@
             <a:pPr>
               <a:defRPr/>
             </a:pPr>
-            <a:endParaRPr lang="en-US"/>
-          </a:p>
-        </p:txBody>
-      </p:sp>
-      <p:sp>
-        <p:nvSpPr>
-          <p:cNvPr id="6" name="Footer Placeholder 5"/>
-          <p:cNvSpPr>
-            <a:spLocks noGrp="1"/>
-          </p:cNvSpPr>
-          <p:nvPr>
-            <p:ph type="ftr" sz="quarter" idx="12"/>
-          </p:nvPr>
-        </p:nvSpPr>
-        <p:spPr/>
-        <p:txBody>
-          <a:bodyPr/>
-          <a:lstStyle/>
-          <a:p>
-            <a:pPr>
-              <a:defRPr/>
-            </a:pPr>
-            <a:endParaRPr lang="en-US"/>
+            <a:r>
+              <a:rPr lang="en-US" smtClean="0"/>
+              <a:t>Chef Software, Inc.</a:t>
+            </a:r>
+            <a:endParaRPr lang="en-US" dirty="0"/>
           </a:p>
         </p:txBody>
       </p:sp>
@@ -5175,12 +4517,12 @@
       </p:sp>
       <p:sp>
         <p:nvSpPr>
-          <p:cNvPr id="4" name="Slide Number Placeholder 3"/>
-          <p:cNvSpPr>
-            <a:spLocks noGrp="1"/>
-          </p:cNvSpPr>
-          <p:nvPr>
-            <p:ph type="sldNum" sz="quarter" idx="10"/>
+          <p:cNvPr id="5" name="Header Placeholder 4"/>
+          <p:cNvSpPr>
+            <a:spLocks noGrp="1"/>
+          </p:cNvSpPr>
+          <p:nvPr>
+            <p:ph type="hdr" sz="quarter" idx="11"/>
           </p:nvPr>
         </p:nvSpPr>
         <p:spPr/>
@@ -5191,25 +4533,22 @@
             <a:pPr>
               <a:defRPr/>
             </a:pPr>
-            <a:fld id="{DC3734AA-3150-D947-AC52-2F5DF48BFCD5}" type="slidenum">
+            <a:r>
               <a:rPr lang="en-US" smtClean="0"/>
-              <a:pPr>
-                <a:defRPr/>
-              </a:pPr>
-              <a:t>34</a:t>
-            </a:fld>
-            <a:endParaRPr lang="en-US" dirty="0"/>
-          </a:p>
-        </p:txBody>
-      </p:sp>
-      <p:sp>
-        <p:nvSpPr>
-          <p:cNvPr id="5" name="Header Placeholder 4"/>
-          <p:cNvSpPr>
-            <a:spLocks noGrp="1"/>
-          </p:cNvSpPr>
-          <p:nvPr>
-            <p:ph type="hdr" sz="quarter" idx="11"/>
+              <a:t>Test Driven Cookbook Development</a:t>
+            </a:r>
+            <a:endParaRPr lang="en-US"/>
+          </a:p>
+        </p:txBody>
+      </p:sp>
+      <p:sp>
+        <p:nvSpPr>
+          <p:cNvPr id="7" name="Date Placeholder 6"/>
+          <p:cNvSpPr>
+            <a:spLocks noGrp="1"/>
+          </p:cNvSpPr>
+          <p:nvPr>
+            <p:ph type="dt" idx="13"/>
           </p:nvPr>
         </p:nvSpPr>
         <p:spPr/>
@@ -5220,29 +4559,11 @@
             <a:pPr>
               <a:defRPr/>
             </a:pPr>
-            <a:endParaRPr lang="en-US"/>
-          </a:p>
-        </p:txBody>
-      </p:sp>
-      <p:sp>
-        <p:nvSpPr>
-          <p:cNvPr id="6" name="Footer Placeholder 5"/>
-          <p:cNvSpPr>
-            <a:spLocks noGrp="1"/>
-          </p:cNvSpPr>
-          <p:nvPr>
-            <p:ph type="ftr" sz="quarter" idx="12"/>
-          </p:nvPr>
-        </p:nvSpPr>
-        <p:spPr/>
-        <p:txBody>
-          <a:bodyPr/>
-          <a:lstStyle/>
-          <a:p>
-            <a:pPr>
-              <a:defRPr/>
-            </a:pPr>
-            <a:endParaRPr lang="en-US"/>
+            <a:r>
+              <a:rPr lang="en-US" smtClean="0"/>
+              <a:t>Chef Software, Inc.</a:t>
+            </a:r>
+            <a:endParaRPr lang="en-US" dirty="0"/>
           </a:p>
         </p:txBody>
       </p:sp>
@@ -5337,12 +4658,12 @@
       </p:sp>
       <p:sp>
         <p:nvSpPr>
-          <p:cNvPr id="4" name="Slide Number Placeholder 3"/>
-          <p:cNvSpPr>
-            <a:spLocks noGrp="1"/>
-          </p:cNvSpPr>
-          <p:nvPr>
-            <p:ph type="sldNum" sz="quarter" idx="10"/>
+          <p:cNvPr id="5" name="Header Placeholder 4"/>
+          <p:cNvSpPr>
+            <a:spLocks noGrp="1"/>
+          </p:cNvSpPr>
+          <p:nvPr>
+            <p:ph type="hdr" sz="quarter" idx="11"/>
           </p:nvPr>
         </p:nvSpPr>
         <p:spPr/>
@@ -5353,25 +4674,22 @@
             <a:pPr>
               <a:defRPr/>
             </a:pPr>
-            <a:fld id="{DC3734AA-3150-D947-AC52-2F5DF48BFCD5}" type="slidenum">
+            <a:r>
               <a:rPr lang="en-US" smtClean="0"/>
-              <a:pPr>
-                <a:defRPr/>
-              </a:pPr>
-              <a:t>35</a:t>
-            </a:fld>
-            <a:endParaRPr lang="en-US" dirty="0"/>
-          </a:p>
-        </p:txBody>
-      </p:sp>
-      <p:sp>
-        <p:nvSpPr>
-          <p:cNvPr id="5" name="Header Placeholder 4"/>
-          <p:cNvSpPr>
-            <a:spLocks noGrp="1"/>
-          </p:cNvSpPr>
-          <p:nvPr>
-            <p:ph type="hdr" sz="quarter" idx="11"/>
+              <a:t>Test Driven Cookbook Development</a:t>
+            </a:r>
+            <a:endParaRPr lang="en-US"/>
+          </a:p>
+        </p:txBody>
+      </p:sp>
+      <p:sp>
+        <p:nvSpPr>
+          <p:cNvPr id="7" name="Date Placeholder 6"/>
+          <p:cNvSpPr>
+            <a:spLocks noGrp="1"/>
+          </p:cNvSpPr>
+          <p:nvPr>
+            <p:ph type="dt" idx="13"/>
           </p:nvPr>
         </p:nvSpPr>
         <p:spPr/>
@@ -5382,29 +4700,11 @@
             <a:pPr>
               <a:defRPr/>
             </a:pPr>
-            <a:endParaRPr lang="en-US"/>
-          </a:p>
-        </p:txBody>
-      </p:sp>
-      <p:sp>
-        <p:nvSpPr>
-          <p:cNvPr id="6" name="Footer Placeholder 5"/>
-          <p:cNvSpPr>
-            <a:spLocks noGrp="1"/>
-          </p:cNvSpPr>
-          <p:nvPr>
-            <p:ph type="ftr" sz="quarter" idx="12"/>
-          </p:nvPr>
-        </p:nvSpPr>
-        <p:spPr/>
-        <p:txBody>
-          <a:bodyPr/>
-          <a:lstStyle/>
-          <a:p>
-            <a:pPr>
-              <a:defRPr/>
-            </a:pPr>
-            <a:endParaRPr lang="en-US"/>
+            <a:r>
+              <a:rPr lang="en-US" smtClean="0"/>
+              <a:t>Chef Software, Inc.</a:t>
+            </a:r>
+            <a:endParaRPr lang="en-US" dirty="0"/>
           </a:p>
         </p:txBody>
       </p:sp>
@@ -5496,12 +4796,12 @@
       </p:sp>
       <p:sp>
         <p:nvSpPr>
-          <p:cNvPr id="4" name="Slide Number Placeholder 3"/>
-          <p:cNvSpPr>
-            <a:spLocks noGrp="1"/>
-          </p:cNvSpPr>
-          <p:nvPr>
-            <p:ph type="sldNum" sz="quarter" idx="10"/>
+          <p:cNvPr id="5" name="Header Placeholder 4"/>
+          <p:cNvSpPr>
+            <a:spLocks noGrp="1"/>
+          </p:cNvSpPr>
+          <p:nvPr>
+            <p:ph type="hdr" sz="quarter" idx="11"/>
           </p:nvPr>
         </p:nvSpPr>
         <p:spPr/>
@@ -5512,25 +4812,22 @@
             <a:pPr>
               <a:defRPr/>
             </a:pPr>
-            <a:fld id="{DC3734AA-3150-D947-AC52-2F5DF48BFCD5}" type="slidenum">
+            <a:r>
               <a:rPr lang="en-US" smtClean="0"/>
-              <a:pPr>
-                <a:defRPr/>
-              </a:pPr>
-              <a:t>36</a:t>
-            </a:fld>
-            <a:endParaRPr lang="en-US" dirty="0"/>
-          </a:p>
-        </p:txBody>
-      </p:sp>
-      <p:sp>
-        <p:nvSpPr>
-          <p:cNvPr id="5" name="Header Placeholder 4"/>
-          <p:cNvSpPr>
-            <a:spLocks noGrp="1"/>
-          </p:cNvSpPr>
-          <p:nvPr>
-            <p:ph type="hdr" sz="quarter" idx="11"/>
+              <a:t>Test Driven Cookbook Development</a:t>
+            </a:r>
+            <a:endParaRPr lang="en-US"/>
+          </a:p>
+        </p:txBody>
+      </p:sp>
+      <p:sp>
+        <p:nvSpPr>
+          <p:cNvPr id="7" name="Date Placeholder 6"/>
+          <p:cNvSpPr>
+            <a:spLocks noGrp="1"/>
+          </p:cNvSpPr>
+          <p:nvPr>
+            <p:ph type="dt" idx="13"/>
           </p:nvPr>
         </p:nvSpPr>
         <p:spPr/>
@@ -5541,29 +4838,11 @@
             <a:pPr>
               <a:defRPr/>
             </a:pPr>
-            <a:endParaRPr lang="en-US"/>
-          </a:p>
-        </p:txBody>
-      </p:sp>
-      <p:sp>
-        <p:nvSpPr>
-          <p:cNvPr id="6" name="Footer Placeholder 5"/>
-          <p:cNvSpPr>
-            <a:spLocks noGrp="1"/>
-          </p:cNvSpPr>
-          <p:nvPr>
-            <p:ph type="ftr" sz="quarter" idx="12"/>
-          </p:nvPr>
-        </p:nvSpPr>
-        <p:spPr/>
-        <p:txBody>
-          <a:bodyPr/>
-          <a:lstStyle/>
-          <a:p>
-            <a:pPr>
-              <a:defRPr/>
-            </a:pPr>
-            <a:endParaRPr lang="en-US"/>
+            <a:r>
+              <a:rPr lang="en-US" smtClean="0"/>
+              <a:t>Chef Software, Inc.</a:t>
+            </a:r>
+            <a:endParaRPr lang="en-US" dirty="0"/>
           </a:p>
         </p:txBody>
       </p:sp>
@@ -5673,12 +4952,12 @@
       </p:sp>
       <p:sp>
         <p:nvSpPr>
-          <p:cNvPr id="4" name="Slide Number Placeholder 3"/>
-          <p:cNvSpPr>
-            <a:spLocks noGrp="1"/>
-          </p:cNvSpPr>
-          <p:nvPr>
-            <p:ph type="sldNum" sz="quarter" idx="10"/>
+          <p:cNvPr id="5" name="Header Placeholder 4"/>
+          <p:cNvSpPr>
+            <a:spLocks noGrp="1"/>
+          </p:cNvSpPr>
+          <p:nvPr>
+            <p:ph type="hdr" sz="quarter" idx="11"/>
           </p:nvPr>
         </p:nvSpPr>
         <p:spPr/>
@@ -5689,25 +4968,22 @@
             <a:pPr>
               <a:defRPr/>
             </a:pPr>
-            <a:fld id="{DC3734AA-3150-D947-AC52-2F5DF48BFCD5}" type="slidenum">
+            <a:r>
               <a:rPr lang="en-US" smtClean="0"/>
-              <a:pPr>
-                <a:defRPr/>
-              </a:pPr>
-              <a:t>37</a:t>
-            </a:fld>
-            <a:endParaRPr lang="en-US" dirty="0"/>
-          </a:p>
-        </p:txBody>
-      </p:sp>
-      <p:sp>
-        <p:nvSpPr>
-          <p:cNvPr id="5" name="Header Placeholder 4"/>
-          <p:cNvSpPr>
-            <a:spLocks noGrp="1"/>
-          </p:cNvSpPr>
-          <p:nvPr>
-            <p:ph type="hdr" sz="quarter" idx="11"/>
+              <a:t>Test Driven Cookbook Development</a:t>
+            </a:r>
+            <a:endParaRPr lang="en-US"/>
+          </a:p>
+        </p:txBody>
+      </p:sp>
+      <p:sp>
+        <p:nvSpPr>
+          <p:cNvPr id="7" name="Date Placeholder 6"/>
+          <p:cNvSpPr>
+            <a:spLocks noGrp="1"/>
+          </p:cNvSpPr>
+          <p:nvPr>
+            <p:ph type="dt" idx="13"/>
           </p:nvPr>
         </p:nvSpPr>
         <p:spPr/>
@@ -5718,29 +4994,11 @@
             <a:pPr>
               <a:defRPr/>
             </a:pPr>
-            <a:endParaRPr lang="en-US"/>
-          </a:p>
-        </p:txBody>
-      </p:sp>
-      <p:sp>
-        <p:nvSpPr>
-          <p:cNvPr id="6" name="Footer Placeholder 5"/>
-          <p:cNvSpPr>
-            <a:spLocks noGrp="1"/>
-          </p:cNvSpPr>
-          <p:nvPr>
-            <p:ph type="ftr" sz="quarter" idx="12"/>
-          </p:nvPr>
-        </p:nvSpPr>
-        <p:spPr/>
-        <p:txBody>
-          <a:bodyPr/>
-          <a:lstStyle/>
-          <a:p>
-            <a:pPr>
-              <a:defRPr/>
-            </a:pPr>
-            <a:endParaRPr lang="en-US"/>
+            <a:r>
+              <a:rPr lang="en-US" smtClean="0"/>
+              <a:t>Chef Software, Inc.</a:t>
+            </a:r>
+            <a:endParaRPr lang="en-US" dirty="0"/>
           </a:p>
         </p:txBody>
       </p:sp>
@@ -5814,12 +5072,12 @@
       </p:sp>
       <p:sp>
         <p:nvSpPr>
-          <p:cNvPr id="4" name="Slide Number Placeholder 3"/>
-          <p:cNvSpPr>
-            <a:spLocks noGrp="1"/>
-          </p:cNvSpPr>
-          <p:nvPr>
-            <p:ph type="sldNum" sz="quarter" idx="10"/>
+          <p:cNvPr id="5" name="Header Placeholder 4"/>
+          <p:cNvSpPr>
+            <a:spLocks noGrp="1"/>
+          </p:cNvSpPr>
+          <p:nvPr>
+            <p:ph type="hdr" sz="quarter" idx="11"/>
           </p:nvPr>
         </p:nvSpPr>
         <p:spPr/>
@@ -5830,25 +5088,22 @@
             <a:pPr>
               <a:defRPr/>
             </a:pPr>
-            <a:fld id="{DC3734AA-3150-D947-AC52-2F5DF48BFCD5}" type="slidenum">
+            <a:r>
               <a:rPr lang="en-US" smtClean="0"/>
-              <a:pPr>
-                <a:defRPr/>
-              </a:pPr>
-              <a:t>38</a:t>
-            </a:fld>
-            <a:endParaRPr lang="en-US" dirty="0"/>
-          </a:p>
-        </p:txBody>
-      </p:sp>
-      <p:sp>
-        <p:nvSpPr>
-          <p:cNvPr id="5" name="Header Placeholder 4"/>
-          <p:cNvSpPr>
-            <a:spLocks noGrp="1"/>
-          </p:cNvSpPr>
-          <p:nvPr>
-            <p:ph type="hdr" sz="quarter" idx="11"/>
+              <a:t>Test Driven Cookbook Development</a:t>
+            </a:r>
+            <a:endParaRPr lang="en-US"/>
+          </a:p>
+        </p:txBody>
+      </p:sp>
+      <p:sp>
+        <p:nvSpPr>
+          <p:cNvPr id="7" name="Date Placeholder 6"/>
+          <p:cNvSpPr>
+            <a:spLocks noGrp="1"/>
+          </p:cNvSpPr>
+          <p:nvPr>
+            <p:ph type="dt" idx="13"/>
           </p:nvPr>
         </p:nvSpPr>
         <p:spPr/>
@@ -5859,29 +5114,11 @@
             <a:pPr>
               <a:defRPr/>
             </a:pPr>
-            <a:endParaRPr lang="en-US"/>
-          </a:p>
-        </p:txBody>
-      </p:sp>
-      <p:sp>
-        <p:nvSpPr>
-          <p:cNvPr id="6" name="Footer Placeholder 5"/>
-          <p:cNvSpPr>
-            <a:spLocks noGrp="1"/>
-          </p:cNvSpPr>
-          <p:nvPr>
-            <p:ph type="ftr" sz="quarter" idx="12"/>
-          </p:nvPr>
-        </p:nvSpPr>
-        <p:spPr/>
-        <p:txBody>
-          <a:bodyPr/>
-          <a:lstStyle/>
-          <a:p>
-            <a:pPr>
-              <a:defRPr/>
-            </a:pPr>
-            <a:endParaRPr lang="en-US"/>
+            <a:r>
+              <a:rPr lang="en-US" smtClean="0"/>
+              <a:t>Chef Software, Inc.</a:t>
+            </a:r>
+            <a:endParaRPr lang="en-US" dirty="0"/>
           </a:p>
         </p:txBody>
       </p:sp>
@@ -5956,12 +5193,12 @@
       </p:sp>
       <p:sp>
         <p:nvSpPr>
-          <p:cNvPr id="4" name="Slide Number Placeholder 3"/>
-          <p:cNvSpPr>
-            <a:spLocks noGrp="1"/>
-          </p:cNvSpPr>
-          <p:nvPr>
-            <p:ph type="sldNum" sz="quarter" idx="10"/>
+          <p:cNvPr id="5" name="Header Placeholder 4"/>
+          <p:cNvSpPr>
+            <a:spLocks noGrp="1"/>
+          </p:cNvSpPr>
+          <p:nvPr>
+            <p:ph type="hdr" sz="quarter" idx="11"/>
           </p:nvPr>
         </p:nvSpPr>
         <p:spPr/>
@@ -5972,25 +5209,22 @@
             <a:pPr>
               <a:defRPr/>
             </a:pPr>
-            <a:fld id="{DC3734AA-3150-D947-AC52-2F5DF48BFCD5}" type="slidenum">
+            <a:r>
               <a:rPr lang="en-US" smtClean="0"/>
-              <a:pPr>
-                <a:defRPr/>
-              </a:pPr>
-              <a:t>39</a:t>
-            </a:fld>
-            <a:endParaRPr lang="en-US" dirty="0"/>
-          </a:p>
-        </p:txBody>
-      </p:sp>
-      <p:sp>
-        <p:nvSpPr>
-          <p:cNvPr id="5" name="Header Placeholder 4"/>
-          <p:cNvSpPr>
-            <a:spLocks noGrp="1"/>
-          </p:cNvSpPr>
-          <p:nvPr>
-            <p:ph type="hdr" sz="quarter" idx="11"/>
+              <a:t>Test Driven Cookbook Development</a:t>
+            </a:r>
+            <a:endParaRPr lang="en-US"/>
+          </a:p>
+        </p:txBody>
+      </p:sp>
+      <p:sp>
+        <p:nvSpPr>
+          <p:cNvPr id="7" name="Date Placeholder 6"/>
+          <p:cNvSpPr>
+            <a:spLocks noGrp="1"/>
+          </p:cNvSpPr>
+          <p:nvPr>
+            <p:ph type="dt" idx="13"/>
           </p:nvPr>
         </p:nvSpPr>
         <p:spPr/>
@@ -6001,29 +5235,11 @@
             <a:pPr>
               <a:defRPr/>
             </a:pPr>
-            <a:endParaRPr lang="en-US"/>
-          </a:p>
-        </p:txBody>
-      </p:sp>
-      <p:sp>
-        <p:nvSpPr>
-          <p:cNvPr id="6" name="Footer Placeholder 5"/>
-          <p:cNvSpPr>
-            <a:spLocks noGrp="1"/>
-          </p:cNvSpPr>
-          <p:nvPr>
-            <p:ph type="ftr" sz="quarter" idx="12"/>
-          </p:nvPr>
-        </p:nvSpPr>
-        <p:spPr/>
-        <p:txBody>
-          <a:bodyPr/>
-          <a:lstStyle/>
-          <a:p>
-            <a:pPr>
-              <a:defRPr/>
-            </a:pPr>
-            <a:endParaRPr lang="en-US"/>
+            <a:r>
+              <a:rPr lang="en-US" smtClean="0"/>
+              <a:t>Chef Software, Inc.</a:t>
+            </a:r>
+            <a:endParaRPr lang="en-US" dirty="0"/>
           </a:p>
         </p:txBody>
       </p:sp>
@@ -6138,12 +5354,12 @@
       </p:sp>
       <p:sp>
         <p:nvSpPr>
-          <p:cNvPr id="4" name="Slide Number Placeholder 3"/>
-          <p:cNvSpPr>
-            <a:spLocks noGrp="1"/>
-          </p:cNvSpPr>
-          <p:nvPr>
-            <p:ph type="sldNum" sz="quarter" idx="10"/>
+          <p:cNvPr id="5" name="Header Placeholder 4"/>
+          <p:cNvSpPr>
+            <a:spLocks noGrp="1"/>
+          </p:cNvSpPr>
+          <p:nvPr>
+            <p:ph type="hdr" sz="quarter" idx="11"/>
           </p:nvPr>
         </p:nvSpPr>
         <p:spPr/>
@@ -6154,25 +5370,22 @@
             <a:pPr>
               <a:defRPr/>
             </a:pPr>
-            <a:fld id="{DC3734AA-3150-D947-AC52-2F5DF48BFCD5}" type="slidenum">
+            <a:r>
               <a:rPr lang="en-US" smtClean="0"/>
-              <a:pPr>
-                <a:defRPr/>
-              </a:pPr>
-              <a:t>4</a:t>
-            </a:fld>
-            <a:endParaRPr lang="en-US" dirty="0"/>
-          </a:p>
-        </p:txBody>
-      </p:sp>
-      <p:sp>
-        <p:nvSpPr>
-          <p:cNvPr id="5" name="Header Placeholder 4"/>
-          <p:cNvSpPr>
-            <a:spLocks noGrp="1"/>
-          </p:cNvSpPr>
-          <p:nvPr>
-            <p:ph type="hdr" sz="quarter" idx="11"/>
+              <a:t>Test Driven Cookbook Development</a:t>
+            </a:r>
+            <a:endParaRPr lang="en-US"/>
+          </a:p>
+        </p:txBody>
+      </p:sp>
+      <p:sp>
+        <p:nvSpPr>
+          <p:cNvPr id="7" name="Date Placeholder 6"/>
+          <p:cNvSpPr>
+            <a:spLocks noGrp="1"/>
+          </p:cNvSpPr>
+          <p:nvPr>
+            <p:ph type="dt" idx="13"/>
           </p:nvPr>
         </p:nvSpPr>
         <p:spPr/>
@@ -6183,29 +5396,11 @@
             <a:pPr>
               <a:defRPr/>
             </a:pPr>
-            <a:endParaRPr lang="en-US"/>
-          </a:p>
-        </p:txBody>
-      </p:sp>
-      <p:sp>
-        <p:nvSpPr>
-          <p:cNvPr id="6" name="Footer Placeholder 5"/>
-          <p:cNvSpPr>
-            <a:spLocks noGrp="1"/>
-          </p:cNvSpPr>
-          <p:nvPr>
-            <p:ph type="ftr" sz="quarter" idx="12"/>
-          </p:nvPr>
-        </p:nvSpPr>
-        <p:spPr/>
-        <p:txBody>
-          <a:bodyPr/>
-          <a:lstStyle/>
-          <a:p>
-            <a:pPr>
-              <a:defRPr/>
-            </a:pPr>
-            <a:endParaRPr lang="en-US"/>
+            <a:r>
+              <a:rPr lang="en-US" smtClean="0"/>
+              <a:t>Chef Software, Inc.</a:t>
+            </a:r>
+            <a:endParaRPr lang="en-US" dirty="0"/>
           </a:p>
         </p:txBody>
       </p:sp>
@@ -6280,12 +5475,12 @@
       </p:sp>
       <p:sp>
         <p:nvSpPr>
-          <p:cNvPr id="4" name="Slide Number Placeholder 3"/>
-          <p:cNvSpPr>
-            <a:spLocks noGrp="1"/>
-          </p:cNvSpPr>
-          <p:nvPr>
-            <p:ph type="sldNum" sz="quarter" idx="10"/>
+          <p:cNvPr id="5" name="Header Placeholder 4"/>
+          <p:cNvSpPr>
+            <a:spLocks noGrp="1"/>
+          </p:cNvSpPr>
+          <p:nvPr>
+            <p:ph type="hdr" sz="quarter" idx="11"/>
           </p:nvPr>
         </p:nvSpPr>
         <p:spPr/>
@@ -6296,25 +5491,22 @@
             <a:pPr>
               <a:defRPr/>
             </a:pPr>
-            <a:fld id="{DC3734AA-3150-D947-AC52-2F5DF48BFCD5}" type="slidenum">
+            <a:r>
               <a:rPr lang="en-US" smtClean="0"/>
-              <a:pPr>
-                <a:defRPr/>
-              </a:pPr>
-              <a:t>40</a:t>
-            </a:fld>
-            <a:endParaRPr lang="en-US" dirty="0"/>
-          </a:p>
-        </p:txBody>
-      </p:sp>
-      <p:sp>
-        <p:nvSpPr>
-          <p:cNvPr id="5" name="Header Placeholder 4"/>
-          <p:cNvSpPr>
-            <a:spLocks noGrp="1"/>
-          </p:cNvSpPr>
-          <p:nvPr>
-            <p:ph type="hdr" sz="quarter" idx="11"/>
+              <a:t>Test Driven Cookbook Development</a:t>
+            </a:r>
+            <a:endParaRPr lang="en-US"/>
+          </a:p>
+        </p:txBody>
+      </p:sp>
+      <p:sp>
+        <p:nvSpPr>
+          <p:cNvPr id="7" name="Date Placeholder 6"/>
+          <p:cNvSpPr>
+            <a:spLocks noGrp="1"/>
+          </p:cNvSpPr>
+          <p:nvPr>
+            <p:ph type="dt" idx="13"/>
           </p:nvPr>
         </p:nvSpPr>
         <p:spPr/>
@@ -6325,29 +5517,11 @@
             <a:pPr>
               <a:defRPr/>
             </a:pPr>
-            <a:endParaRPr lang="en-US"/>
-          </a:p>
-        </p:txBody>
-      </p:sp>
-      <p:sp>
-        <p:nvSpPr>
-          <p:cNvPr id="6" name="Footer Placeholder 5"/>
-          <p:cNvSpPr>
-            <a:spLocks noGrp="1"/>
-          </p:cNvSpPr>
-          <p:nvPr>
-            <p:ph type="ftr" sz="quarter" idx="12"/>
-          </p:nvPr>
-        </p:nvSpPr>
-        <p:spPr/>
-        <p:txBody>
-          <a:bodyPr/>
-          <a:lstStyle/>
-          <a:p>
-            <a:pPr>
-              <a:defRPr/>
-            </a:pPr>
-            <a:endParaRPr lang="en-US"/>
+            <a:r>
+              <a:rPr lang="en-US" smtClean="0"/>
+              <a:t>Chef Software, Inc.</a:t>
+            </a:r>
+            <a:endParaRPr lang="en-US" dirty="0"/>
           </a:p>
         </p:txBody>
       </p:sp>
@@ -6421,12 +5595,12 @@
       </p:sp>
       <p:sp>
         <p:nvSpPr>
-          <p:cNvPr id="4" name="Slide Number Placeholder 3"/>
-          <p:cNvSpPr>
-            <a:spLocks noGrp="1"/>
-          </p:cNvSpPr>
-          <p:nvPr>
-            <p:ph type="sldNum" sz="quarter" idx="10"/>
+          <p:cNvPr id="5" name="Header Placeholder 4"/>
+          <p:cNvSpPr>
+            <a:spLocks noGrp="1"/>
+          </p:cNvSpPr>
+          <p:nvPr>
+            <p:ph type="hdr" sz="quarter" idx="11"/>
           </p:nvPr>
         </p:nvSpPr>
         <p:spPr/>
@@ -6437,25 +5611,22 @@
             <a:pPr>
               <a:defRPr/>
             </a:pPr>
-            <a:fld id="{DC3734AA-3150-D947-AC52-2F5DF48BFCD5}" type="slidenum">
+            <a:r>
               <a:rPr lang="en-US" smtClean="0"/>
-              <a:pPr>
-                <a:defRPr/>
-              </a:pPr>
-              <a:t>41</a:t>
-            </a:fld>
-            <a:endParaRPr lang="en-US" dirty="0"/>
-          </a:p>
-        </p:txBody>
-      </p:sp>
-      <p:sp>
-        <p:nvSpPr>
-          <p:cNvPr id="5" name="Header Placeholder 4"/>
-          <p:cNvSpPr>
-            <a:spLocks noGrp="1"/>
-          </p:cNvSpPr>
-          <p:nvPr>
-            <p:ph type="hdr" sz="quarter" idx="11"/>
+              <a:t>Test Driven Cookbook Development</a:t>
+            </a:r>
+            <a:endParaRPr lang="en-US"/>
+          </a:p>
+        </p:txBody>
+      </p:sp>
+      <p:sp>
+        <p:nvSpPr>
+          <p:cNvPr id="7" name="Date Placeholder 6"/>
+          <p:cNvSpPr>
+            <a:spLocks noGrp="1"/>
+          </p:cNvSpPr>
+          <p:nvPr>
+            <p:ph type="dt" idx="13"/>
           </p:nvPr>
         </p:nvSpPr>
         <p:spPr/>
@@ -6466,29 +5637,11 @@
             <a:pPr>
               <a:defRPr/>
             </a:pPr>
-            <a:endParaRPr lang="en-US"/>
-          </a:p>
-        </p:txBody>
-      </p:sp>
-      <p:sp>
-        <p:nvSpPr>
-          <p:cNvPr id="6" name="Footer Placeholder 5"/>
-          <p:cNvSpPr>
-            <a:spLocks noGrp="1"/>
-          </p:cNvSpPr>
-          <p:nvPr>
-            <p:ph type="ftr" sz="quarter" idx="12"/>
-          </p:nvPr>
-        </p:nvSpPr>
-        <p:spPr/>
-        <p:txBody>
-          <a:bodyPr/>
-          <a:lstStyle/>
-          <a:p>
-            <a:pPr>
-              <a:defRPr/>
-            </a:pPr>
-            <a:endParaRPr lang="en-US"/>
+            <a:r>
+              <a:rPr lang="en-US" smtClean="0"/>
+              <a:t>Chef Software, Inc.</a:t>
+            </a:r>
+            <a:endParaRPr lang="en-US" dirty="0"/>
           </a:p>
         </p:txBody>
       </p:sp>
@@ -6563,12 +5716,12 @@
       </p:sp>
       <p:sp>
         <p:nvSpPr>
-          <p:cNvPr id="4" name="Slide Number Placeholder 3"/>
-          <p:cNvSpPr>
-            <a:spLocks noGrp="1"/>
-          </p:cNvSpPr>
-          <p:nvPr>
-            <p:ph type="sldNum" sz="quarter" idx="10"/>
+          <p:cNvPr id="5" name="Header Placeholder 4"/>
+          <p:cNvSpPr>
+            <a:spLocks noGrp="1"/>
+          </p:cNvSpPr>
+          <p:nvPr>
+            <p:ph type="hdr" sz="quarter" idx="11"/>
           </p:nvPr>
         </p:nvSpPr>
         <p:spPr/>
@@ -6579,25 +5732,22 @@
             <a:pPr>
               <a:defRPr/>
             </a:pPr>
-            <a:fld id="{DC3734AA-3150-D947-AC52-2F5DF48BFCD5}" type="slidenum">
+            <a:r>
               <a:rPr lang="en-US" smtClean="0"/>
-              <a:pPr>
-                <a:defRPr/>
-              </a:pPr>
-              <a:t>42</a:t>
-            </a:fld>
-            <a:endParaRPr lang="en-US" dirty="0"/>
-          </a:p>
-        </p:txBody>
-      </p:sp>
-      <p:sp>
-        <p:nvSpPr>
-          <p:cNvPr id="5" name="Header Placeholder 4"/>
-          <p:cNvSpPr>
-            <a:spLocks noGrp="1"/>
-          </p:cNvSpPr>
-          <p:nvPr>
-            <p:ph type="hdr" sz="quarter" idx="11"/>
+              <a:t>Test Driven Cookbook Development</a:t>
+            </a:r>
+            <a:endParaRPr lang="en-US"/>
+          </a:p>
+        </p:txBody>
+      </p:sp>
+      <p:sp>
+        <p:nvSpPr>
+          <p:cNvPr id="7" name="Date Placeholder 6"/>
+          <p:cNvSpPr>
+            <a:spLocks noGrp="1"/>
+          </p:cNvSpPr>
+          <p:nvPr>
+            <p:ph type="dt" idx="13"/>
           </p:nvPr>
         </p:nvSpPr>
         <p:spPr/>
@@ -6608,29 +5758,11 @@
             <a:pPr>
               <a:defRPr/>
             </a:pPr>
-            <a:endParaRPr lang="en-US"/>
-          </a:p>
-        </p:txBody>
-      </p:sp>
-      <p:sp>
-        <p:nvSpPr>
-          <p:cNvPr id="6" name="Footer Placeholder 5"/>
-          <p:cNvSpPr>
-            <a:spLocks noGrp="1"/>
-          </p:cNvSpPr>
-          <p:nvPr>
-            <p:ph type="ftr" sz="quarter" idx="12"/>
-          </p:nvPr>
-        </p:nvSpPr>
-        <p:spPr/>
-        <p:txBody>
-          <a:bodyPr/>
-          <a:lstStyle/>
-          <a:p>
-            <a:pPr>
-              <a:defRPr/>
-            </a:pPr>
-            <a:endParaRPr lang="en-US"/>
+            <a:r>
+              <a:rPr lang="en-US" smtClean="0"/>
+              <a:t>Chef Software, Inc.</a:t>
+            </a:r>
+            <a:endParaRPr lang="en-US" dirty="0"/>
           </a:p>
         </p:txBody>
       </p:sp>
@@ -6722,12 +5854,12 @@
       </p:sp>
       <p:sp>
         <p:nvSpPr>
-          <p:cNvPr id="4" name="Slide Number Placeholder 3"/>
-          <p:cNvSpPr>
-            <a:spLocks noGrp="1"/>
-          </p:cNvSpPr>
-          <p:nvPr>
-            <p:ph type="sldNum" sz="quarter" idx="10"/>
+          <p:cNvPr id="5" name="Header Placeholder 4"/>
+          <p:cNvSpPr>
+            <a:spLocks noGrp="1"/>
+          </p:cNvSpPr>
+          <p:nvPr>
+            <p:ph type="hdr" sz="quarter" idx="11"/>
           </p:nvPr>
         </p:nvSpPr>
         <p:spPr/>
@@ -6738,25 +5870,22 @@
             <a:pPr>
               <a:defRPr/>
             </a:pPr>
-            <a:fld id="{DC3734AA-3150-D947-AC52-2F5DF48BFCD5}" type="slidenum">
+            <a:r>
               <a:rPr lang="en-US" smtClean="0"/>
-              <a:pPr>
-                <a:defRPr/>
-              </a:pPr>
-              <a:t>43</a:t>
-            </a:fld>
-            <a:endParaRPr lang="en-US" dirty="0"/>
-          </a:p>
-        </p:txBody>
-      </p:sp>
-      <p:sp>
-        <p:nvSpPr>
-          <p:cNvPr id="5" name="Header Placeholder 4"/>
-          <p:cNvSpPr>
-            <a:spLocks noGrp="1"/>
-          </p:cNvSpPr>
-          <p:nvPr>
-            <p:ph type="hdr" sz="quarter" idx="11"/>
+              <a:t>Test Driven Cookbook Development</a:t>
+            </a:r>
+            <a:endParaRPr lang="en-US"/>
+          </a:p>
+        </p:txBody>
+      </p:sp>
+      <p:sp>
+        <p:nvSpPr>
+          <p:cNvPr id="7" name="Date Placeholder 6"/>
+          <p:cNvSpPr>
+            <a:spLocks noGrp="1"/>
+          </p:cNvSpPr>
+          <p:nvPr>
+            <p:ph type="dt" idx="13"/>
           </p:nvPr>
         </p:nvSpPr>
         <p:spPr/>
@@ -6767,29 +5896,11 @@
             <a:pPr>
               <a:defRPr/>
             </a:pPr>
-            <a:endParaRPr lang="en-US"/>
-          </a:p>
-        </p:txBody>
-      </p:sp>
-      <p:sp>
-        <p:nvSpPr>
-          <p:cNvPr id="6" name="Footer Placeholder 5"/>
-          <p:cNvSpPr>
-            <a:spLocks noGrp="1"/>
-          </p:cNvSpPr>
-          <p:nvPr>
-            <p:ph type="ftr" sz="quarter" idx="12"/>
-          </p:nvPr>
-        </p:nvSpPr>
-        <p:spPr/>
-        <p:txBody>
-          <a:bodyPr/>
-          <a:lstStyle/>
-          <a:p>
-            <a:pPr>
-              <a:defRPr/>
-            </a:pPr>
-            <a:endParaRPr lang="en-US"/>
+            <a:r>
+              <a:rPr lang="en-US" smtClean="0"/>
+              <a:t>Chef Software, Inc.</a:t>
+            </a:r>
+            <a:endParaRPr lang="en-US" dirty="0"/>
           </a:p>
         </p:txBody>
       </p:sp>
@@ -6882,12 +5993,12 @@
       </p:sp>
       <p:sp>
         <p:nvSpPr>
-          <p:cNvPr id="4" name="Slide Number Placeholder 3"/>
-          <p:cNvSpPr>
-            <a:spLocks noGrp="1"/>
-          </p:cNvSpPr>
-          <p:nvPr>
-            <p:ph type="sldNum" sz="quarter" idx="10"/>
+          <p:cNvPr id="5" name="Header Placeholder 4"/>
+          <p:cNvSpPr>
+            <a:spLocks noGrp="1"/>
+          </p:cNvSpPr>
+          <p:nvPr>
+            <p:ph type="hdr" sz="quarter" idx="11"/>
           </p:nvPr>
         </p:nvSpPr>
         <p:spPr/>
@@ -6898,25 +6009,22 @@
             <a:pPr>
               <a:defRPr/>
             </a:pPr>
-            <a:fld id="{DC3734AA-3150-D947-AC52-2F5DF48BFCD5}" type="slidenum">
+            <a:r>
               <a:rPr lang="en-US" smtClean="0"/>
-              <a:pPr>
-                <a:defRPr/>
-              </a:pPr>
-              <a:t>44</a:t>
-            </a:fld>
-            <a:endParaRPr lang="en-US" dirty="0"/>
-          </a:p>
-        </p:txBody>
-      </p:sp>
-      <p:sp>
-        <p:nvSpPr>
-          <p:cNvPr id="5" name="Header Placeholder 4"/>
-          <p:cNvSpPr>
-            <a:spLocks noGrp="1"/>
-          </p:cNvSpPr>
-          <p:nvPr>
-            <p:ph type="hdr" sz="quarter" idx="11"/>
+              <a:t>Test Driven Cookbook Development</a:t>
+            </a:r>
+            <a:endParaRPr lang="en-US"/>
+          </a:p>
+        </p:txBody>
+      </p:sp>
+      <p:sp>
+        <p:nvSpPr>
+          <p:cNvPr id="7" name="Date Placeholder 6"/>
+          <p:cNvSpPr>
+            <a:spLocks noGrp="1"/>
+          </p:cNvSpPr>
+          <p:nvPr>
+            <p:ph type="dt" idx="13"/>
           </p:nvPr>
         </p:nvSpPr>
         <p:spPr/>
@@ -6927,29 +6035,11 @@
             <a:pPr>
               <a:defRPr/>
             </a:pPr>
-            <a:endParaRPr lang="en-US"/>
-          </a:p>
-        </p:txBody>
-      </p:sp>
-      <p:sp>
-        <p:nvSpPr>
-          <p:cNvPr id="6" name="Footer Placeholder 5"/>
-          <p:cNvSpPr>
-            <a:spLocks noGrp="1"/>
-          </p:cNvSpPr>
-          <p:nvPr>
-            <p:ph type="ftr" sz="quarter" idx="12"/>
-          </p:nvPr>
-        </p:nvSpPr>
-        <p:spPr/>
-        <p:txBody>
-          <a:bodyPr/>
-          <a:lstStyle/>
-          <a:p>
-            <a:pPr>
-              <a:defRPr/>
-            </a:pPr>
-            <a:endParaRPr lang="en-US"/>
+            <a:r>
+              <a:rPr lang="en-US" smtClean="0"/>
+              <a:t>Chef Software, Inc.</a:t>
+            </a:r>
+            <a:endParaRPr lang="en-US" dirty="0"/>
           </a:p>
         </p:txBody>
       </p:sp>
@@ -7034,12 +6124,12 @@
       </p:sp>
       <p:sp>
         <p:nvSpPr>
-          <p:cNvPr id="4" name="Slide Number Placeholder 3"/>
-          <p:cNvSpPr>
-            <a:spLocks noGrp="1"/>
-          </p:cNvSpPr>
-          <p:nvPr>
-            <p:ph type="sldNum" sz="quarter" idx="10"/>
+          <p:cNvPr id="5" name="Header Placeholder 4"/>
+          <p:cNvSpPr>
+            <a:spLocks noGrp="1"/>
+          </p:cNvSpPr>
+          <p:nvPr>
+            <p:ph type="hdr" sz="quarter" idx="11"/>
           </p:nvPr>
         </p:nvSpPr>
         <p:spPr/>
@@ -7050,25 +6140,22 @@
             <a:pPr>
               <a:defRPr/>
             </a:pPr>
-            <a:fld id="{DC3734AA-3150-D947-AC52-2F5DF48BFCD5}" type="slidenum">
+            <a:r>
               <a:rPr lang="en-US" smtClean="0"/>
-              <a:pPr>
-                <a:defRPr/>
-              </a:pPr>
-              <a:t>45</a:t>
-            </a:fld>
-            <a:endParaRPr lang="en-US" dirty="0"/>
-          </a:p>
-        </p:txBody>
-      </p:sp>
-      <p:sp>
-        <p:nvSpPr>
-          <p:cNvPr id="5" name="Header Placeholder 4"/>
-          <p:cNvSpPr>
-            <a:spLocks noGrp="1"/>
-          </p:cNvSpPr>
-          <p:nvPr>
-            <p:ph type="hdr" sz="quarter" idx="11"/>
+              <a:t>Test Driven Cookbook Development</a:t>
+            </a:r>
+            <a:endParaRPr lang="en-US"/>
+          </a:p>
+        </p:txBody>
+      </p:sp>
+      <p:sp>
+        <p:nvSpPr>
+          <p:cNvPr id="7" name="Date Placeholder 6"/>
+          <p:cNvSpPr>
+            <a:spLocks noGrp="1"/>
+          </p:cNvSpPr>
+          <p:nvPr>
+            <p:ph type="dt" idx="13"/>
           </p:nvPr>
         </p:nvSpPr>
         <p:spPr/>
@@ -7079,29 +6166,11 @@
             <a:pPr>
               <a:defRPr/>
             </a:pPr>
-            <a:endParaRPr lang="en-US"/>
-          </a:p>
-        </p:txBody>
-      </p:sp>
-      <p:sp>
-        <p:nvSpPr>
-          <p:cNvPr id="6" name="Footer Placeholder 5"/>
-          <p:cNvSpPr>
-            <a:spLocks noGrp="1"/>
-          </p:cNvSpPr>
-          <p:nvPr>
-            <p:ph type="ftr" sz="quarter" idx="12"/>
-          </p:nvPr>
-        </p:nvSpPr>
-        <p:spPr/>
-        <p:txBody>
-          <a:bodyPr/>
-          <a:lstStyle/>
-          <a:p>
-            <a:pPr>
-              <a:defRPr/>
-            </a:pPr>
-            <a:endParaRPr lang="en-US"/>
+            <a:r>
+              <a:rPr lang="en-US" smtClean="0"/>
+              <a:t>Chef Software, Inc.</a:t>
+            </a:r>
+            <a:endParaRPr lang="en-US" dirty="0"/>
           </a:p>
         </p:txBody>
       </p:sp>
@@ -7176,12 +6245,12 @@
       </p:sp>
       <p:sp>
         <p:nvSpPr>
-          <p:cNvPr id="4" name="Slide Number Placeholder 3"/>
-          <p:cNvSpPr>
-            <a:spLocks noGrp="1"/>
-          </p:cNvSpPr>
-          <p:nvPr>
-            <p:ph type="sldNum" sz="quarter" idx="10"/>
+          <p:cNvPr id="5" name="Header Placeholder 4"/>
+          <p:cNvSpPr>
+            <a:spLocks noGrp="1"/>
+          </p:cNvSpPr>
+          <p:nvPr>
+            <p:ph type="hdr" sz="quarter" idx="11"/>
           </p:nvPr>
         </p:nvSpPr>
         <p:spPr/>
@@ -7192,25 +6261,22 @@
             <a:pPr>
               <a:defRPr/>
             </a:pPr>
-            <a:fld id="{DC3734AA-3150-D947-AC52-2F5DF48BFCD5}" type="slidenum">
+            <a:r>
               <a:rPr lang="en-US" smtClean="0"/>
-              <a:pPr>
-                <a:defRPr/>
-              </a:pPr>
-              <a:t>46</a:t>
-            </a:fld>
-            <a:endParaRPr lang="en-US" dirty="0"/>
-          </a:p>
-        </p:txBody>
-      </p:sp>
-      <p:sp>
-        <p:nvSpPr>
-          <p:cNvPr id="5" name="Header Placeholder 4"/>
-          <p:cNvSpPr>
-            <a:spLocks noGrp="1"/>
-          </p:cNvSpPr>
-          <p:nvPr>
-            <p:ph type="hdr" sz="quarter" idx="11"/>
+              <a:t>Test Driven Cookbook Development</a:t>
+            </a:r>
+            <a:endParaRPr lang="en-US"/>
+          </a:p>
+        </p:txBody>
+      </p:sp>
+      <p:sp>
+        <p:nvSpPr>
+          <p:cNvPr id="7" name="Date Placeholder 6"/>
+          <p:cNvSpPr>
+            <a:spLocks noGrp="1"/>
+          </p:cNvSpPr>
+          <p:nvPr>
+            <p:ph type="dt" idx="13"/>
           </p:nvPr>
         </p:nvSpPr>
         <p:spPr/>
@@ -7221,29 +6287,11 @@
             <a:pPr>
               <a:defRPr/>
             </a:pPr>
-            <a:endParaRPr lang="en-US"/>
-          </a:p>
-        </p:txBody>
-      </p:sp>
-      <p:sp>
-        <p:nvSpPr>
-          <p:cNvPr id="6" name="Footer Placeholder 5"/>
-          <p:cNvSpPr>
-            <a:spLocks noGrp="1"/>
-          </p:cNvSpPr>
-          <p:nvPr>
-            <p:ph type="ftr" sz="quarter" idx="12"/>
-          </p:nvPr>
-        </p:nvSpPr>
-        <p:spPr/>
-        <p:txBody>
-          <a:bodyPr/>
-          <a:lstStyle/>
-          <a:p>
-            <a:pPr>
-              <a:defRPr/>
-            </a:pPr>
-            <a:endParaRPr lang="en-US"/>
+            <a:r>
+              <a:rPr lang="en-US" smtClean="0"/>
+              <a:t>Chef Software, Inc.</a:t>
+            </a:r>
+            <a:endParaRPr lang="en-US" dirty="0"/>
           </a:p>
         </p:txBody>
       </p:sp>
@@ -7326,12 +6374,12 @@
       </p:sp>
       <p:sp>
         <p:nvSpPr>
-          <p:cNvPr id="4" name="Slide Number Placeholder 3"/>
-          <p:cNvSpPr>
-            <a:spLocks noGrp="1"/>
-          </p:cNvSpPr>
-          <p:nvPr>
-            <p:ph type="sldNum" sz="quarter" idx="10"/>
+          <p:cNvPr id="5" name="Header Placeholder 4"/>
+          <p:cNvSpPr>
+            <a:spLocks noGrp="1"/>
+          </p:cNvSpPr>
+          <p:nvPr>
+            <p:ph type="hdr" sz="quarter" idx="11"/>
           </p:nvPr>
         </p:nvSpPr>
         <p:spPr/>
@@ -7342,25 +6390,22 @@
             <a:pPr>
               <a:defRPr/>
             </a:pPr>
-            <a:fld id="{DC3734AA-3150-D947-AC52-2F5DF48BFCD5}" type="slidenum">
+            <a:r>
               <a:rPr lang="en-US" smtClean="0"/>
-              <a:pPr>
-                <a:defRPr/>
-              </a:pPr>
-              <a:t>47</a:t>
-            </a:fld>
-            <a:endParaRPr lang="en-US" dirty="0"/>
-          </a:p>
-        </p:txBody>
-      </p:sp>
-      <p:sp>
-        <p:nvSpPr>
-          <p:cNvPr id="5" name="Header Placeholder 4"/>
-          <p:cNvSpPr>
-            <a:spLocks noGrp="1"/>
-          </p:cNvSpPr>
-          <p:nvPr>
-            <p:ph type="hdr" sz="quarter" idx="11"/>
+              <a:t>Test Driven Cookbook Development</a:t>
+            </a:r>
+            <a:endParaRPr lang="en-US"/>
+          </a:p>
+        </p:txBody>
+      </p:sp>
+      <p:sp>
+        <p:nvSpPr>
+          <p:cNvPr id="7" name="Date Placeholder 6"/>
+          <p:cNvSpPr>
+            <a:spLocks noGrp="1"/>
+          </p:cNvSpPr>
+          <p:nvPr>
+            <p:ph type="dt" idx="13"/>
           </p:nvPr>
         </p:nvSpPr>
         <p:spPr/>
@@ -7371,29 +6416,11 @@
             <a:pPr>
               <a:defRPr/>
             </a:pPr>
-            <a:endParaRPr lang="en-US"/>
-          </a:p>
-        </p:txBody>
-      </p:sp>
-      <p:sp>
-        <p:nvSpPr>
-          <p:cNvPr id="6" name="Footer Placeholder 5"/>
-          <p:cNvSpPr>
-            <a:spLocks noGrp="1"/>
-          </p:cNvSpPr>
-          <p:nvPr>
-            <p:ph type="ftr" sz="quarter" idx="12"/>
-          </p:nvPr>
-        </p:nvSpPr>
-        <p:spPr/>
-        <p:txBody>
-          <a:bodyPr/>
-          <a:lstStyle/>
-          <a:p>
-            <a:pPr>
-              <a:defRPr/>
-            </a:pPr>
-            <a:endParaRPr lang="en-US"/>
+            <a:r>
+              <a:rPr lang="en-US" smtClean="0"/>
+              <a:t>Chef Software, Inc.</a:t>
+            </a:r>
+            <a:endParaRPr lang="en-US" dirty="0"/>
           </a:p>
         </p:txBody>
       </p:sp>
@@ -7477,12 +6504,12 @@
       </p:sp>
       <p:sp>
         <p:nvSpPr>
-          <p:cNvPr id="4" name="Slide Number Placeholder 3"/>
-          <p:cNvSpPr>
-            <a:spLocks noGrp="1"/>
-          </p:cNvSpPr>
-          <p:nvPr>
-            <p:ph type="sldNum" sz="quarter" idx="10"/>
+          <p:cNvPr id="5" name="Header Placeholder 4"/>
+          <p:cNvSpPr>
+            <a:spLocks noGrp="1"/>
+          </p:cNvSpPr>
+          <p:nvPr>
+            <p:ph type="hdr" sz="quarter" idx="11"/>
           </p:nvPr>
         </p:nvSpPr>
         <p:spPr/>
@@ -7493,25 +6520,22 @@
             <a:pPr>
               <a:defRPr/>
             </a:pPr>
-            <a:fld id="{DC3734AA-3150-D947-AC52-2F5DF48BFCD5}" type="slidenum">
+            <a:r>
               <a:rPr lang="en-US" smtClean="0"/>
-              <a:pPr>
-                <a:defRPr/>
-              </a:pPr>
-              <a:t>48</a:t>
-            </a:fld>
-            <a:endParaRPr lang="en-US" dirty="0"/>
-          </a:p>
-        </p:txBody>
-      </p:sp>
-      <p:sp>
-        <p:nvSpPr>
-          <p:cNvPr id="5" name="Header Placeholder 4"/>
-          <p:cNvSpPr>
-            <a:spLocks noGrp="1"/>
-          </p:cNvSpPr>
-          <p:nvPr>
-            <p:ph type="hdr" sz="quarter" idx="11"/>
+              <a:t>Test Driven Cookbook Development</a:t>
+            </a:r>
+            <a:endParaRPr lang="en-US"/>
+          </a:p>
+        </p:txBody>
+      </p:sp>
+      <p:sp>
+        <p:nvSpPr>
+          <p:cNvPr id="7" name="Date Placeholder 6"/>
+          <p:cNvSpPr>
+            <a:spLocks noGrp="1"/>
+          </p:cNvSpPr>
+          <p:nvPr>
+            <p:ph type="dt" idx="13"/>
           </p:nvPr>
         </p:nvSpPr>
         <p:spPr/>
@@ -7522,29 +6546,11 @@
             <a:pPr>
               <a:defRPr/>
             </a:pPr>
-            <a:endParaRPr lang="en-US"/>
-          </a:p>
-        </p:txBody>
-      </p:sp>
-      <p:sp>
-        <p:nvSpPr>
-          <p:cNvPr id="6" name="Footer Placeholder 5"/>
-          <p:cNvSpPr>
-            <a:spLocks noGrp="1"/>
-          </p:cNvSpPr>
-          <p:nvPr>
-            <p:ph type="ftr" sz="quarter" idx="12"/>
-          </p:nvPr>
-        </p:nvSpPr>
-        <p:spPr/>
-        <p:txBody>
-          <a:bodyPr/>
-          <a:lstStyle/>
-          <a:p>
-            <a:pPr>
-              <a:defRPr/>
-            </a:pPr>
-            <a:endParaRPr lang="en-US"/>
+            <a:r>
+              <a:rPr lang="en-US" smtClean="0"/>
+              <a:t>Chef Software, Inc.</a:t>
+            </a:r>
+            <a:endParaRPr lang="en-US" dirty="0"/>
           </a:p>
         </p:txBody>
       </p:sp>
@@ -7618,12 +6624,12 @@
       </p:sp>
       <p:sp>
         <p:nvSpPr>
-          <p:cNvPr id="4" name="Slide Number Placeholder 3"/>
-          <p:cNvSpPr>
-            <a:spLocks noGrp="1"/>
-          </p:cNvSpPr>
-          <p:nvPr>
-            <p:ph type="sldNum" sz="quarter" idx="10"/>
+          <p:cNvPr id="5" name="Header Placeholder 4"/>
+          <p:cNvSpPr>
+            <a:spLocks noGrp="1"/>
+          </p:cNvSpPr>
+          <p:nvPr>
+            <p:ph type="hdr" sz="quarter" idx="11"/>
           </p:nvPr>
         </p:nvSpPr>
         <p:spPr/>
@@ -7634,25 +6640,22 @@
             <a:pPr>
               <a:defRPr/>
             </a:pPr>
-            <a:fld id="{DC3734AA-3150-D947-AC52-2F5DF48BFCD5}" type="slidenum">
+            <a:r>
               <a:rPr lang="en-US" smtClean="0"/>
-              <a:pPr>
-                <a:defRPr/>
-              </a:pPr>
-              <a:t>49</a:t>
-            </a:fld>
-            <a:endParaRPr lang="en-US" dirty="0"/>
-          </a:p>
-        </p:txBody>
-      </p:sp>
-      <p:sp>
-        <p:nvSpPr>
-          <p:cNvPr id="5" name="Header Placeholder 4"/>
-          <p:cNvSpPr>
-            <a:spLocks noGrp="1"/>
-          </p:cNvSpPr>
-          <p:nvPr>
-            <p:ph type="hdr" sz="quarter" idx="11"/>
+              <a:t>Test Driven Cookbook Development</a:t>
+            </a:r>
+            <a:endParaRPr lang="en-US"/>
+          </a:p>
+        </p:txBody>
+      </p:sp>
+      <p:sp>
+        <p:nvSpPr>
+          <p:cNvPr id="7" name="Date Placeholder 6"/>
+          <p:cNvSpPr>
+            <a:spLocks noGrp="1"/>
+          </p:cNvSpPr>
+          <p:nvPr>
+            <p:ph type="dt" idx="13"/>
           </p:nvPr>
         </p:nvSpPr>
         <p:spPr/>
@@ -7663,29 +6666,11 @@
             <a:pPr>
               <a:defRPr/>
             </a:pPr>
-            <a:endParaRPr lang="en-US"/>
-          </a:p>
-        </p:txBody>
-      </p:sp>
-      <p:sp>
-        <p:nvSpPr>
-          <p:cNvPr id="6" name="Footer Placeholder 5"/>
-          <p:cNvSpPr>
-            <a:spLocks noGrp="1"/>
-          </p:cNvSpPr>
-          <p:nvPr>
-            <p:ph type="ftr" sz="quarter" idx="12"/>
-          </p:nvPr>
-        </p:nvSpPr>
-        <p:spPr/>
-        <p:txBody>
-          <a:bodyPr/>
-          <a:lstStyle/>
-          <a:p>
-            <a:pPr>
-              <a:defRPr/>
-            </a:pPr>
-            <a:endParaRPr lang="en-US"/>
+            <a:r>
+              <a:rPr lang="en-US" smtClean="0"/>
+              <a:t>Chef Software, Inc.</a:t>
+            </a:r>
+            <a:endParaRPr lang="en-US" dirty="0"/>
           </a:p>
         </p:txBody>
       </p:sp>
@@ -7768,12 +6753,12 @@
       </p:sp>
       <p:sp>
         <p:nvSpPr>
-          <p:cNvPr id="4" name="Slide Number Placeholder 3"/>
-          <p:cNvSpPr>
-            <a:spLocks noGrp="1"/>
-          </p:cNvSpPr>
-          <p:nvPr>
-            <p:ph type="sldNum" sz="quarter" idx="10"/>
+          <p:cNvPr id="5" name="Header Placeholder 4"/>
+          <p:cNvSpPr>
+            <a:spLocks noGrp="1"/>
+          </p:cNvSpPr>
+          <p:nvPr>
+            <p:ph type="hdr" sz="quarter" idx="11"/>
           </p:nvPr>
         </p:nvSpPr>
         <p:spPr/>
@@ -7784,25 +6769,22 @@
             <a:pPr>
               <a:defRPr/>
             </a:pPr>
-            <a:fld id="{DC3734AA-3150-D947-AC52-2F5DF48BFCD5}" type="slidenum">
+            <a:r>
               <a:rPr lang="en-US" smtClean="0"/>
-              <a:pPr>
-                <a:defRPr/>
-              </a:pPr>
-              <a:t>5</a:t>
-            </a:fld>
-            <a:endParaRPr lang="en-US" dirty="0"/>
-          </a:p>
-        </p:txBody>
-      </p:sp>
-      <p:sp>
-        <p:nvSpPr>
-          <p:cNvPr id="5" name="Header Placeholder 4"/>
-          <p:cNvSpPr>
-            <a:spLocks noGrp="1"/>
-          </p:cNvSpPr>
-          <p:nvPr>
-            <p:ph type="hdr" sz="quarter" idx="11"/>
+              <a:t>Test Driven Cookbook Development</a:t>
+            </a:r>
+            <a:endParaRPr lang="en-US"/>
+          </a:p>
+        </p:txBody>
+      </p:sp>
+      <p:sp>
+        <p:nvSpPr>
+          <p:cNvPr id="7" name="Date Placeholder 6"/>
+          <p:cNvSpPr>
+            <a:spLocks noGrp="1"/>
+          </p:cNvSpPr>
+          <p:nvPr>
+            <p:ph type="dt" idx="13"/>
           </p:nvPr>
         </p:nvSpPr>
         <p:spPr/>
@@ -7813,29 +6795,11 @@
             <a:pPr>
               <a:defRPr/>
             </a:pPr>
-            <a:endParaRPr lang="en-US"/>
-          </a:p>
-        </p:txBody>
-      </p:sp>
-      <p:sp>
-        <p:nvSpPr>
-          <p:cNvPr id="6" name="Footer Placeholder 5"/>
-          <p:cNvSpPr>
-            <a:spLocks noGrp="1"/>
-          </p:cNvSpPr>
-          <p:nvPr>
-            <p:ph type="ftr" sz="quarter" idx="12"/>
-          </p:nvPr>
-        </p:nvSpPr>
-        <p:spPr/>
-        <p:txBody>
-          <a:bodyPr/>
-          <a:lstStyle/>
-          <a:p>
-            <a:pPr>
-              <a:defRPr/>
-            </a:pPr>
-            <a:endParaRPr lang="en-US"/>
+            <a:r>
+              <a:rPr lang="en-US" smtClean="0"/>
+              <a:t>Chef Software, Inc.</a:t>
+            </a:r>
+            <a:endParaRPr lang="en-US" dirty="0"/>
           </a:p>
         </p:txBody>
       </p:sp>
@@ -7926,12 +6890,12 @@
       </p:sp>
       <p:sp>
         <p:nvSpPr>
-          <p:cNvPr id="4" name="Slide Number Placeholder 3"/>
-          <p:cNvSpPr>
-            <a:spLocks noGrp="1"/>
-          </p:cNvSpPr>
-          <p:nvPr>
-            <p:ph type="sldNum" sz="quarter" idx="10"/>
+          <p:cNvPr id="5" name="Header Placeholder 4"/>
+          <p:cNvSpPr>
+            <a:spLocks noGrp="1"/>
+          </p:cNvSpPr>
+          <p:nvPr>
+            <p:ph type="hdr" sz="quarter" idx="11"/>
           </p:nvPr>
         </p:nvSpPr>
         <p:spPr/>
@@ -7942,25 +6906,22 @@
             <a:pPr>
               <a:defRPr/>
             </a:pPr>
-            <a:fld id="{DC3734AA-3150-D947-AC52-2F5DF48BFCD5}" type="slidenum">
+            <a:r>
               <a:rPr lang="en-US" smtClean="0"/>
-              <a:pPr>
-                <a:defRPr/>
-              </a:pPr>
-              <a:t>50</a:t>
-            </a:fld>
-            <a:endParaRPr lang="en-US" dirty="0"/>
-          </a:p>
-        </p:txBody>
-      </p:sp>
-      <p:sp>
-        <p:nvSpPr>
-          <p:cNvPr id="5" name="Header Placeholder 4"/>
-          <p:cNvSpPr>
-            <a:spLocks noGrp="1"/>
-          </p:cNvSpPr>
-          <p:nvPr>
-            <p:ph type="hdr" sz="quarter" idx="11"/>
+              <a:t>Test Driven Cookbook Development</a:t>
+            </a:r>
+            <a:endParaRPr lang="en-US"/>
+          </a:p>
+        </p:txBody>
+      </p:sp>
+      <p:sp>
+        <p:nvSpPr>
+          <p:cNvPr id="7" name="Date Placeholder 6"/>
+          <p:cNvSpPr>
+            <a:spLocks noGrp="1"/>
+          </p:cNvSpPr>
+          <p:nvPr>
+            <p:ph type="dt" idx="13"/>
           </p:nvPr>
         </p:nvSpPr>
         <p:spPr/>
@@ -7971,29 +6932,11 @@
             <a:pPr>
               <a:defRPr/>
             </a:pPr>
-            <a:endParaRPr lang="en-US"/>
-          </a:p>
-        </p:txBody>
-      </p:sp>
-      <p:sp>
-        <p:nvSpPr>
-          <p:cNvPr id="6" name="Footer Placeholder 5"/>
-          <p:cNvSpPr>
-            <a:spLocks noGrp="1"/>
-          </p:cNvSpPr>
-          <p:nvPr>
-            <p:ph type="ftr" sz="quarter" idx="12"/>
-          </p:nvPr>
-        </p:nvSpPr>
-        <p:spPr/>
-        <p:txBody>
-          <a:bodyPr/>
-          <a:lstStyle/>
-          <a:p>
-            <a:pPr>
-              <a:defRPr/>
-            </a:pPr>
-            <a:endParaRPr lang="en-US"/>
+            <a:r>
+              <a:rPr lang="en-US" smtClean="0"/>
+              <a:t>Chef Software, Inc.</a:t>
+            </a:r>
+            <a:endParaRPr lang="en-US" dirty="0"/>
           </a:p>
         </p:txBody>
       </p:sp>
@@ -8085,12 +7028,12 @@
       </p:sp>
       <p:sp>
         <p:nvSpPr>
-          <p:cNvPr id="4" name="Slide Number Placeholder 3"/>
-          <p:cNvSpPr>
-            <a:spLocks noGrp="1"/>
-          </p:cNvSpPr>
-          <p:nvPr>
-            <p:ph type="sldNum" sz="quarter" idx="10"/>
+          <p:cNvPr id="5" name="Header Placeholder 4"/>
+          <p:cNvSpPr>
+            <a:spLocks noGrp="1"/>
+          </p:cNvSpPr>
+          <p:nvPr>
+            <p:ph type="hdr" sz="quarter" idx="11"/>
           </p:nvPr>
         </p:nvSpPr>
         <p:spPr/>
@@ -8101,25 +7044,22 @@
             <a:pPr>
               <a:defRPr/>
             </a:pPr>
-            <a:fld id="{DC3734AA-3150-D947-AC52-2F5DF48BFCD5}" type="slidenum">
+            <a:r>
               <a:rPr lang="en-US" smtClean="0"/>
-              <a:pPr>
-                <a:defRPr/>
-              </a:pPr>
-              <a:t>51</a:t>
-            </a:fld>
-            <a:endParaRPr lang="en-US" dirty="0"/>
-          </a:p>
-        </p:txBody>
-      </p:sp>
-      <p:sp>
-        <p:nvSpPr>
-          <p:cNvPr id="5" name="Header Placeholder 4"/>
-          <p:cNvSpPr>
-            <a:spLocks noGrp="1"/>
-          </p:cNvSpPr>
-          <p:nvPr>
-            <p:ph type="hdr" sz="quarter" idx="11"/>
+              <a:t>Test Driven Cookbook Development</a:t>
+            </a:r>
+            <a:endParaRPr lang="en-US"/>
+          </a:p>
+        </p:txBody>
+      </p:sp>
+      <p:sp>
+        <p:nvSpPr>
+          <p:cNvPr id="7" name="Date Placeholder 6"/>
+          <p:cNvSpPr>
+            <a:spLocks noGrp="1"/>
+          </p:cNvSpPr>
+          <p:nvPr>
+            <p:ph type="dt" idx="13"/>
           </p:nvPr>
         </p:nvSpPr>
         <p:spPr/>
@@ -8130,29 +7070,11 @@
             <a:pPr>
               <a:defRPr/>
             </a:pPr>
-            <a:endParaRPr lang="en-US"/>
-          </a:p>
-        </p:txBody>
-      </p:sp>
-      <p:sp>
-        <p:nvSpPr>
-          <p:cNvPr id="6" name="Footer Placeholder 5"/>
-          <p:cNvSpPr>
-            <a:spLocks noGrp="1"/>
-          </p:cNvSpPr>
-          <p:nvPr>
-            <p:ph type="ftr" sz="quarter" idx="12"/>
-          </p:nvPr>
-        </p:nvSpPr>
-        <p:spPr/>
-        <p:txBody>
-          <a:bodyPr/>
-          <a:lstStyle/>
-          <a:p>
-            <a:pPr>
-              <a:defRPr/>
-            </a:pPr>
-            <a:endParaRPr lang="en-US"/>
+            <a:r>
+              <a:rPr lang="en-US" smtClean="0"/>
+              <a:t>Chef Software, Inc.</a:t>
+            </a:r>
+            <a:endParaRPr lang="en-US" dirty="0"/>
           </a:p>
         </p:txBody>
       </p:sp>
@@ -8239,12 +7161,12 @@
       </p:sp>
       <p:sp>
         <p:nvSpPr>
-          <p:cNvPr id="4" name="Slide Number Placeholder 3"/>
-          <p:cNvSpPr>
-            <a:spLocks noGrp="1"/>
-          </p:cNvSpPr>
-          <p:nvPr>
-            <p:ph type="sldNum" sz="quarter" idx="10"/>
+          <p:cNvPr id="5" name="Header Placeholder 4"/>
+          <p:cNvSpPr>
+            <a:spLocks noGrp="1"/>
+          </p:cNvSpPr>
+          <p:nvPr>
+            <p:ph type="hdr" sz="quarter" idx="11"/>
           </p:nvPr>
         </p:nvSpPr>
         <p:spPr/>
@@ -8255,25 +7177,22 @@
             <a:pPr>
               <a:defRPr/>
             </a:pPr>
-            <a:fld id="{DC3734AA-3150-D947-AC52-2F5DF48BFCD5}" type="slidenum">
+            <a:r>
               <a:rPr lang="en-US" smtClean="0"/>
-              <a:pPr>
-                <a:defRPr/>
-              </a:pPr>
-              <a:t>52</a:t>
-            </a:fld>
-            <a:endParaRPr lang="en-US" dirty="0"/>
-          </a:p>
-        </p:txBody>
-      </p:sp>
-      <p:sp>
-        <p:nvSpPr>
-          <p:cNvPr id="5" name="Header Placeholder 4"/>
-          <p:cNvSpPr>
-            <a:spLocks noGrp="1"/>
-          </p:cNvSpPr>
-          <p:nvPr>
-            <p:ph type="hdr" sz="quarter" idx="11"/>
+              <a:t>Test Driven Cookbook Development</a:t>
+            </a:r>
+            <a:endParaRPr lang="en-US"/>
+          </a:p>
+        </p:txBody>
+      </p:sp>
+      <p:sp>
+        <p:nvSpPr>
+          <p:cNvPr id="7" name="Date Placeholder 6"/>
+          <p:cNvSpPr>
+            <a:spLocks noGrp="1"/>
+          </p:cNvSpPr>
+          <p:nvPr>
+            <p:ph type="dt" idx="13"/>
           </p:nvPr>
         </p:nvSpPr>
         <p:spPr/>
@@ -8284,29 +7203,11 @@
             <a:pPr>
               <a:defRPr/>
             </a:pPr>
-            <a:endParaRPr lang="en-US"/>
-          </a:p>
-        </p:txBody>
-      </p:sp>
-      <p:sp>
-        <p:nvSpPr>
-          <p:cNvPr id="6" name="Footer Placeholder 5"/>
-          <p:cNvSpPr>
-            <a:spLocks noGrp="1"/>
-          </p:cNvSpPr>
-          <p:nvPr>
-            <p:ph type="ftr" sz="quarter" idx="12"/>
-          </p:nvPr>
-        </p:nvSpPr>
-        <p:spPr/>
-        <p:txBody>
-          <a:bodyPr/>
-          <a:lstStyle/>
-          <a:p>
-            <a:pPr>
-              <a:defRPr/>
-            </a:pPr>
-            <a:endParaRPr lang="en-US"/>
+            <a:r>
+              <a:rPr lang="en-US" smtClean="0"/>
+              <a:t>Chef Software, Inc.</a:t>
+            </a:r>
+            <a:endParaRPr lang="en-US" dirty="0"/>
           </a:p>
         </p:txBody>
       </p:sp>
@@ -8314,6 +7215,119 @@
     <p:extLst>
       <p:ext uri="{BB962C8B-B14F-4D97-AF65-F5344CB8AC3E}">
         <p14:creationId xmlns:p14="http://schemas.microsoft.com/office/powerpoint/2010/main" val="1517940205"/>
+      </p:ext>
+    </p:extLst>
+  </p:cSld>
+  <p:clrMapOvr>
+    <a:masterClrMapping/>
+  </p:clrMapOvr>
+</p:notes>
+</file>
+
+<file path=ppt/notesSlides/notesSlide53.xml><?xml version="1.0" encoding="utf-8"?>
+<p:notes xmlns:a="http://schemas.openxmlformats.org/drawingml/2006/main" xmlns:r="http://schemas.openxmlformats.org/officeDocument/2006/relationships" xmlns:p="http://schemas.openxmlformats.org/presentationml/2006/main">
+  <p:cSld>
+    <p:spTree>
+      <p:nvGrpSpPr>
+        <p:cNvPr id="1" name=""/>
+        <p:cNvGrpSpPr/>
+        <p:nvPr/>
+      </p:nvGrpSpPr>
+      <p:grpSpPr>
+        <a:xfrm>
+          <a:off x="0" y="0"/>
+          <a:ext cx="0" cy="0"/>
+          <a:chOff x="0" y="0"/>
+          <a:chExt cx="0" cy="0"/>
+        </a:xfrm>
+      </p:grpSpPr>
+      <p:sp>
+        <p:nvSpPr>
+          <p:cNvPr id="2" name="Slide Image Placeholder 1"/>
+          <p:cNvSpPr>
+            <a:spLocks noGrp="1" noRot="1" noChangeAspect="1"/>
+          </p:cNvSpPr>
+          <p:nvPr>
+            <p:ph type="sldImg"/>
+          </p:nvPr>
+        </p:nvSpPr>
+        <p:spPr/>
+      </p:sp>
+      <p:sp>
+        <p:nvSpPr>
+          <p:cNvPr id="3" name="Notes Placeholder 2"/>
+          <p:cNvSpPr>
+            <a:spLocks noGrp="1"/>
+          </p:cNvSpPr>
+          <p:nvPr>
+            <p:ph type="body" idx="1"/>
+          </p:nvPr>
+        </p:nvSpPr>
+        <p:spPr/>
+        <p:txBody>
+          <a:bodyPr/>
+          <a:lstStyle/>
+          <a:p>
+            <a:endParaRPr lang="en-US"/>
+          </a:p>
+        </p:txBody>
+      </p:sp>
+      <p:sp>
+        <p:nvSpPr>
+          <p:cNvPr id="4" name="Date Placeholder 3"/>
+          <p:cNvSpPr>
+            <a:spLocks noGrp="1"/>
+          </p:cNvSpPr>
+          <p:nvPr>
+            <p:ph type="dt" idx="10"/>
+          </p:nvPr>
+        </p:nvSpPr>
+        <p:spPr/>
+        <p:txBody>
+          <a:bodyPr/>
+          <a:lstStyle/>
+          <a:p>
+            <a:pPr>
+              <a:defRPr/>
+            </a:pPr>
+            <a:r>
+              <a:rPr lang="en-US" smtClean="0"/>
+              <a:t>Chef Software, Inc.</a:t>
+            </a:r>
+            <a:endParaRPr lang="en-US" dirty="0"/>
+          </a:p>
+        </p:txBody>
+      </p:sp>
+      <p:sp>
+        <p:nvSpPr>
+          <p:cNvPr id="5" name="Header Placeholder 4"/>
+          <p:cNvSpPr>
+            <a:spLocks noGrp="1"/>
+          </p:cNvSpPr>
+          <p:nvPr>
+            <p:ph type="hdr" sz="quarter" idx="11"/>
+          </p:nvPr>
+        </p:nvSpPr>
+        <p:spPr/>
+        <p:txBody>
+          <a:bodyPr/>
+          <a:lstStyle/>
+          <a:p>
+            <a:pPr>
+              <a:defRPr/>
+            </a:pPr>
+            <a:r>
+              <a:rPr lang="en-US" smtClean="0"/>
+              <a:t>Test Driven Cookbook Development</a:t>
+            </a:r>
+            <a:endParaRPr lang="en-US"/>
+          </a:p>
+        </p:txBody>
+      </p:sp>
+    </p:spTree>
+    <p:extLst>
+      <p:ext uri="{BB962C8B-B14F-4D97-AF65-F5344CB8AC3E}">
+        <p14:creationId xmlns:p14="http://schemas.microsoft.com/office/powerpoint/2010/main" val="1776815781"/>
       </p:ext>
     </p:extLst>
   </p:cSld>
@@ -8401,12 +7415,12 @@
       </p:sp>
       <p:sp>
         <p:nvSpPr>
-          <p:cNvPr id="4" name="Slide Number Placeholder 3"/>
-          <p:cNvSpPr>
-            <a:spLocks noGrp="1"/>
-          </p:cNvSpPr>
-          <p:nvPr>
-            <p:ph type="sldNum" sz="quarter" idx="10"/>
+          <p:cNvPr id="5" name="Header Placeholder 4"/>
+          <p:cNvSpPr>
+            <a:spLocks noGrp="1"/>
+          </p:cNvSpPr>
+          <p:nvPr>
+            <p:ph type="hdr" sz="quarter" idx="11"/>
           </p:nvPr>
         </p:nvSpPr>
         <p:spPr/>
@@ -8417,25 +7431,22 @@
             <a:pPr>
               <a:defRPr/>
             </a:pPr>
-            <a:fld id="{DC3734AA-3150-D947-AC52-2F5DF48BFCD5}" type="slidenum">
+            <a:r>
               <a:rPr lang="en-US" smtClean="0"/>
-              <a:pPr>
-                <a:defRPr/>
-              </a:pPr>
-              <a:t>6</a:t>
-            </a:fld>
-            <a:endParaRPr lang="en-US" dirty="0"/>
-          </a:p>
-        </p:txBody>
-      </p:sp>
-      <p:sp>
-        <p:nvSpPr>
-          <p:cNvPr id="5" name="Header Placeholder 4"/>
-          <p:cNvSpPr>
-            <a:spLocks noGrp="1"/>
-          </p:cNvSpPr>
-          <p:nvPr>
-            <p:ph type="hdr" sz="quarter" idx="11"/>
+              <a:t>Test Driven Cookbook Development</a:t>
+            </a:r>
+            <a:endParaRPr lang="en-US"/>
+          </a:p>
+        </p:txBody>
+      </p:sp>
+      <p:sp>
+        <p:nvSpPr>
+          <p:cNvPr id="7" name="Date Placeholder 6"/>
+          <p:cNvSpPr>
+            <a:spLocks noGrp="1"/>
+          </p:cNvSpPr>
+          <p:nvPr>
+            <p:ph type="dt" idx="13"/>
           </p:nvPr>
         </p:nvSpPr>
         <p:spPr/>
@@ -8446,29 +7457,11 @@
             <a:pPr>
               <a:defRPr/>
             </a:pPr>
-            <a:endParaRPr lang="en-US"/>
-          </a:p>
-        </p:txBody>
-      </p:sp>
-      <p:sp>
-        <p:nvSpPr>
-          <p:cNvPr id="6" name="Footer Placeholder 5"/>
-          <p:cNvSpPr>
-            <a:spLocks noGrp="1"/>
-          </p:cNvSpPr>
-          <p:nvPr>
-            <p:ph type="ftr" sz="quarter" idx="12"/>
-          </p:nvPr>
-        </p:nvSpPr>
-        <p:spPr/>
-        <p:txBody>
-          <a:bodyPr/>
-          <a:lstStyle/>
-          <a:p>
-            <a:pPr>
-              <a:defRPr/>
-            </a:pPr>
-            <a:endParaRPr lang="en-US"/>
+            <a:r>
+              <a:rPr lang="en-US" smtClean="0"/>
+              <a:t>Chef Software, Inc.</a:t>
+            </a:r>
+            <a:endParaRPr lang="en-US" dirty="0"/>
           </a:p>
         </p:txBody>
       </p:sp>
@@ -8551,12 +7544,12 @@
       </p:sp>
       <p:sp>
         <p:nvSpPr>
-          <p:cNvPr id="4" name="Slide Number Placeholder 3"/>
-          <p:cNvSpPr>
-            <a:spLocks noGrp="1"/>
-          </p:cNvSpPr>
-          <p:nvPr>
-            <p:ph type="sldNum" sz="quarter" idx="10"/>
+          <p:cNvPr id="5" name="Header Placeholder 4"/>
+          <p:cNvSpPr>
+            <a:spLocks noGrp="1"/>
+          </p:cNvSpPr>
+          <p:nvPr>
+            <p:ph type="hdr" sz="quarter" idx="11"/>
           </p:nvPr>
         </p:nvSpPr>
         <p:spPr/>
@@ -8567,25 +7560,22 @@
             <a:pPr>
               <a:defRPr/>
             </a:pPr>
-            <a:fld id="{DC3734AA-3150-D947-AC52-2F5DF48BFCD5}" type="slidenum">
+            <a:r>
               <a:rPr lang="en-US" smtClean="0"/>
-              <a:pPr>
-                <a:defRPr/>
-              </a:pPr>
-              <a:t>7</a:t>
-            </a:fld>
-            <a:endParaRPr lang="en-US" dirty="0"/>
-          </a:p>
-        </p:txBody>
-      </p:sp>
-      <p:sp>
-        <p:nvSpPr>
-          <p:cNvPr id="5" name="Header Placeholder 4"/>
-          <p:cNvSpPr>
-            <a:spLocks noGrp="1"/>
-          </p:cNvSpPr>
-          <p:nvPr>
-            <p:ph type="hdr" sz="quarter" idx="11"/>
+              <a:t>Test Driven Cookbook Development</a:t>
+            </a:r>
+            <a:endParaRPr lang="en-US"/>
+          </a:p>
+        </p:txBody>
+      </p:sp>
+      <p:sp>
+        <p:nvSpPr>
+          <p:cNvPr id="7" name="Date Placeholder 6"/>
+          <p:cNvSpPr>
+            <a:spLocks noGrp="1"/>
+          </p:cNvSpPr>
+          <p:nvPr>
+            <p:ph type="dt" idx="13"/>
           </p:nvPr>
         </p:nvSpPr>
         <p:spPr/>
@@ -8596,29 +7586,11 @@
             <a:pPr>
               <a:defRPr/>
             </a:pPr>
-            <a:endParaRPr lang="en-US"/>
-          </a:p>
-        </p:txBody>
-      </p:sp>
-      <p:sp>
-        <p:nvSpPr>
-          <p:cNvPr id="6" name="Footer Placeholder 5"/>
-          <p:cNvSpPr>
-            <a:spLocks noGrp="1"/>
-          </p:cNvSpPr>
-          <p:nvPr>
-            <p:ph type="ftr" sz="quarter" idx="12"/>
-          </p:nvPr>
-        </p:nvSpPr>
-        <p:spPr/>
-        <p:txBody>
-          <a:bodyPr/>
-          <a:lstStyle/>
-          <a:p>
-            <a:pPr>
-              <a:defRPr/>
-            </a:pPr>
-            <a:endParaRPr lang="en-US"/>
+            <a:r>
+              <a:rPr lang="en-US" smtClean="0"/>
+              <a:t>Chef Software, Inc.</a:t>
+            </a:r>
+            <a:endParaRPr lang="en-US" dirty="0"/>
           </a:p>
         </p:txBody>
       </p:sp>
@@ -8692,12 +7664,12 @@
       </p:sp>
       <p:sp>
         <p:nvSpPr>
-          <p:cNvPr id="4" name="Slide Number Placeholder 3"/>
-          <p:cNvSpPr>
-            <a:spLocks noGrp="1"/>
-          </p:cNvSpPr>
-          <p:nvPr>
-            <p:ph type="sldNum" sz="quarter" idx="10"/>
+          <p:cNvPr id="5" name="Header Placeholder 4"/>
+          <p:cNvSpPr>
+            <a:spLocks noGrp="1"/>
+          </p:cNvSpPr>
+          <p:nvPr>
+            <p:ph type="hdr" sz="quarter" idx="11"/>
           </p:nvPr>
         </p:nvSpPr>
         <p:spPr/>
@@ -8708,25 +7680,22 @@
             <a:pPr>
               <a:defRPr/>
             </a:pPr>
-            <a:fld id="{DC3734AA-3150-D947-AC52-2F5DF48BFCD5}" type="slidenum">
+            <a:r>
               <a:rPr lang="en-US" smtClean="0"/>
-              <a:pPr>
-                <a:defRPr/>
-              </a:pPr>
-              <a:t>8</a:t>
-            </a:fld>
-            <a:endParaRPr lang="en-US" dirty="0"/>
-          </a:p>
-        </p:txBody>
-      </p:sp>
-      <p:sp>
-        <p:nvSpPr>
-          <p:cNvPr id="5" name="Header Placeholder 4"/>
-          <p:cNvSpPr>
-            <a:spLocks noGrp="1"/>
-          </p:cNvSpPr>
-          <p:nvPr>
-            <p:ph type="hdr" sz="quarter" idx="11"/>
+              <a:t>Test Driven Cookbook Development</a:t>
+            </a:r>
+            <a:endParaRPr lang="en-US"/>
+          </a:p>
+        </p:txBody>
+      </p:sp>
+      <p:sp>
+        <p:nvSpPr>
+          <p:cNvPr id="7" name="Date Placeholder 6"/>
+          <p:cNvSpPr>
+            <a:spLocks noGrp="1"/>
+          </p:cNvSpPr>
+          <p:nvPr>
+            <p:ph type="dt" idx="13"/>
           </p:nvPr>
         </p:nvSpPr>
         <p:spPr/>
@@ -8737,29 +7706,11 @@
             <a:pPr>
               <a:defRPr/>
             </a:pPr>
-            <a:endParaRPr lang="en-US"/>
-          </a:p>
-        </p:txBody>
-      </p:sp>
-      <p:sp>
-        <p:nvSpPr>
-          <p:cNvPr id="6" name="Footer Placeholder 5"/>
-          <p:cNvSpPr>
-            <a:spLocks noGrp="1"/>
-          </p:cNvSpPr>
-          <p:nvPr>
-            <p:ph type="ftr" sz="quarter" idx="12"/>
-          </p:nvPr>
-        </p:nvSpPr>
-        <p:spPr/>
-        <p:txBody>
-          <a:bodyPr/>
-          <a:lstStyle/>
-          <a:p>
-            <a:pPr>
-              <a:defRPr/>
-            </a:pPr>
-            <a:endParaRPr lang="en-US"/>
+            <a:r>
+              <a:rPr lang="en-US" smtClean="0"/>
+              <a:t>Chef Software, Inc.</a:t>
+            </a:r>
+            <a:endParaRPr lang="en-US" dirty="0"/>
           </a:p>
         </p:txBody>
       </p:sp>
@@ -8843,12 +7794,12 @@
       </p:sp>
       <p:sp>
         <p:nvSpPr>
-          <p:cNvPr id="4" name="Slide Number Placeholder 3"/>
-          <p:cNvSpPr>
-            <a:spLocks noGrp="1"/>
-          </p:cNvSpPr>
-          <p:nvPr>
-            <p:ph type="sldNum" sz="quarter" idx="10"/>
+          <p:cNvPr id="5" name="Header Placeholder 4"/>
+          <p:cNvSpPr>
+            <a:spLocks noGrp="1"/>
+          </p:cNvSpPr>
+          <p:nvPr>
+            <p:ph type="hdr" sz="quarter" idx="11"/>
           </p:nvPr>
         </p:nvSpPr>
         <p:spPr/>
@@ -8859,25 +7810,22 @@
             <a:pPr>
               <a:defRPr/>
             </a:pPr>
-            <a:fld id="{DC3734AA-3150-D947-AC52-2F5DF48BFCD5}" type="slidenum">
+            <a:r>
               <a:rPr lang="en-US" smtClean="0"/>
-              <a:pPr>
-                <a:defRPr/>
-              </a:pPr>
-              <a:t>9</a:t>
-            </a:fld>
-            <a:endParaRPr lang="en-US" dirty="0"/>
-          </a:p>
-        </p:txBody>
-      </p:sp>
-      <p:sp>
-        <p:nvSpPr>
-          <p:cNvPr id="5" name="Header Placeholder 4"/>
-          <p:cNvSpPr>
-            <a:spLocks noGrp="1"/>
-          </p:cNvSpPr>
-          <p:nvPr>
-            <p:ph type="hdr" sz="quarter" idx="11"/>
+              <a:t>Test Driven Cookbook Development</a:t>
+            </a:r>
+            <a:endParaRPr lang="en-US"/>
+          </a:p>
+        </p:txBody>
+      </p:sp>
+      <p:sp>
+        <p:nvSpPr>
+          <p:cNvPr id="7" name="Date Placeholder 6"/>
+          <p:cNvSpPr>
+            <a:spLocks noGrp="1"/>
+          </p:cNvSpPr>
+          <p:nvPr>
+            <p:ph type="dt" idx="13"/>
           </p:nvPr>
         </p:nvSpPr>
         <p:spPr/>
@@ -8888,29 +7836,11 @@
             <a:pPr>
               <a:defRPr/>
             </a:pPr>
-            <a:endParaRPr lang="en-US"/>
-          </a:p>
-        </p:txBody>
-      </p:sp>
-      <p:sp>
-        <p:nvSpPr>
-          <p:cNvPr id="6" name="Footer Placeholder 5"/>
-          <p:cNvSpPr>
-            <a:spLocks noGrp="1"/>
-          </p:cNvSpPr>
-          <p:nvPr>
-            <p:ph type="ftr" sz="quarter" idx="12"/>
-          </p:nvPr>
-        </p:nvSpPr>
-        <p:spPr/>
-        <p:txBody>
-          <a:bodyPr/>
-          <a:lstStyle/>
-          <a:p>
-            <a:pPr>
-              <a:defRPr/>
-            </a:pPr>
-            <a:endParaRPr lang="en-US"/>
+            <a:r>
+              <a:rPr lang="en-US" smtClean="0"/>
+              <a:t>Chef Software, Inc.</a:t>
+            </a:r>
+            <a:endParaRPr lang="en-US" dirty="0"/>
           </a:p>
         </p:txBody>
       </p:sp>
@@ -9064,7 +7994,7 @@
   <p:clrMapOvr>
     <a:masterClrMapping/>
   </p:clrMapOvr>
-  <p:transition xmlns:p14="http://schemas.microsoft.com/office/powerpoint/2010/main" spd="med">
+  <p:transition spd="med">
     <p:fade/>
   </p:transition>
 </p:sldLayout>
@@ -9359,7 +8289,7 @@
   <p:clrMapOvr>
     <a:overrideClrMapping bg1="lt1" tx1="dk1" bg2="lt2" tx2="dk2" accent1="accent1" accent2="accent2" accent3="accent3" accent4="accent4" accent5="accent5" accent6="accent6" hlink="hlink" folHlink="folHlink"/>
   </p:clrMapOvr>
-  <p:transition xmlns:p14="http://schemas.microsoft.com/office/powerpoint/2010/main" spd="med">
+  <p:transition spd="med">
     <p:fade/>
   </p:transition>
 </p:sldLayout>
@@ -9492,14 +8422,14 @@
           </a:ln>
           <a:extLst>
             <a:ext uri="{909E8E84-426E-40dd-AFC4-6F175D3DCCD1}">
-              <a14:hiddenFill xmlns:a14="http://schemas.microsoft.com/office/drawing/2010/main">
+              <a14:hiddenFill xmlns:a14="http://schemas.microsoft.com/office/drawing/2010/main" xmlns="">
                 <a:solidFill>
                   <a:srgbClr val="FFFFFF"/>
                 </a:solidFill>
               </a14:hiddenFill>
             </a:ext>
             <a:ext uri="{91240B29-F687-4f45-9708-019B960494DF}">
-              <a14:hiddenLine xmlns:a14="http://schemas.microsoft.com/office/drawing/2010/main" w="9525">
+              <a14:hiddenLine xmlns:a14="http://schemas.microsoft.com/office/drawing/2010/main" xmlns="" w="9525">
                 <a:solidFill>
                   <a:srgbClr val="000000"/>
                 </a:solidFill>
@@ -9647,14 +8577,14 @@
           </a:ln>
           <a:extLst>
             <a:ext uri="{909E8E84-426E-40dd-AFC4-6F175D3DCCD1}">
-              <a14:hiddenFill xmlns:a14="http://schemas.microsoft.com/office/drawing/2010/main">
+              <a14:hiddenFill xmlns:a14="http://schemas.microsoft.com/office/drawing/2010/main" xmlns="">
                 <a:solidFill>
                   <a:srgbClr val="FFFFFF"/>
                 </a:solidFill>
               </a14:hiddenFill>
             </a:ext>
             <a:ext uri="{91240B29-F687-4f45-9708-019B960494DF}">
-              <a14:hiddenLine xmlns:a14="http://schemas.microsoft.com/office/drawing/2010/main" w="9525">
+              <a14:hiddenLine xmlns:a14="http://schemas.microsoft.com/office/drawing/2010/main" xmlns="" w="9525">
                 <a:solidFill>
                   <a:srgbClr val="000000"/>
                 </a:solidFill>
@@ -10052,7 +8982,7 @@
   <p:clrMapOvr>
     <a:overrideClrMapping bg1="lt1" tx1="dk1" bg2="lt2" tx2="dk2" accent1="accent1" accent2="accent2" accent3="accent3" accent4="accent4" accent5="accent5" accent6="accent6" hlink="hlink" folHlink="folHlink"/>
   </p:clrMapOvr>
-  <p:transition xmlns:p14="http://schemas.microsoft.com/office/powerpoint/2010/main" spd="med">
+  <p:transition spd="med">
     <p:fade/>
   </p:transition>
 </p:sldLayout>
@@ -10145,14 +9075,14 @@
           </a:ln>
           <a:extLst>
             <a:ext uri="{909E8E84-426E-40dd-AFC4-6F175D3DCCD1}">
-              <a14:hiddenFill xmlns:a14="http://schemas.microsoft.com/office/drawing/2010/main">
+              <a14:hiddenFill xmlns:a14="http://schemas.microsoft.com/office/drawing/2010/main" xmlns="">
                 <a:solidFill>
                   <a:srgbClr val="FFFFFF"/>
                 </a:solidFill>
               </a14:hiddenFill>
             </a:ext>
             <a:ext uri="{91240B29-F687-4f45-9708-019B960494DF}">
-              <a14:hiddenLine xmlns:a14="http://schemas.microsoft.com/office/drawing/2010/main" w="9525">
+              <a14:hiddenLine xmlns:a14="http://schemas.microsoft.com/office/drawing/2010/main" xmlns="" w="9525">
                 <a:solidFill>
                   <a:srgbClr val="000000"/>
                 </a:solidFill>
@@ -10174,7 +9104,7 @@
   <p:clrMapOvr>
     <a:masterClrMapping/>
   </p:clrMapOvr>
-  <p:transition xmlns:p14="http://schemas.microsoft.com/office/powerpoint/2010/main" spd="med">
+  <p:transition spd="med">
     <p:fade/>
   </p:transition>
 </p:sldLayout>
@@ -10461,7 +9391,7 @@
   <p:clrMapOvr>
     <a:masterClrMapping/>
   </p:clrMapOvr>
-  <p:transition xmlns:p14="http://schemas.microsoft.com/office/powerpoint/2010/main" spd="med">
+  <p:transition spd="med">
     <p:fade/>
   </p:transition>
 </p:sldLayout>
@@ -10748,7 +9678,7 @@
   <p:clrMapOvr>
     <a:masterClrMapping/>
   </p:clrMapOvr>
-  <p:transition xmlns:p14="http://schemas.microsoft.com/office/powerpoint/2010/main" spd="med">
+  <p:transition spd="med">
     <p:fade/>
   </p:transition>
 </p:sldLayout>
@@ -11097,7 +10027,7 @@
   <p:clrMapOvr>
     <a:masterClrMapping/>
   </p:clrMapOvr>
-  <p:transition xmlns:p14="http://schemas.microsoft.com/office/powerpoint/2010/main" spd="med">
+  <p:transition spd="med">
     <p:fade/>
   </p:transition>
 </p:sldLayout>
@@ -11384,7 +10314,7 @@
   <p:clrMapOvr>
     <a:masterClrMapping/>
   </p:clrMapOvr>
-  <p:transition xmlns:p14="http://schemas.microsoft.com/office/powerpoint/2010/main" spd="med">
+  <p:transition spd="med">
     <p:fade/>
   </p:transition>
 </p:sldLayout>
@@ -11601,14 +10531,14 @@
           </a:ln>
           <a:extLst>
             <a:ext uri="{909E8E84-426E-40dd-AFC4-6F175D3DCCD1}">
-              <a14:hiddenFill xmlns:a14="http://schemas.microsoft.com/office/drawing/2010/main">
+              <a14:hiddenFill xmlns:a14="http://schemas.microsoft.com/office/drawing/2010/main" xmlns="">
                 <a:solidFill>
                   <a:srgbClr val="FFFFFF"/>
                 </a:solidFill>
               </a14:hiddenFill>
             </a:ext>
             <a:ext uri="{91240B29-F687-4f45-9708-019B960494DF}">
-              <a14:hiddenLine xmlns:a14="http://schemas.microsoft.com/office/drawing/2010/main" w="9525">
+              <a14:hiddenLine xmlns:a14="http://schemas.microsoft.com/office/drawing/2010/main" xmlns="" w="9525">
                 <a:solidFill>
                   <a:srgbClr val="000000"/>
                 </a:solidFill>
@@ -11805,7 +10735,7 @@
   <p:clrMapOvr>
     <a:masterClrMapping/>
   </p:clrMapOvr>
-  <p:transition xmlns:p14="http://schemas.microsoft.com/office/powerpoint/2010/main" spd="med">
+  <p:transition spd="med">
     <p:fade/>
   </p:transition>
 </p:sldLayout>
@@ -12093,7 +11023,7 @@
   <p:clrMapOvr>
     <a:masterClrMapping/>
   </p:clrMapOvr>
-  <p:transition xmlns:p14="http://schemas.microsoft.com/office/powerpoint/2010/main" spd="med">
+  <p:transition spd="med">
     <p:fade/>
   </p:transition>
 </p:sldLayout>
@@ -12405,7 +11335,7 @@
   <p:clrMapOvr>
     <a:masterClrMapping/>
   </p:clrMapOvr>
-  <p:transition xmlns:p14="http://schemas.microsoft.com/office/powerpoint/2010/main" spd="med">
+  <p:transition spd="med">
     <p:fade/>
   </p:transition>
 </p:sldLayout>
@@ -12582,7 +11512,7 @@
   <p:clrMapOvr>
     <a:masterClrMapping/>
   </p:clrMapOvr>
-  <p:transition xmlns:p14="http://schemas.microsoft.com/office/powerpoint/2010/main" spd="med">
+  <p:transition spd="med">
     <p:fade/>
   </p:transition>
 </p:sldLayout>
@@ -12886,7 +11816,7 @@
   <p:clrMapOvr>
     <a:masterClrMapping/>
   </p:clrMapOvr>
-  <p:transition xmlns:p14="http://schemas.microsoft.com/office/powerpoint/2010/main" spd="med">
+  <p:transition spd="med">
     <p:fade/>
   </p:transition>
 </p:sldLayout>
@@ -12962,14 +11892,14 @@
           </a:ln>
           <a:extLst>
             <a:ext uri="{909E8E84-426E-40dd-AFC4-6F175D3DCCD1}">
-              <a14:hiddenFill xmlns:a14="http://schemas.microsoft.com/office/drawing/2010/main">
+              <a14:hiddenFill xmlns:a14="http://schemas.microsoft.com/office/drawing/2010/main" xmlns="">
                 <a:solidFill>
                   <a:srgbClr val="FFFFFF"/>
                 </a:solidFill>
               </a14:hiddenFill>
             </a:ext>
             <a:ext uri="{91240B29-F687-4f45-9708-019B960494DF}">
-              <a14:hiddenLine xmlns:a14="http://schemas.microsoft.com/office/drawing/2010/main" w="9525">
+              <a14:hiddenLine xmlns:a14="http://schemas.microsoft.com/office/drawing/2010/main" xmlns="" w="9525">
                 <a:solidFill>
                   <a:srgbClr val="000000"/>
                 </a:solidFill>
@@ -13245,7 +12175,7 @@
   <p:clrMapOvr>
     <a:overrideClrMapping bg1="lt1" tx1="dk1" bg2="lt2" tx2="dk2" accent1="accent1" accent2="accent2" accent3="accent3" accent4="accent4" accent5="accent5" accent6="accent6" hlink="hlink" folHlink="folHlink"/>
   </p:clrMapOvr>
-  <p:transition xmlns:p14="http://schemas.microsoft.com/office/powerpoint/2010/main" spd="med">
+  <p:transition spd="med">
     <p:fade/>
   </p:transition>
 </p:sldLayout>
@@ -13451,7 +12381,7 @@
   <p:clrMapOvr>
     <a:overrideClrMapping bg1="lt1" tx1="dk1" bg2="lt2" tx2="dk2" accent1="accent1" accent2="accent2" accent3="accent3" accent4="accent4" accent5="accent5" accent6="accent6" hlink="hlink" folHlink="folHlink"/>
   </p:clrMapOvr>
-  <p:transition xmlns:p14="http://schemas.microsoft.com/office/powerpoint/2010/main" spd="med">
+  <p:transition spd="med">
     <p:fade/>
   </p:transition>
 </p:sldLayout>
@@ -13527,14 +12457,14 @@
           </a:ln>
           <a:extLst>
             <a:ext uri="{909E8E84-426E-40dd-AFC4-6F175D3DCCD1}">
-              <a14:hiddenFill xmlns:a14="http://schemas.microsoft.com/office/drawing/2010/main">
+              <a14:hiddenFill xmlns:a14="http://schemas.microsoft.com/office/drawing/2010/main" xmlns="">
                 <a:solidFill>
                   <a:srgbClr val="FFFFFF"/>
                 </a:solidFill>
               </a14:hiddenFill>
             </a:ext>
             <a:ext uri="{91240B29-F687-4f45-9708-019B960494DF}">
-              <a14:hiddenLine xmlns:a14="http://schemas.microsoft.com/office/drawing/2010/main" w="9525">
+              <a14:hiddenLine xmlns:a14="http://schemas.microsoft.com/office/drawing/2010/main" xmlns="" w="9525">
                 <a:solidFill>
                   <a:srgbClr val="000000"/>
                 </a:solidFill>
@@ -13817,7 +12747,7 @@
   <p:clrMapOvr>
     <a:overrideClrMapping bg1="lt1" tx1="dk1" bg2="lt2" tx2="dk2" accent1="accent1" accent2="accent2" accent3="accent3" accent4="accent4" accent5="accent5" accent6="accent6" hlink="hlink" folHlink="folHlink"/>
   </p:clrMapOvr>
-  <p:transition xmlns:p14="http://schemas.microsoft.com/office/powerpoint/2010/main" spd="med">
+  <p:transition spd="med">
     <p:fade/>
   </p:transition>
 </p:sldLayout>
@@ -14025,7 +12955,7 @@
   <p:clrMapOvr>
     <a:overrideClrMapping bg1="lt1" tx1="dk1" bg2="lt2" tx2="dk2" accent1="accent1" accent2="accent2" accent3="accent3" accent4="accent4" accent5="accent5" accent6="accent6" hlink="hlink" folHlink="folHlink"/>
   </p:clrMapOvr>
-  <p:transition xmlns:p14="http://schemas.microsoft.com/office/powerpoint/2010/main" spd="med">
+  <p:transition spd="med">
     <p:fade/>
   </p:transition>
 </p:sldLayout>
@@ -14101,14 +13031,14 @@
           </a:ln>
           <a:extLst>
             <a:ext uri="{909E8E84-426E-40dd-AFC4-6F175D3DCCD1}">
-              <a14:hiddenFill xmlns:a14="http://schemas.microsoft.com/office/drawing/2010/main">
+              <a14:hiddenFill xmlns:a14="http://schemas.microsoft.com/office/drawing/2010/main" xmlns="">
                 <a:solidFill>
                   <a:srgbClr val="FFFFFF"/>
                 </a:solidFill>
               </a14:hiddenFill>
             </a:ext>
             <a:ext uri="{91240B29-F687-4f45-9708-019B960494DF}">
-              <a14:hiddenLine xmlns:a14="http://schemas.microsoft.com/office/drawing/2010/main" w="9525">
+              <a14:hiddenLine xmlns:a14="http://schemas.microsoft.com/office/drawing/2010/main" xmlns="" w="9525">
                 <a:solidFill>
                   <a:srgbClr val="000000"/>
                 </a:solidFill>
@@ -14376,7 +13306,7 @@
   <p:clrMapOvr>
     <a:overrideClrMapping bg1="lt1" tx1="dk1" bg2="lt2" tx2="dk2" accent1="accent1" accent2="accent2" accent3="accent3" accent4="accent4" accent5="accent5" accent6="accent6" hlink="hlink" folHlink="folHlink"/>
   </p:clrMapOvr>
-  <p:transition xmlns:p14="http://schemas.microsoft.com/office/powerpoint/2010/main" spd="med">
+  <p:transition spd="med">
     <p:fade/>
   </p:transition>
 </p:sldLayout>
@@ -14604,7 +13534,7 @@
   <p:clrMapOvr>
     <a:overrideClrMapping bg1="lt1" tx1="dk1" bg2="lt2" tx2="dk2" accent1="accent1" accent2="accent2" accent3="accent3" accent4="accent4" accent5="accent5" accent6="accent6" hlink="hlink" folHlink="folHlink"/>
   </p:clrMapOvr>
-  <p:transition xmlns:p14="http://schemas.microsoft.com/office/powerpoint/2010/main" spd="med">
+  <p:transition spd="med">
     <p:fade/>
   </p:transition>
 </p:sldLayout>
@@ -14892,7 +13822,7 @@
   <p:clrMapOvr>
     <a:overrideClrMapping bg1="lt1" tx1="dk1" bg2="lt2" tx2="dk2" accent1="accent1" accent2="accent2" accent3="accent3" accent4="accent4" accent5="accent5" accent6="accent6" hlink="hlink" folHlink="folHlink"/>
   </p:clrMapOvr>
-  <p:transition xmlns:p14="http://schemas.microsoft.com/office/powerpoint/2010/main" spd="med">
+  <p:transition spd="med">
     <p:fade/>
   </p:transition>
 </p:sldLayout>
@@ -15048,14 +13978,14 @@
           </a:ln>
           <a:extLst>
             <a:ext uri="{909E8E84-426E-40dd-AFC4-6F175D3DCCD1}">
-              <a14:hiddenFill xmlns:a14="http://schemas.microsoft.com/office/drawing/2010/main">
+              <a14:hiddenFill xmlns:a14="http://schemas.microsoft.com/office/drawing/2010/main" xmlns="">
                 <a:solidFill>
                   <a:srgbClr val="FFFFFF"/>
                 </a:solidFill>
               </a14:hiddenFill>
             </a:ext>
             <a:ext uri="{91240B29-F687-4f45-9708-019B960494DF}">
-              <a14:hiddenLine xmlns:a14="http://schemas.microsoft.com/office/drawing/2010/main" w="9525">
+              <a14:hiddenLine xmlns:a14="http://schemas.microsoft.com/office/drawing/2010/main" xmlns="" w="9525">
                 <a:solidFill>
                   <a:srgbClr val="000000"/>
                 </a:solidFill>
@@ -15135,7 +14065,7 @@
               <a:defRPr/>
             </a:pPr>
             <a:r>
-              <a:rPr lang="en-US" dirty="0">
+              <a:rPr lang="en-US" dirty="0" smtClean="0">
                 <a:solidFill>
                   <a:srgbClr val="7D868C"/>
                 </a:solidFill>
@@ -15146,6 +14076,17 @@
               <a:t>©</a:t>
             </a:r>
             <a:r>
+              <a:rPr lang="is-IS" dirty="0" smtClean="0">
+                <a:solidFill>
+                  <a:srgbClr val="7D868C"/>
+                </a:solidFill>
+                <a:latin typeface="+mn-lt"/>
+                <a:ea typeface="+mn-ea"/>
+                <a:cs typeface="+mn-cs"/>
+              </a:rPr>
+              <a:t>2017</a:t>
+            </a:r>
+            <a:r>
               <a:rPr lang="en-US" dirty="0" smtClean="0">
                 <a:solidFill>
                   <a:srgbClr val="7D868C"/>
@@ -15154,7 +14095,7 @@
                 <a:ea typeface="+mn-ea"/>
                 <a:cs typeface="+mn-cs"/>
               </a:rPr>
-              <a:t>2016 </a:t>
+              <a:t> </a:t>
             </a:r>
             <a:r>
               <a:rPr lang="en-US" dirty="0">
@@ -15294,13 +14235,13 @@
     <p:sldLayoutId id="2147483841" r:id="rId11"/>
     <p:sldLayoutId id="2147483843" r:id="rId12"/>
   </p:sldLayoutIdLst>
-  <p:transition xmlns:p14="http://schemas.microsoft.com/office/powerpoint/2010/main" spd="med">
+  <p:transition spd="med">
     <p:fade/>
   </p:transition>
   <p:timing>
     <p:tnLst>
       <p:par>
-        <p:cTn xmlns:p14="http://schemas.microsoft.com/office/powerpoint/2010/main" id="1" dur="indefinite" restart="never" nodeType="tmRoot"/>
+        <p:cTn id="1" dur="indefinite" restart="never" nodeType="tmRoot"/>
       </p:par>
     </p:tnLst>
   </p:timing>
@@ -15828,14 +14769,14 @@
           </a:ln>
           <a:extLst>
             <a:ext uri="{909E8E84-426E-40dd-AFC4-6F175D3DCCD1}">
-              <a14:hiddenFill xmlns:a14="http://schemas.microsoft.com/office/drawing/2010/main">
+              <a14:hiddenFill xmlns:a14="http://schemas.microsoft.com/office/drawing/2010/main" xmlns="">
                 <a:solidFill>
                   <a:srgbClr val="FFFFFF"/>
                 </a:solidFill>
               </a14:hiddenFill>
             </a:ext>
             <a:ext uri="{91240B29-F687-4f45-9708-019B960494DF}">
-              <a14:hiddenLine xmlns:a14="http://schemas.microsoft.com/office/drawing/2010/main" w="9525">
+              <a14:hiddenLine xmlns:a14="http://schemas.microsoft.com/office/drawing/2010/main" xmlns="" w="9525">
                 <a:solidFill>
                   <a:srgbClr val="000000"/>
                 </a:solidFill>
@@ -15915,7 +14856,7 @@
               <a:defRPr/>
             </a:pPr>
             <a:r>
-              <a:rPr lang="en-US" dirty="0">
+              <a:rPr lang="en-US" dirty="0" smtClean="0">
                 <a:solidFill>
                   <a:srgbClr val="7D868C"/>
                 </a:solidFill>
@@ -15926,6 +14867,17 @@
               <a:t>©</a:t>
             </a:r>
             <a:r>
+              <a:rPr lang="is-IS" dirty="0" smtClean="0">
+                <a:solidFill>
+                  <a:srgbClr val="7D868C"/>
+                </a:solidFill>
+                <a:latin typeface="+mn-lt"/>
+                <a:ea typeface="+mn-ea"/>
+                <a:cs typeface="+mn-cs"/>
+              </a:rPr>
+              <a:t>2017</a:t>
+            </a:r>
+            <a:r>
               <a:rPr lang="en-US" dirty="0" smtClean="0">
                 <a:solidFill>
                   <a:srgbClr val="7D868C"/>
@@ -15934,7 +14886,7 @@
                 <a:ea typeface="+mn-ea"/>
                 <a:cs typeface="+mn-cs"/>
               </a:rPr>
-              <a:t>2016 </a:t>
+              <a:t> </a:t>
             </a:r>
             <a:r>
               <a:rPr lang="en-US" dirty="0">
@@ -16145,13 +15097,13 @@
     <p:sldLayoutId id="2147483856" r:id="rId7"/>
     <p:sldLayoutId id="2147483866" r:id="rId8"/>
   </p:sldLayoutIdLst>
-  <p:transition xmlns:p14="http://schemas.microsoft.com/office/powerpoint/2010/main" spd="med">
+  <p:transition spd="med">
     <p:fade/>
   </p:transition>
   <p:timing>
     <p:tnLst>
       <p:par>
-        <p:cTn xmlns:p14="http://schemas.microsoft.com/office/powerpoint/2010/main" id="1" dur="indefinite" restart="never" nodeType="tmRoot"/>
+        <p:cTn id="1" dur="indefinite" restart="never" nodeType="tmRoot"/>
       </p:par>
     </p:tnLst>
   </p:timing>
@@ -16704,13 +15656,13 @@
   <p:clrMapOvr>
     <a:masterClrMapping/>
   </p:clrMapOvr>
-  <p:transition xmlns:p14="http://schemas.microsoft.com/office/powerpoint/2010/main" spd="med">
+  <p:transition spd="med">
     <p:fade/>
   </p:transition>
   <p:timing>
     <p:tnLst>
       <p:par>
-        <p:cTn xmlns:p14="http://schemas.microsoft.com/office/powerpoint/2010/main" id="1" dur="indefinite" restart="never" nodeType="tmRoot"/>
+        <p:cTn id="1" dur="indefinite" restart="never" nodeType="tmRoot"/>
       </p:par>
     </p:tnLst>
   </p:timing>
@@ -16778,7 +15730,11 @@
             </a:r>
             <a:r>
               <a:rPr lang="en-US" dirty="0" smtClean="0"/>
-              <a:t> test/recipes/</a:t>
+              <a:t> </a:t>
+            </a:r>
+            <a:r>
+              <a:rPr lang="en-US" dirty="0" smtClean="0"/>
+              <a:t>test/smoke/default/</a:t>
             </a:r>
             <a:r>
               <a:rPr lang="en-US" dirty="0" err="1" smtClean="0"/>
@@ -16825,13 +15781,13 @@
   <p:clrMapOvr>
     <a:masterClrMapping/>
   </p:clrMapOvr>
-  <p:transition xmlns:p14="http://schemas.microsoft.com/office/powerpoint/2010/main" spd="med">
+  <p:transition spd="med">
     <p:fade/>
   </p:transition>
   <p:timing>
     <p:tnLst>
       <p:par>
-        <p:cTn xmlns:p14="http://schemas.microsoft.com/office/powerpoint/2010/main" id="1" dur="indefinite" restart="never" nodeType="tmRoot"/>
+        <p:cTn id="1" dur="indefinite" restart="never" nodeType="tmRoot"/>
       </p:par>
     </p:tnLst>
   </p:timing>
@@ -17013,13 +15969,13 @@
   <p:clrMapOvr>
     <a:masterClrMapping/>
   </p:clrMapOvr>
-  <p:transition xmlns:p14="http://schemas.microsoft.com/office/powerpoint/2010/main" spd="med">
+  <p:transition spd="med">
     <p:fade/>
   </p:transition>
   <p:timing>
     <p:tnLst>
       <p:par>
-        <p:cTn xmlns:p14="http://schemas.microsoft.com/office/powerpoint/2010/main" id="1" dur="indefinite" restart="never" nodeType="tmRoot"/>
+        <p:cTn id="1" dur="indefinite" restart="never" nodeType="tmRoot"/>
       </p:par>
     </p:tnLst>
   </p:timing>
@@ -17278,13 +16234,13 @@
   <p:clrMapOvr>
     <a:masterClrMapping/>
   </p:clrMapOvr>
-  <p:transition xmlns:p14="http://schemas.microsoft.com/office/powerpoint/2010/main" spd="med">
+  <p:transition spd="med">
     <p:fade/>
   </p:transition>
   <p:timing>
     <p:tnLst>
       <p:par>
-        <p:cTn xmlns:p14="http://schemas.microsoft.com/office/powerpoint/2010/main" id="1" dur="indefinite" restart="never" nodeType="tmRoot"/>
+        <p:cTn id="1" dur="indefinite" restart="never" nodeType="tmRoot"/>
       </p:par>
     </p:tnLst>
   </p:timing>
@@ -17546,13 +16502,13 @@
   <p:clrMapOvr>
     <a:masterClrMapping/>
   </p:clrMapOvr>
-  <p:transition xmlns:p14="http://schemas.microsoft.com/office/powerpoint/2010/main" spd="med">
+  <p:transition spd="med">
     <p:fade/>
   </p:transition>
   <p:timing>
     <p:tnLst>
       <p:par>
-        <p:cTn xmlns:p14="http://schemas.microsoft.com/office/powerpoint/2010/main" id="1" dur="indefinite" restart="never" nodeType="tmRoot"/>
+        <p:cTn id="1" dur="indefinite" restart="never" nodeType="tmRoot"/>
       </p:par>
     </p:tnLst>
   </p:timing>
@@ -17829,13 +16785,13 @@
   <p:clrMapOvr>
     <a:masterClrMapping/>
   </p:clrMapOvr>
-  <p:transition xmlns:p14="http://schemas.microsoft.com/office/powerpoint/2010/main" spd="med">
+  <p:transition spd="med">
     <p:fade/>
   </p:transition>
   <p:timing>
     <p:tnLst>
       <p:par>
-        <p:cTn xmlns:p14="http://schemas.microsoft.com/office/powerpoint/2010/main" id="1" dur="indefinite" restart="never" nodeType="tmRoot"/>
+        <p:cTn id="1" dur="indefinite" restart="never" nodeType="tmRoot"/>
       </p:par>
     </p:tnLst>
   </p:timing>
@@ -18065,13 +17021,13 @@
   <p:clrMapOvr>
     <a:masterClrMapping/>
   </p:clrMapOvr>
-  <p:transition xmlns:p14="http://schemas.microsoft.com/office/powerpoint/2010/main" spd="med">
+  <p:transition spd="med">
     <p:fade/>
   </p:transition>
   <p:timing>
     <p:tnLst>
       <p:par>
-        <p:cTn xmlns:p14="http://schemas.microsoft.com/office/powerpoint/2010/main" id="1" dur="indefinite" restart="never" nodeType="tmRoot"/>
+        <p:cTn id="1" dur="indefinite" restart="never" nodeType="tmRoot"/>
       </p:par>
     </p:tnLst>
   </p:timing>
@@ -18124,15 +17080,23 @@
           <a:p>
             <a:r>
               <a:rPr lang="en-US" dirty="0"/>
-              <a:t>       Use `/home/chef/</a:t>
-            </a:r>
-            <a:r>
-              <a:rPr lang="en-US" dirty="0" err="1"/>
+              <a:t>       Use `/</a:t>
+            </a:r>
+            <a:r>
+              <a:rPr lang="en-US" dirty="0" smtClean="0"/>
+              <a:t>home/chef/</a:t>
+            </a:r>
+            <a:r>
+              <a:rPr lang="en-US" dirty="0" err="1" smtClean="0"/>
               <a:t>httpd</a:t>
             </a:r>
             <a:r>
+              <a:rPr lang="en-US" dirty="0" smtClean="0"/>
+              <a:t>/test/smoke/default` </a:t>
+            </a:r>
+            <a:r>
               <a:rPr lang="en-US" dirty="0"/>
-              <a:t>/test/recipes/default` for testing</a:t>
+              <a:t>for testing</a:t>
             </a:r>
           </a:p>
           <a:p>
@@ -18255,13 +17219,13 @@
   <p:clrMapOvr>
     <a:masterClrMapping/>
   </p:clrMapOvr>
-  <p:transition xmlns:p14="http://schemas.microsoft.com/office/powerpoint/2010/main" spd="med">
+  <p:transition spd="med">
     <p:fade/>
   </p:transition>
   <p:timing>
     <p:tnLst>
       <p:par>
-        <p:cTn xmlns:p14="http://schemas.microsoft.com/office/powerpoint/2010/main" id="1" dur="indefinite" restart="never" nodeType="tmRoot"/>
+        <p:cTn id="1" dur="indefinite" restart="never" nodeType="tmRoot"/>
       </p:par>
     </p:tnLst>
   </p:timing>
@@ -18530,13 +17494,13 @@
   <p:clrMapOvr>
     <a:masterClrMapping/>
   </p:clrMapOvr>
-  <p:transition xmlns:p14="http://schemas.microsoft.com/office/powerpoint/2010/main" spd="med">
+  <p:transition spd="med">
     <p:fade/>
   </p:transition>
   <p:timing>
     <p:tnLst>
       <p:par>
-        <p:cTn xmlns:p14="http://schemas.microsoft.com/office/powerpoint/2010/main" id="1" dur="indefinite" restart="never" nodeType="tmRoot"/>
+        <p:cTn id="1" dur="indefinite" restart="never" nodeType="tmRoot"/>
       </p:par>
     </p:tnLst>
   </p:timing>
@@ -18676,27 +17640,8 @@
                 <a:ea typeface="Courier New" charset="0"/>
                 <a:cs typeface="Courier New" charset="0"/>
               </a:rPr>
-              <a:t>' contains the content '&lt;h1&gt;Welcome Home!&lt;/h1&gt;</a:t>
-            </a:r>
-            <a:r>
-              <a:rPr lang="en-US" b="1" dirty="0" smtClean="0">
-                <a:solidFill>
-                  <a:schemeClr val="tx1"/>
-                </a:solidFill>
-                <a:latin typeface="Courier New" charset="0"/>
-                <a:ea typeface="Courier New" charset="0"/>
-                <a:cs typeface="Courier New" charset="0"/>
-              </a:rPr>
-              <a:t>'</a:t>
-            </a:r>
-            <a:endParaRPr lang="en-US" b="1" dirty="0" smtClean="0">
-              <a:solidFill>
-                <a:schemeClr val="tx1"/>
-              </a:solidFill>
-              <a:latin typeface="Courier New" charset="0"/>
-              <a:ea typeface="Courier New" charset="0"/>
-              <a:cs typeface="Courier New" charset="0"/>
-            </a:endParaRPr>
+              <a:t>' contains the content '&lt;h1&gt;Welcome Home!&lt;/h1&gt;'</a:t>
+            </a:r>
           </a:p>
           <a:p>
             <a:endParaRPr lang="en-US" dirty="0" smtClean="0"/>
@@ -18772,13 +17717,13 @@
   <p:clrMapOvr>
     <a:masterClrMapping/>
   </p:clrMapOvr>
-  <p:transition xmlns:p14="http://schemas.microsoft.com/office/powerpoint/2010/main" spd="med">
+  <p:transition spd="med">
     <p:fade/>
   </p:transition>
   <p:timing>
     <p:tnLst>
       <p:par>
-        <p:cTn xmlns:p14="http://schemas.microsoft.com/office/powerpoint/2010/main" id="1" dur="indefinite" restart="never" nodeType="tmRoot"/>
+        <p:cTn id="1" dur="indefinite" restart="never" nodeType="tmRoot"/>
       </p:par>
     </p:tnLst>
   </p:timing>
@@ -19029,13 +17974,13 @@
   <p:clrMapOvr>
     <a:masterClrMapping/>
   </p:clrMapOvr>
-  <p:transition xmlns:p14="http://schemas.microsoft.com/office/powerpoint/2010/main" spd="med">
+  <p:transition spd="med">
     <p:fade/>
   </p:transition>
   <p:timing>
     <p:tnLst>
       <p:par>
-        <p:cTn xmlns:p14="http://schemas.microsoft.com/office/powerpoint/2010/main" id="1" dur="indefinite" restart="never" nodeType="tmRoot"/>
+        <p:cTn id="1" dur="indefinite" restart="never" nodeType="tmRoot"/>
       </p:par>
     </p:tnLst>
   </p:timing>
@@ -19159,13 +18104,13 @@
   <p:clrMapOvr>
     <a:masterClrMapping/>
   </p:clrMapOvr>
-  <p:transition xmlns:p14="http://schemas.microsoft.com/office/powerpoint/2010/main" spd="med">
+  <p:transition spd="med">
     <p:fade/>
   </p:transition>
   <p:timing>
     <p:tnLst>
       <p:par>
-        <p:cTn xmlns:p14="http://schemas.microsoft.com/office/powerpoint/2010/main" id="1" dur="indefinite" restart="never" nodeType="tmRoot"/>
+        <p:cTn id="1" dur="indefinite" restart="never" nodeType="tmRoot"/>
       </p:par>
     </p:tnLst>
   </p:timing>
@@ -19233,7 +18178,11 @@
             </a:r>
             <a:r>
               <a:rPr lang="en-US" dirty="0" smtClean="0"/>
-              <a:t> test/recipes/</a:t>
+              <a:t> </a:t>
+            </a:r>
+            <a:r>
+              <a:rPr lang="en-US" dirty="0" smtClean="0"/>
+              <a:t>test/smoke/default/</a:t>
             </a:r>
             <a:r>
               <a:rPr lang="en-US" dirty="0" err="1" smtClean="0"/>
@@ -19276,13 +18225,13 @@
   <p:clrMapOvr>
     <a:masterClrMapping/>
   </p:clrMapOvr>
-  <p:transition xmlns:p14="http://schemas.microsoft.com/office/powerpoint/2010/main" spd="med">
+  <p:transition spd="med">
     <p:fade/>
   </p:transition>
   <p:timing>
     <p:tnLst>
       <p:par>
-        <p:cTn xmlns:p14="http://schemas.microsoft.com/office/powerpoint/2010/main" id="1" dur="indefinite" restart="never" nodeType="tmRoot"/>
+        <p:cTn id="1" dur="indefinite" restart="never" nodeType="tmRoot"/>
       </p:par>
     </p:tnLst>
   </p:timing>
@@ -19488,13 +18437,13 @@
   <p:clrMapOvr>
     <a:masterClrMapping/>
   </p:clrMapOvr>
-  <p:transition xmlns:p14="http://schemas.microsoft.com/office/powerpoint/2010/main" spd="med">
+  <p:transition spd="med">
     <p:fade/>
   </p:transition>
   <p:timing>
     <p:tnLst>
       <p:par>
-        <p:cTn xmlns:p14="http://schemas.microsoft.com/office/powerpoint/2010/main" id="1" dur="indefinite" restart="never" nodeType="tmRoot"/>
+        <p:cTn id="1" dur="indefinite" restart="never" nodeType="tmRoot"/>
       </p:par>
     </p:tnLst>
   </p:timing>
@@ -19752,13 +18701,13 @@
   <p:clrMapOvr>
     <a:masterClrMapping/>
   </p:clrMapOvr>
-  <p:transition xmlns:p14="http://schemas.microsoft.com/office/powerpoint/2010/main" spd="med">
+  <p:transition spd="med">
     <p:fade/>
   </p:transition>
   <p:timing>
     <p:tnLst>
       <p:par>
-        <p:cTn xmlns:p14="http://schemas.microsoft.com/office/powerpoint/2010/main" id="1" dur="indefinite" restart="never" nodeType="tmRoot"/>
+        <p:cTn id="1" dur="indefinite" restart="never" nodeType="tmRoot"/>
       </p:par>
     </p:tnLst>
   </p:timing>
@@ -19998,13 +18947,13 @@
   <p:clrMapOvr>
     <a:masterClrMapping/>
   </p:clrMapOvr>
-  <p:transition xmlns:p14="http://schemas.microsoft.com/office/powerpoint/2010/main" spd="med">
+  <p:transition spd="med">
     <p:fade/>
   </p:transition>
   <p:timing>
     <p:tnLst>
       <p:par>
-        <p:cTn xmlns:p14="http://schemas.microsoft.com/office/powerpoint/2010/main" id="1" dur="indefinite" restart="never" nodeType="tmRoot"/>
+        <p:cTn id="1" dur="indefinite" restart="never" nodeType="tmRoot"/>
       </p:par>
     </p:tnLst>
   </p:timing>
@@ -20234,13 +19183,13 @@
   <p:clrMapOvr>
     <a:masterClrMapping/>
   </p:clrMapOvr>
-  <p:transition xmlns:p14="http://schemas.microsoft.com/office/powerpoint/2010/main" spd="med">
+  <p:transition spd="med">
     <p:fade/>
   </p:transition>
   <p:timing>
     <p:tnLst>
       <p:par>
-        <p:cTn xmlns:p14="http://schemas.microsoft.com/office/powerpoint/2010/main" id="1" dur="indefinite" restart="never" nodeType="tmRoot"/>
+        <p:cTn id="1" dur="indefinite" restart="never" nodeType="tmRoot"/>
       </p:par>
     </p:tnLst>
   </p:timing>
@@ -20293,15 +19242,23 @@
           <a:p>
             <a:r>
               <a:rPr lang="en-US" dirty="0"/>
-              <a:t>       Use `/home/chef/</a:t>
-            </a:r>
-            <a:r>
-              <a:rPr lang="en-US" dirty="0" err="1"/>
+              <a:t>       Use `/</a:t>
+            </a:r>
+            <a:r>
+              <a:rPr lang="en-US" dirty="0" smtClean="0"/>
+              <a:t>home/chef/</a:t>
+            </a:r>
+            <a:r>
+              <a:rPr lang="en-US" dirty="0" err="1" smtClean="0"/>
               <a:t>httpd</a:t>
             </a:r>
             <a:r>
+              <a:rPr lang="en-US" dirty="0" smtClean="0"/>
+              <a:t>/test/smoke/default` </a:t>
+            </a:r>
+            <a:r>
               <a:rPr lang="en-US" dirty="0"/>
-              <a:t>/test/recipes/default` for testing</a:t>
+              <a:t>for testing</a:t>
             </a:r>
           </a:p>
           <a:p>
@@ -20424,13 +19381,13 @@
   <p:clrMapOvr>
     <a:masterClrMapping/>
   </p:clrMapOvr>
-  <p:transition xmlns:p14="http://schemas.microsoft.com/office/powerpoint/2010/main" spd="med">
+  <p:transition spd="med">
     <p:fade/>
   </p:transition>
   <p:timing>
     <p:tnLst>
       <p:par>
-        <p:cTn xmlns:p14="http://schemas.microsoft.com/office/powerpoint/2010/main" id="1" dur="indefinite" restart="never" nodeType="tmRoot"/>
+        <p:cTn id="1" dur="indefinite" restart="never" nodeType="tmRoot"/>
       </p:par>
     </p:tnLst>
   </p:timing>
@@ -20569,27 +19526,8 @@
                 <a:ea typeface="Courier New" charset="0"/>
                 <a:cs typeface="Courier New" charset="0"/>
               </a:rPr>
-              <a:t>' contains the content '&lt;h1&gt;Welcome Home!&lt;/h1&gt;</a:t>
-            </a:r>
-            <a:r>
-              <a:rPr lang="en-US" b="1" dirty="0" smtClean="0">
-                <a:solidFill>
-                  <a:schemeClr val="tx1"/>
-                </a:solidFill>
-                <a:latin typeface="Courier New" charset="0"/>
-                <a:ea typeface="Courier New" charset="0"/>
-                <a:cs typeface="Courier New" charset="0"/>
-              </a:rPr>
-              <a:t>'</a:t>
-            </a:r>
-            <a:endParaRPr lang="en-US" b="1" dirty="0" smtClean="0">
-              <a:solidFill>
-                <a:schemeClr val="tx1"/>
-              </a:solidFill>
-              <a:latin typeface="Courier New" charset="0"/>
-              <a:ea typeface="Courier New" charset="0"/>
-              <a:cs typeface="Courier New" charset="0"/>
-            </a:endParaRPr>
+              <a:t>' contains the content '&lt;h1&gt;Welcome Home!&lt;/h1&gt;'</a:t>
+            </a:r>
           </a:p>
           <a:p>
             <a:endParaRPr lang="en-US" dirty="0" smtClean="0"/>
@@ -20661,13 +19599,13 @@
   <p:clrMapOvr>
     <a:masterClrMapping/>
   </p:clrMapOvr>
-  <p:transition xmlns:p14="http://schemas.microsoft.com/office/powerpoint/2010/main" spd="med">
+  <p:transition spd="med">
     <p:fade/>
   </p:transition>
   <p:timing>
     <p:tnLst>
       <p:par>
-        <p:cTn xmlns:p14="http://schemas.microsoft.com/office/powerpoint/2010/main" id="1" dur="indefinite" restart="never" nodeType="tmRoot"/>
+        <p:cTn id="1" dur="indefinite" restart="never" nodeType="tmRoot"/>
       </p:par>
     </p:tnLst>
   </p:timing>
@@ -20799,18 +19737,7 @@
                 <a:ea typeface="Courier New" charset="0"/>
                 <a:cs typeface="Courier New" charset="0"/>
               </a:rPr>
-              <a:t>' is started and </a:t>
-            </a:r>
-            <a:r>
-              <a:rPr lang="en-US" b="1" dirty="0" smtClean="0">
-                <a:solidFill>
-                  <a:schemeClr val="tx1"/>
-                </a:solidFill>
-                <a:latin typeface="Courier New" charset="0"/>
-                <a:ea typeface="Courier New" charset="0"/>
-                <a:cs typeface="Courier New" charset="0"/>
-              </a:rPr>
-              <a:t>enabled</a:t>
+              <a:t>' is started and enabled</a:t>
             </a:r>
             <a:endParaRPr lang="en-US" b="1" dirty="0">
               <a:solidFill>
@@ -21018,13 +19945,13 @@
   <p:clrMapOvr>
     <a:masterClrMapping/>
   </p:clrMapOvr>
-  <p:transition xmlns:p14="http://schemas.microsoft.com/office/powerpoint/2010/main" spd="med">
+  <p:transition spd="med">
     <p:fade/>
   </p:transition>
   <p:timing>
     <p:tnLst>
       <p:par>
-        <p:cTn xmlns:p14="http://schemas.microsoft.com/office/powerpoint/2010/main" id="1" dur="indefinite" restart="never" nodeType="tmRoot"/>
+        <p:cTn id="1" dur="indefinite" restart="never" nodeType="tmRoot"/>
       </p:par>
     </p:tnLst>
   </p:timing>
@@ -21269,13 +20196,13 @@
   <p:clrMapOvr>
     <a:masterClrMapping/>
   </p:clrMapOvr>
-  <p:transition xmlns:p14="http://schemas.microsoft.com/office/powerpoint/2010/main" spd="med">
+  <p:transition spd="med">
     <p:fade/>
   </p:transition>
   <p:timing>
     <p:tnLst>
       <p:par>
-        <p:cTn xmlns:p14="http://schemas.microsoft.com/office/powerpoint/2010/main" id="1" dur="indefinite" restart="never" nodeType="tmRoot"/>
+        <p:cTn id="1" dur="indefinite" restart="never" nodeType="tmRoot"/>
       </p:par>
     </p:tnLst>
   </p:timing>
@@ -21343,7 +20270,11 @@
             </a:r>
             <a:r>
               <a:rPr lang="en-US" dirty="0" smtClean="0"/>
-              <a:t> test/recipes/</a:t>
+              <a:t> </a:t>
+            </a:r>
+            <a:r>
+              <a:rPr lang="en-US" dirty="0" smtClean="0"/>
+              <a:t>test/smoke/default/</a:t>
             </a:r>
             <a:r>
               <a:rPr lang="en-US" dirty="0" err="1" smtClean="0"/>
@@ -21386,13 +20317,13 @@
   <p:clrMapOvr>
     <a:masterClrMapping/>
   </p:clrMapOvr>
-  <p:transition xmlns:p14="http://schemas.microsoft.com/office/powerpoint/2010/main" spd="med">
+  <p:transition spd="med">
     <p:fade/>
   </p:transition>
   <p:timing>
     <p:tnLst>
       <p:par>
-        <p:cTn xmlns:p14="http://schemas.microsoft.com/office/powerpoint/2010/main" id="1" dur="indefinite" restart="never" nodeType="tmRoot"/>
+        <p:cTn id="1" dur="indefinite" restart="never" nodeType="tmRoot"/>
       </p:par>
     </p:tnLst>
   </p:timing>
@@ -21550,13 +20481,13 @@
   <p:clrMapOvr>
     <a:masterClrMapping/>
   </p:clrMapOvr>
-  <p:transition xmlns:p14="http://schemas.microsoft.com/office/powerpoint/2010/main" spd="med">
+  <p:transition spd="med">
     <p:fade/>
   </p:transition>
   <p:timing>
     <p:tnLst>
       <p:par>
-        <p:cTn xmlns:p14="http://schemas.microsoft.com/office/powerpoint/2010/main" id="1" dur="indefinite" restart="never" nodeType="tmRoot"/>
+        <p:cTn id="1" dur="indefinite" restart="never" nodeType="tmRoot"/>
       </p:par>
     </p:tnLst>
   </p:timing>
@@ -21759,13 +20690,13 @@
   <p:clrMapOvr>
     <a:masterClrMapping/>
   </p:clrMapOvr>
-  <p:transition xmlns:p14="http://schemas.microsoft.com/office/powerpoint/2010/main" spd="med">
+  <p:transition spd="med">
     <p:fade/>
   </p:transition>
   <p:timing>
     <p:tnLst>
       <p:par>
-        <p:cTn xmlns:p14="http://schemas.microsoft.com/office/powerpoint/2010/main" id="1" dur="indefinite" restart="never" nodeType="tmRoot"/>
+        <p:cTn id="1" dur="indefinite" restart="never" nodeType="tmRoot"/>
       </p:par>
     </p:tnLst>
   </p:timing>
@@ -22005,13 +20936,13 @@
   <p:clrMapOvr>
     <a:masterClrMapping/>
   </p:clrMapOvr>
-  <p:transition xmlns:p14="http://schemas.microsoft.com/office/powerpoint/2010/main" spd="med">
+  <p:transition spd="med">
     <p:fade/>
   </p:transition>
   <p:timing>
     <p:tnLst>
       <p:par>
-        <p:cTn xmlns:p14="http://schemas.microsoft.com/office/powerpoint/2010/main" id="1" dur="indefinite" restart="never" nodeType="tmRoot"/>
+        <p:cTn id="1" dur="indefinite" restart="never" nodeType="tmRoot"/>
       </p:par>
     </p:tnLst>
   </p:timing>
@@ -22238,13 +21169,13 @@
   <p:clrMapOvr>
     <a:masterClrMapping/>
   </p:clrMapOvr>
-  <p:transition xmlns:p14="http://schemas.microsoft.com/office/powerpoint/2010/main" spd="med">
+  <p:transition spd="med">
     <p:fade/>
   </p:transition>
   <p:timing>
     <p:tnLst>
       <p:par>
-        <p:cTn xmlns:p14="http://schemas.microsoft.com/office/powerpoint/2010/main" id="1" dur="indefinite" restart="never" nodeType="tmRoot"/>
+        <p:cTn id="1" dur="indefinite" restart="never" nodeType="tmRoot"/>
       </p:par>
     </p:tnLst>
   </p:timing>
@@ -22474,13 +21405,13 @@
   <p:clrMapOvr>
     <a:masterClrMapping/>
   </p:clrMapOvr>
-  <p:transition xmlns:p14="http://schemas.microsoft.com/office/powerpoint/2010/main" spd="med">
+  <p:transition spd="med">
     <p:fade/>
   </p:transition>
   <p:timing>
     <p:tnLst>
       <p:par>
-        <p:cTn xmlns:p14="http://schemas.microsoft.com/office/powerpoint/2010/main" id="1" dur="indefinite" restart="never" nodeType="tmRoot"/>
+        <p:cTn id="1" dur="indefinite" restart="never" nodeType="tmRoot"/>
       </p:par>
     </p:tnLst>
   </p:timing>
@@ -22533,15 +21464,23 @@
           <a:p>
             <a:r>
               <a:rPr lang="en-US" dirty="0"/>
-              <a:t>       Use `/home/chef/</a:t>
-            </a:r>
-            <a:r>
-              <a:rPr lang="en-US" dirty="0" err="1"/>
+              <a:t>       Use `/</a:t>
+            </a:r>
+            <a:r>
+              <a:rPr lang="en-US" dirty="0" smtClean="0"/>
+              <a:t>home/chef/</a:t>
+            </a:r>
+            <a:r>
+              <a:rPr lang="en-US" dirty="0" err="1" smtClean="0"/>
               <a:t>httpd</a:t>
             </a:r>
             <a:r>
+              <a:rPr lang="en-US" dirty="0" smtClean="0"/>
+              <a:t>/test/smoke/default` </a:t>
+            </a:r>
+            <a:r>
               <a:rPr lang="en-US" dirty="0"/>
-              <a:t>/test/recipes/default` for testing</a:t>
+              <a:t>for testing</a:t>
             </a:r>
           </a:p>
           <a:p>
@@ -22659,13 +21598,13 @@
   <p:clrMapOvr>
     <a:masterClrMapping/>
   </p:clrMapOvr>
-  <p:transition xmlns:p14="http://schemas.microsoft.com/office/powerpoint/2010/main" spd="med">
+  <p:transition spd="med">
     <p:fade/>
   </p:transition>
   <p:timing>
     <p:tnLst>
       <p:par>
-        <p:cTn xmlns:p14="http://schemas.microsoft.com/office/powerpoint/2010/main" id="1" dur="indefinite" restart="never" nodeType="tmRoot"/>
+        <p:cTn id="1" dur="indefinite" restart="never" nodeType="tmRoot"/>
       </p:par>
     </p:tnLst>
   </p:timing>
@@ -23000,11 +21939,6 @@
               </a:rPr>
               <a:t>My hair will grow back!</a:t>
             </a:r>
-            <a:endParaRPr lang="en-US" sz="1800" dirty="0" smtClean="0">
-              <a:solidFill>
-                <a:schemeClr val="tx2"/>
-              </a:solidFill>
-            </a:endParaRPr>
           </a:p>
         </p:txBody>
       </p:sp>
@@ -23018,13 +21952,13 @@
   <p:clrMapOvr>
     <a:masterClrMapping/>
   </p:clrMapOvr>
-  <p:transition xmlns:p14="http://schemas.microsoft.com/office/powerpoint/2010/main" spd="med">
+  <p:transition spd="med">
     <p:fade/>
   </p:transition>
   <p:timing>
     <p:tnLst>
       <p:par>
-        <p:cTn xmlns:p14="http://schemas.microsoft.com/office/powerpoint/2010/main" id="1" dur="indefinite" restart="never" nodeType="tmRoot"/>
+        <p:cTn id="1" dur="indefinite" restart="never" nodeType="tmRoot"/>
       </p:par>
     </p:tnLst>
   </p:timing>
@@ -23105,13 +22039,13 @@
   <p:clrMapOvr>
     <a:masterClrMapping/>
   </p:clrMapOvr>
-  <p:transition xmlns:p14="http://schemas.microsoft.com/office/powerpoint/2010/main" spd="med">
+  <p:transition spd="med">
     <p:fade/>
   </p:transition>
   <p:timing>
     <p:tnLst>
       <p:par>
-        <p:cTn xmlns:p14="http://schemas.microsoft.com/office/powerpoint/2010/main" id="1" dur="indefinite" restart="never" nodeType="tmRoot"/>
+        <p:cTn id="1" dur="indefinite" restart="never" nodeType="tmRoot"/>
       </p:par>
     </p:tnLst>
   </p:timing>
@@ -23193,13 +22127,13 @@
   <p:clrMapOvr>
     <a:masterClrMapping/>
   </p:clrMapOvr>
-  <p:transition xmlns:p14="http://schemas.microsoft.com/office/powerpoint/2010/main" spd="med">
+  <p:transition spd="med">
     <p:fade/>
   </p:transition>
   <p:timing>
     <p:tnLst>
       <p:par>
-        <p:cTn xmlns:p14="http://schemas.microsoft.com/office/powerpoint/2010/main" id="1" dur="indefinite" restart="never" nodeType="tmRoot"/>
+        <p:cTn id="1" dur="indefinite" restart="never" nodeType="tmRoot"/>
       </p:par>
     </p:tnLst>
   </p:timing>
@@ -23324,13 +22258,13 @@
   <p:clrMapOvr>
     <a:masterClrMapping/>
   </p:clrMapOvr>
-  <p:transition xmlns:p14="http://schemas.microsoft.com/office/powerpoint/2010/main" spd="med">
+  <p:transition spd="med">
     <p:fade/>
   </p:transition>
   <p:timing>
     <p:tnLst>
       <p:par>
-        <p:cTn xmlns:p14="http://schemas.microsoft.com/office/powerpoint/2010/main" id="1" dur="indefinite" restart="never" nodeType="tmRoot"/>
+        <p:cTn id="1" dur="indefinite" restart="never" nodeType="tmRoot"/>
       </p:par>
     </p:tnLst>
   </p:timing>
@@ -23578,13 +22512,13 @@
   <p:clrMapOvr>
     <a:masterClrMapping/>
   </p:clrMapOvr>
-  <p:transition xmlns:p14="http://schemas.microsoft.com/office/powerpoint/2010/main" spd="med">
+  <p:transition spd="med">
     <p:fade/>
   </p:transition>
   <p:timing>
     <p:tnLst>
       <p:par>
-        <p:cTn xmlns:p14="http://schemas.microsoft.com/office/powerpoint/2010/main" id="1" dur="indefinite" restart="never" nodeType="tmRoot"/>
+        <p:cTn id="1" dur="indefinite" restart="never" nodeType="tmRoot"/>
       </p:par>
     </p:tnLst>
   </p:timing>
@@ -24820,13 +23754,13 @@
   <p:clrMapOvr>
     <a:masterClrMapping/>
   </p:clrMapOvr>
-  <p:transition xmlns:p14="http://schemas.microsoft.com/office/powerpoint/2010/main" spd="med">
+  <p:transition spd="med">
     <p:fade/>
   </p:transition>
   <p:timing>
     <p:tnLst>
       <p:par>
-        <p:cTn xmlns:p14="http://schemas.microsoft.com/office/powerpoint/2010/main" id="1" dur="indefinite" restart="never" nodeType="tmRoot"/>
+        <p:cTn id="1" dur="indefinite" restart="never" nodeType="tmRoot"/>
       </p:par>
     </p:tnLst>
   </p:timing>
@@ -24950,13 +23884,13 @@
   <p:clrMapOvr>
     <a:masterClrMapping/>
   </p:clrMapOvr>
-  <p:transition xmlns:p14="http://schemas.microsoft.com/office/powerpoint/2010/main" spd="med">
+  <p:transition spd="med">
     <p:fade/>
   </p:transition>
   <p:timing>
     <p:tnLst>
       <p:par>
-        <p:cTn xmlns:p14="http://schemas.microsoft.com/office/powerpoint/2010/main" id="1" dur="indefinite" restart="never" nodeType="tmRoot"/>
+        <p:cTn id="1" dur="indefinite" restart="never" nodeType="tmRoot"/>
       </p:par>
     </p:tnLst>
   </p:timing>
@@ -25216,13 +24150,13 @@
   <p:clrMapOvr>
     <a:masterClrMapping/>
   </p:clrMapOvr>
-  <p:transition xmlns:p14="http://schemas.microsoft.com/office/powerpoint/2010/main" spd="med">
+  <p:transition spd="med">
     <p:fade/>
   </p:transition>
   <p:timing>
     <p:tnLst>
       <p:par>
-        <p:cTn xmlns:p14="http://schemas.microsoft.com/office/powerpoint/2010/main" id="1" dur="indefinite" restart="never" nodeType="tmRoot"/>
+        <p:cTn id="1" dur="indefinite" restart="never" nodeType="tmRoot"/>
       </p:par>
     </p:tnLst>
   </p:timing>
@@ -25275,15 +24209,23 @@
           <a:p>
             <a:r>
               <a:rPr lang="en-US" dirty="0"/>
-              <a:t>       Use `/home/chef/</a:t>
-            </a:r>
-            <a:r>
-              <a:rPr lang="en-US" dirty="0" err="1"/>
+              <a:t>       Use `/</a:t>
+            </a:r>
+            <a:r>
+              <a:rPr lang="en-US" dirty="0" smtClean="0"/>
+              <a:t>home/chef/</a:t>
+            </a:r>
+            <a:r>
+              <a:rPr lang="en-US" dirty="0" err="1" smtClean="0"/>
               <a:t>httpd</a:t>
             </a:r>
             <a:r>
+              <a:rPr lang="en-US" dirty="0" smtClean="0"/>
+              <a:t>/test/smoke/default` </a:t>
+            </a:r>
+            <a:r>
               <a:rPr lang="en-US" dirty="0"/>
-              <a:t>/test/recipes/default` for testing</a:t>
+              <a:t>for testing</a:t>
             </a:r>
           </a:p>
           <a:p>
@@ -25425,13 +24367,13 @@
   <p:clrMapOvr>
     <a:masterClrMapping/>
   </p:clrMapOvr>
-  <p:transition xmlns:p14="http://schemas.microsoft.com/office/powerpoint/2010/main" spd="med">
+  <p:transition spd="med">
     <p:fade/>
   </p:transition>
   <p:timing>
     <p:tnLst>
       <p:par>
-        <p:cTn xmlns:p14="http://schemas.microsoft.com/office/powerpoint/2010/main" id="1" dur="indefinite" restart="never" nodeType="tmRoot"/>
+        <p:cTn id="1" dur="indefinite" restart="never" nodeType="tmRoot"/>
       </p:par>
     </p:tnLst>
   </p:timing>
@@ -25521,13 +24463,13 @@
   <p:clrMapOvr>
     <a:masterClrMapping/>
   </p:clrMapOvr>
-  <p:transition xmlns:p14="http://schemas.microsoft.com/office/powerpoint/2010/main" spd="med">
+  <p:transition spd="med">
     <p:fade/>
   </p:transition>
   <p:timing>
     <p:tnLst>
       <p:par>
-        <p:cTn xmlns:p14="http://schemas.microsoft.com/office/powerpoint/2010/main" id="1" dur="indefinite" restart="never" nodeType="tmRoot"/>
+        <p:cTn id="1" dur="indefinite" restart="never" nodeType="tmRoot"/>
       </p:par>
     </p:tnLst>
   </p:timing>
@@ -26787,13 +25729,13 @@
   <p:clrMapOvr>
     <a:masterClrMapping/>
   </p:clrMapOvr>
-  <p:transition xmlns:p14="http://schemas.microsoft.com/office/powerpoint/2010/main" spd="med">
+  <p:transition spd="med">
     <p:fade/>
   </p:transition>
   <p:timing>
     <p:tnLst>
       <p:par>
-        <p:cTn xmlns:p14="http://schemas.microsoft.com/office/powerpoint/2010/main" id="1" dur="indefinite" restart="never" nodeType="tmRoot"/>
+        <p:cTn id="1" dur="indefinite" restart="never" nodeType="tmRoot"/>
       </p:par>
     </p:tnLst>
   </p:timing>
@@ -28129,13 +27071,13 @@
   <p:clrMapOvr>
     <a:masterClrMapping/>
   </p:clrMapOvr>
-  <p:transition xmlns:p14="http://schemas.microsoft.com/office/powerpoint/2010/main" spd="med">
+  <p:transition spd="med">
     <p:fade/>
   </p:transition>
   <p:timing>
     <p:tnLst>
       <p:par>
-        <p:cTn xmlns:p14="http://schemas.microsoft.com/office/powerpoint/2010/main" id="1" dur="indefinite" restart="never" nodeType="tmRoot"/>
+        <p:cTn id="1" dur="indefinite" restart="never" nodeType="tmRoot"/>
       </p:par>
     </p:tnLst>
   </p:timing>
@@ -28230,13 +27172,13 @@
   <p:clrMapOvr>
     <a:masterClrMapping/>
   </p:clrMapOvr>
-  <p:transition xmlns:p14="http://schemas.microsoft.com/office/powerpoint/2010/main" spd="med">
+  <p:transition spd="med">
     <p:fade/>
   </p:transition>
   <p:timing>
     <p:tnLst>
       <p:par>
-        <p:cTn xmlns:p14="http://schemas.microsoft.com/office/powerpoint/2010/main" id="1" dur="indefinite" restart="never" nodeType="tmRoot"/>
+        <p:cTn id="1" dur="indefinite" restart="never" nodeType="tmRoot"/>
       </p:par>
     </p:tnLst>
   </p:timing>
@@ -28323,11 +27265,23 @@
           <a:p>
             <a:r>
               <a:rPr lang="en-US" dirty="0" smtClean="0"/>
-              <a:t>       [</a:t>
+              <a:t>       </a:t>
+            </a:r>
+            <a:r>
+              <a:rPr lang="en-US" dirty="0" smtClean="0"/>
+              <a:t>[</a:t>
+            </a:r>
+            <a:r>
+              <a:rPr lang="is-IS" dirty="0" smtClean="0"/>
+              <a:t>2017</a:t>
+            </a:r>
+            <a:r>
+              <a:rPr lang="en-US" dirty="0" smtClean="0"/>
+              <a:t>-08-29T20:29:16+00:00</a:t>
             </a:r>
             <a:r>
               <a:rPr lang="en-US" dirty="0"/>
-              <a:t>2016-08-29T20:29:16+00:00] FATAL: Chef::Exceptions::</a:t>
+              <a:t>] FATAL: Chef::Exceptions::</a:t>
             </a:r>
             <a:r>
               <a:rPr lang="en-US" dirty="0" err="1"/>
@@ -28460,13 +27414,13 @@
   <p:clrMapOvr>
     <a:masterClrMapping/>
   </p:clrMapOvr>
-  <p:transition xmlns:p14="http://schemas.microsoft.com/office/powerpoint/2010/main" spd="med">
+  <p:transition spd="med">
     <p:fade/>
   </p:transition>
   <p:timing>
     <p:tnLst>
       <p:par>
-        <p:cTn xmlns:p14="http://schemas.microsoft.com/office/powerpoint/2010/main" id="1" dur="indefinite" restart="never" nodeType="tmRoot"/>
+        <p:cTn id="1" dur="indefinite" restart="never" nodeType="tmRoot"/>
       </p:par>
     </p:tnLst>
   </p:timing>
@@ -28625,13 +27579,13 @@
   <p:clrMapOvr>
     <a:masterClrMapping/>
   </p:clrMapOvr>
-  <p:transition xmlns:p14="http://schemas.microsoft.com/office/powerpoint/2010/main" spd="med">
+  <p:transition spd="med">
     <p:fade/>
   </p:transition>
   <p:timing>
     <p:tnLst>
       <p:par>
-        <p:cTn xmlns:p14="http://schemas.microsoft.com/office/powerpoint/2010/main" id="1" dur="indefinite" restart="never" nodeType="tmRoot"/>
+        <p:cTn id="1" dur="indefinite" restart="never" nodeType="tmRoot"/>
       </p:par>
     </p:tnLst>
   </p:timing>
@@ -28755,13 +27709,13 @@
   <p:clrMapOvr>
     <a:masterClrMapping/>
   </p:clrMapOvr>
-  <p:transition xmlns:p14="http://schemas.microsoft.com/office/powerpoint/2010/main" spd="med">
+  <p:transition spd="med">
     <p:fade/>
   </p:transition>
   <p:timing>
     <p:tnLst>
       <p:par>
-        <p:cTn xmlns:p14="http://schemas.microsoft.com/office/powerpoint/2010/main" id="1" dur="indefinite" restart="never" nodeType="tmRoot"/>
+        <p:cTn id="1" dur="indefinite" restart="never" nodeType="tmRoot"/>
       </p:par>
     </p:tnLst>
   </p:timing>
@@ -29077,13 +28031,13 @@
   <p:clrMapOvr>
     <a:masterClrMapping/>
   </p:clrMapOvr>
-  <p:transition xmlns:p14="http://schemas.microsoft.com/office/powerpoint/2010/main" spd="med">
+  <p:transition spd="med">
     <p:fade/>
   </p:transition>
   <p:timing>
     <p:tnLst>
       <p:par>
-        <p:cTn xmlns:p14="http://schemas.microsoft.com/office/powerpoint/2010/main" id="1" dur="indefinite" restart="never" nodeType="tmRoot"/>
+        <p:cTn id="1" dur="indefinite" restart="never" nodeType="tmRoot"/>
       </p:par>
     </p:tnLst>
   </p:timing>
@@ -29279,13 +28233,13 @@
   <p:clrMapOvr>
     <a:masterClrMapping/>
   </p:clrMapOvr>
-  <p:transition xmlns:p14="http://schemas.microsoft.com/office/powerpoint/2010/main" spd="med">
+  <p:transition spd="med">
     <p:fade/>
   </p:transition>
   <p:timing>
     <p:tnLst>
       <p:par>
-        <p:cTn xmlns:p14="http://schemas.microsoft.com/office/powerpoint/2010/main" id="1" dur="indefinite" restart="never" nodeType="tmRoot"/>
+        <p:cTn id="1" dur="indefinite" restart="never" nodeType="tmRoot"/>
       </p:par>
     </p:tnLst>
   </p:timing>
@@ -29367,13 +28321,13 @@
   <p:clrMapOvr>
     <a:masterClrMapping/>
   </p:clrMapOvr>
-  <p:transition xmlns:p14="http://schemas.microsoft.com/office/powerpoint/2010/main" spd="med">
+  <p:transition spd="med">
     <p:fade/>
   </p:transition>
   <p:timing>
     <p:tnLst>
       <p:par>
-        <p:cTn xmlns:p14="http://schemas.microsoft.com/office/powerpoint/2010/main" id="1" dur="indefinite" restart="never" nodeType="tmRoot"/>
+        <p:cTn id="1" dur="indefinite" restart="never" nodeType="tmRoot"/>
       </p:par>
     </p:tnLst>
   </p:timing>
@@ -29545,13 +28499,13 @@
   <p:clrMapOvr>
     <a:masterClrMapping/>
   </p:clrMapOvr>
-  <p:transition xmlns:p14="http://schemas.microsoft.com/office/powerpoint/2010/main" spd="med">
+  <p:transition spd="med">
     <p:fade/>
   </p:transition>
   <p:timing>
     <p:tnLst>
       <p:par>
-        <p:cTn xmlns:p14="http://schemas.microsoft.com/office/powerpoint/2010/main" id="1" dur="indefinite" restart="never" nodeType="tmRoot"/>
+        <p:cTn id="1" dur="indefinite" restart="never" nodeType="tmRoot"/>
       </p:par>
     </p:tnLst>
   </p:timing>
@@ -29585,13 +28539,13 @@
   <p:clrMapOvr>
     <a:masterClrMapping/>
   </p:clrMapOvr>
-  <p:transition xmlns:p14="http://schemas.microsoft.com/office/powerpoint/2010/main" spd="med">
+  <p:transition spd="med">
     <p:fade/>
   </p:transition>
   <p:timing>
     <p:tnLst>
       <p:par>
-        <p:cTn xmlns:p14="http://schemas.microsoft.com/office/powerpoint/2010/main" id="1" dur="indefinite" restart="never" nodeType="tmRoot"/>
+        <p:cTn id="1" dur="indefinite" restart="never" nodeType="tmRoot"/>
       </p:par>
     </p:tnLst>
   </p:timing>
@@ -30346,13 +29300,13 @@
   <p:clrMapOvr>
     <a:masterClrMapping/>
   </p:clrMapOvr>
-  <p:transition xmlns:p14="http://schemas.microsoft.com/office/powerpoint/2010/main" spd="med">
+  <p:transition spd="med">
     <p:fade/>
   </p:transition>
   <p:timing>
     <p:tnLst>
       <p:par>
-        <p:cTn xmlns:p14="http://schemas.microsoft.com/office/powerpoint/2010/main" id="1" dur="indefinite" restart="never" nodeType="tmRoot"/>
+        <p:cTn id="1" dur="indefinite" restart="never" nodeType="tmRoot"/>
       </p:par>
     </p:tnLst>
   </p:timing>
@@ -30622,13 +29576,13 @@
   <p:clrMapOvr>
     <a:masterClrMapping/>
   </p:clrMapOvr>
-  <p:transition xmlns:p14="http://schemas.microsoft.com/office/powerpoint/2010/main" spd="med">
+  <p:transition spd="med">
     <p:fade/>
   </p:transition>
   <p:timing>
     <p:tnLst>
       <p:par>
-        <p:cTn xmlns:p14="http://schemas.microsoft.com/office/powerpoint/2010/main" id="1" dur="indefinite" restart="never" nodeType="tmRoot"/>
+        <p:cTn id="1" dur="indefinite" restart="never" nodeType="tmRoot"/>
       </p:par>
     </p:tnLst>
   </p:timing>
@@ -30839,13 +29793,13 @@
   <p:clrMapOvr>
     <a:masterClrMapping/>
   </p:clrMapOvr>
-  <p:transition xmlns:p14="http://schemas.microsoft.com/office/powerpoint/2010/main" spd="med">
+  <p:transition spd="med">
     <p:fade/>
   </p:transition>
   <p:timing>
     <p:tnLst>
       <p:par>
-        <p:cTn xmlns:p14="http://schemas.microsoft.com/office/powerpoint/2010/main" id="1" dur="indefinite" restart="never" nodeType="tmRoot"/>
+        <p:cTn id="1" dur="indefinite" restart="never" nodeType="tmRoot"/>
       </p:par>
     </p:tnLst>
   </p:timing>
@@ -31084,13 +30038,13 @@
   <p:clrMapOvr>
     <a:masterClrMapping/>
   </p:clrMapOvr>
-  <p:transition xmlns:p14="http://schemas.microsoft.com/office/powerpoint/2010/main" spd="med">
+  <p:transition spd="med">
     <p:fade/>
   </p:transition>
   <p:timing>
     <p:tnLst>
       <p:par>
-        <p:cTn xmlns:p14="http://schemas.microsoft.com/office/powerpoint/2010/main" id="1" dur="indefinite" restart="never" nodeType="tmRoot"/>
+        <p:cTn id="1" dur="indefinite" restart="never" nodeType="tmRoot"/>
       </p:par>
     </p:tnLst>
   </p:timing>
@@ -31473,7 +30427,7 @@
   <a:extraClrSchemeLst/>
   <a:extLst>
     <a:ext uri="{05A4C25C-085E-4340-85A3-A5531E510DB2}">
-      <thm15:themeFamily xmlns:thm15="http://schemas.microsoft.com/office/thememl/2012/main" xmlns="" name="Chef-TemplateComps_v09-16x9-Light.potx" id="{078CEFDB-FA7A-4E36-9964-13EF367585CB}" vid="{8B87B0F3-7308-43D5-8388-E1B49EA02652}"/>
+      <thm15:themeFamily xmlns:thm15="http://schemas.microsoft.com/office/thememl/2012/main" name="Chef-TemplateComps_v09-16x9-Light.potx" id="{078CEFDB-FA7A-4E36-9964-13EF367585CB}" vid="{8B87B0F3-7308-43D5-8388-E1B49EA02652}"/>
     </a:ext>
   </a:extLst>
 </a:theme>
@@ -31855,7 +30809,7 @@
   <a:extraClrSchemeLst/>
   <a:extLst>
     <a:ext uri="{05A4C25C-085E-4340-85A3-A5531E510DB2}">
-      <thm15:themeFamily xmlns:thm15="http://schemas.microsoft.com/office/thememl/2012/main" xmlns="" name="Chef-TemplateComps_v09-16x9-Light.potx" id="{078CEFDB-FA7A-4E36-9964-13EF367585CB}" vid="{8B87B0F3-7308-43D5-8388-E1B49EA02652}"/>
+      <thm15:themeFamily xmlns:thm15="http://schemas.microsoft.com/office/thememl/2012/main" name="Chef-TemplateComps_v09-16x9-Light.potx" id="{078CEFDB-FA7A-4E36-9964-13EF367585CB}" vid="{8B87B0F3-7308-43D5-8388-E1B49EA02652}"/>
     </a:ext>
   </a:extLst>
 </a:theme>
